--- a/presentations/04_Tasks.pptx
+++ b/presentations/04_Tasks.pptx
@@ -2,30 +2,30 @@
 <file path=ppt/presentation.xml><?xml version="1.0" encoding="utf-8"?>
 <p:presentation xmlns:a="http://schemas.openxmlformats.org/drawingml/2006/main" xmlns:r="http://schemas.openxmlformats.org/officeDocument/2006/relationships" xmlns:p="http://schemas.openxmlformats.org/presentationml/2006/main">
   <p:sldMasterIdLst>
-    <p:sldMasterId id="2147483648" r:id="rId5"/>
+    <p:sldMasterId id="2147483648" r:id="rId1"/>
   </p:sldMasterIdLst>
   <p:notesMasterIdLst>
-    <p:notesMasterId r:id="rId7"/>
+    <p:notesMasterId r:id="rId20"/>
   </p:notesMasterIdLst>
   <p:sldIdLst>
-    <p:sldId id="256" r:id="rId8"/>
-    <p:sldId id="257" r:id="rId9"/>
-    <p:sldId id="258" r:id="rId10"/>
-    <p:sldId id="259" r:id="rId11"/>
-    <p:sldId id="260" r:id="rId12"/>
-    <p:sldId id="261" r:id="rId13"/>
-    <p:sldId id="262" r:id="rId14"/>
-    <p:sldId id="263" r:id="rId15"/>
-    <p:sldId id="264" r:id="rId16"/>
-    <p:sldId id="265" r:id="rId17"/>
-    <p:sldId id="266" r:id="rId18"/>
-    <p:sldId id="267" r:id="rId19"/>
-    <p:sldId id="268" r:id="rId20"/>
-    <p:sldId id="269" r:id="rId21"/>
-    <p:sldId id="270" r:id="rId22"/>
-    <p:sldId id="271" r:id="rId23"/>
-    <p:sldId id="272" r:id="rId24"/>
-    <p:sldId id="273" r:id="rId25"/>
+    <p:sldId id="256" r:id="rId2"/>
+    <p:sldId id="257" r:id="rId3"/>
+    <p:sldId id="258" r:id="rId4"/>
+    <p:sldId id="259" r:id="rId5"/>
+    <p:sldId id="260" r:id="rId6"/>
+    <p:sldId id="261" r:id="rId7"/>
+    <p:sldId id="262" r:id="rId8"/>
+    <p:sldId id="263" r:id="rId9"/>
+    <p:sldId id="264" r:id="rId10"/>
+    <p:sldId id="265" r:id="rId11"/>
+    <p:sldId id="266" r:id="rId12"/>
+    <p:sldId id="267" r:id="rId13"/>
+    <p:sldId id="268" r:id="rId14"/>
+    <p:sldId id="269" r:id="rId15"/>
+    <p:sldId id="270" r:id="rId16"/>
+    <p:sldId id="271" r:id="rId17"/>
+    <p:sldId id="272" r:id="rId18"/>
+    <p:sldId id="273" r:id="rId19"/>
   </p:sldIdLst>
   <p:sldSz cx="13004800" cy="9753600"/>
   <p:notesSz cx="6858000" cy="9144000"/>
@@ -45,7 +45,7 @@
       <a:buFontTx/>
       <a:buNone/>
       <a:tabLst/>
-      <a:defRPr b="0" baseline="0" cap="none" i="0" spc="0" strike="noStrike" sz="1800" u="none" kumimoji="0" normalizeH="0">
+      <a:defRPr kumimoji="0" sz="1800" b="0" i="0" u="none" strike="noStrike" cap="none" spc="0" normalizeH="0" baseline="0">
         <a:ln>
           <a:noFill/>
         </a:ln>
@@ -71,7 +71,7 @@
       <a:buFontTx/>
       <a:buNone/>
       <a:tabLst/>
-      <a:defRPr b="0" baseline="0" cap="none" i="0" spc="0" strike="noStrike" sz="3600" u="none" kumimoji="0" normalizeH="0">
+      <a:defRPr kumimoji="0" sz="3600" b="0" i="0" u="none" strike="noStrike" cap="none" spc="0" normalizeH="0" baseline="0">
         <a:ln>
           <a:noFill/>
         </a:ln>
@@ -101,7 +101,7 @@
       <a:buFontTx/>
       <a:buNone/>
       <a:tabLst/>
-      <a:defRPr b="0" baseline="0" cap="none" i="0" spc="0" strike="noStrike" sz="3600" u="none" kumimoji="0" normalizeH="0">
+      <a:defRPr kumimoji="0" sz="3600" b="0" i="0" u="none" strike="noStrike" cap="none" spc="0" normalizeH="0" baseline="0">
         <a:ln>
           <a:noFill/>
         </a:ln>
@@ -131,7 +131,7 @@
       <a:buFontTx/>
       <a:buNone/>
       <a:tabLst/>
-      <a:defRPr b="0" baseline="0" cap="none" i="0" spc="0" strike="noStrike" sz="3600" u="none" kumimoji="0" normalizeH="0">
+      <a:defRPr kumimoji="0" sz="3600" b="0" i="0" u="none" strike="noStrike" cap="none" spc="0" normalizeH="0" baseline="0">
         <a:ln>
           <a:noFill/>
         </a:ln>
@@ -161,7 +161,7 @@
       <a:buFontTx/>
       <a:buNone/>
       <a:tabLst/>
-      <a:defRPr b="0" baseline="0" cap="none" i="0" spc="0" strike="noStrike" sz="3600" u="none" kumimoji="0" normalizeH="0">
+      <a:defRPr kumimoji="0" sz="3600" b="0" i="0" u="none" strike="noStrike" cap="none" spc="0" normalizeH="0" baseline="0">
         <a:ln>
           <a:noFill/>
         </a:ln>
@@ -191,7 +191,7 @@
       <a:buFontTx/>
       <a:buNone/>
       <a:tabLst/>
-      <a:defRPr b="0" baseline="0" cap="none" i="0" spc="0" strike="noStrike" sz="3600" u="none" kumimoji="0" normalizeH="0">
+      <a:defRPr kumimoji="0" sz="3600" b="0" i="0" u="none" strike="noStrike" cap="none" spc="0" normalizeH="0" baseline="0">
         <a:ln>
           <a:noFill/>
         </a:ln>
@@ -221,7 +221,7 @@
       <a:buFontTx/>
       <a:buNone/>
       <a:tabLst/>
-      <a:defRPr b="0" baseline="0" cap="none" i="0" spc="0" strike="noStrike" sz="3600" u="none" kumimoji="0" normalizeH="0">
+      <a:defRPr kumimoji="0" sz="3600" b="0" i="0" u="none" strike="noStrike" cap="none" spc="0" normalizeH="0" baseline="0">
         <a:ln>
           <a:noFill/>
         </a:ln>
@@ -251,7 +251,7 @@
       <a:buFontTx/>
       <a:buNone/>
       <a:tabLst/>
-      <a:defRPr b="0" baseline="0" cap="none" i="0" spc="0" strike="noStrike" sz="3600" u="none" kumimoji="0" normalizeH="0">
+      <a:defRPr kumimoji="0" sz="3600" b="0" i="0" u="none" strike="noStrike" cap="none" spc="0" normalizeH="0" baseline="0">
         <a:ln>
           <a:noFill/>
         </a:ln>
@@ -281,7 +281,7 @@
       <a:buFontTx/>
       <a:buNone/>
       <a:tabLst/>
-      <a:defRPr b="0" baseline="0" cap="none" i="0" spc="0" strike="noStrike" sz="3600" u="none" kumimoji="0" normalizeH="0">
+      <a:defRPr kumimoji="0" sz="3600" b="0" i="0" u="none" strike="noStrike" cap="none" spc="0" normalizeH="0" baseline="0">
         <a:ln>
           <a:noFill/>
         </a:ln>
@@ -311,7 +311,7 @@
       <a:buFontTx/>
       <a:buNone/>
       <a:tabLst/>
-      <a:defRPr b="0" baseline="0" cap="none" i="0" spc="0" strike="noStrike" sz="3600" u="none" kumimoji="0" normalizeH="0">
+      <a:defRPr kumimoji="0" sz="3600" b="0" i="0" u="none" strike="noStrike" cap="none" spc="0" normalizeH="0" baseline="0">
         <a:ln>
           <a:noFill/>
         </a:ln>
@@ -330,13 +330,14 @@
 </p:presentation>
 </file>
 
-<file path=ppt/commentAuthors.xml><?xml version="1.0" encoding="utf-8"?>
-<p:cmAuthorLst xmlns:a="http://schemas.openxmlformats.org/drawingml/2006/main" xmlns:r="http://schemas.openxmlformats.org/officeDocument/2006/relationships" xmlns:p="http://schemas.openxmlformats.org/presentationml/2006/main"/>
-</file>
-
 <file path=ppt/notesMasters/notesMaster1.xml><?xml version="1.0" encoding="utf-8"?>
 <p:notesMaster xmlns:a="http://schemas.openxmlformats.org/drawingml/2006/main" xmlns:r="http://schemas.openxmlformats.org/officeDocument/2006/relationships" xmlns:p="http://schemas.openxmlformats.org/presentationml/2006/main">
   <p:cSld>
+    <p:bg>
+      <p:bgRef idx="1001">
+        <a:schemeClr val="bg1"/>
+      </p:bgRef>
+    </p:bg>
     <p:spTree>
       <p:nvGrpSpPr>
         <p:cNvPr id="1" name=""/>
@@ -354,7 +355,9 @@
       <p:sp>
         <p:nvSpPr>
           <p:cNvPr id="145" name="Shape 145"/>
-          <p:cNvSpPr/>
+          <p:cNvSpPr>
+            <a:spLocks noGrp="1" noRot="1" noChangeAspect="1"/>
+          </p:cNvSpPr>
           <p:nvPr>
             <p:ph type="sldImg"/>
           </p:nvPr>
@@ -372,14 +375,16 @@
           <a:bodyPr/>
           <a:lstStyle/>
           <a:p>
-            <a:pPr/>
+            <a:endParaRPr/>
           </a:p>
         </p:txBody>
       </p:sp>
       <p:sp>
         <p:nvSpPr>
           <p:cNvPr id="146" name="Shape 146"/>
-          <p:cNvSpPr/>
+          <p:cNvSpPr>
+            <a:spLocks noGrp="1"/>
+          </p:cNvSpPr>
           <p:nvPr>
             <p:ph type="body" sz="quarter" idx="1"/>
           </p:nvPr>
@@ -397,11 +402,16 @@
           <a:bodyPr/>
           <a:lstStyle/>
           <a:p>
-            <a:pPr/>
+            <a:endParaRPr/>
           </a:p>
         </p:txBody>
       </p:sp>
     </p:spTree>
+    <p:extLst>
+      <p:ext uri="{BB962C8B-B14F-4D97-AF65-F5344CB8AC3E}">
+        <p14:creationId xmlns:p14="http://schemas.microsoft.com/office/powerpoint/2010/main" val="152707903"/>
+      </p:ext>
+    </p:extLst>
   </p:cSld>
   <p:clrMap bg1="lt1" tx1="dk1" bg2="lt2" tx2="dk2" accent1="accent1" accent2="accent2" accent3="accent3" accent4="accent4" accent5="accent5" accent6="accent6" hlink="hlink" folHlink="folHlink"/>
   <p:notesStyle>
@@ -509,7 +519,7 @@
 </file>
 
 <file path=ppt/notesSlides/notesSlide1.xml><?xml version="1.0" encoding="utf-8"?>
-<p:notes xmlns:a="http://schemas.openxmlformats.org/drawingml/2006/main" xmlns:r="http://schemas.openxmlformats.org/officeDocument/2006/relationships" xmlns:p="http://schemas.openxmlformats.org/presentationml/2006/main" showMasterSp="1" showMasterPhAnim="1">
+<p:notes xmlns:a="http://schemas.openxmlformats.org/drawingml/2006/main" xmlns:r="http://schemas.openxmlformats.org/officeDocument/2006/relationships" xmlns:p="http://schemas.openxmlformats.org/presentationml/2006/main">
   <p:cSld>
     <p:spTree>
       <p:nvGrpSpPr>
@@ -528,7 +538,9 @@
       <p:sp>
         <p:nvSpPr>
           <p:cNvPr id="165" name="Shape 165"/>
-          <p:cNvSpPr/>
+          <p:cNvSpPr>
+            <a:spLocks noGrp="1" noRot="1" noChangeAspect="1"/>
+          </p:cNvSpPr>
           <p:nvPr>
             <p:ph type="sldImg"/>
           </p:nvPr>
@@ -542,14 +554,16 @@
           <a:bodyPr/>
           <a:lstStyle/>
           <a:p>
-            <a:pPr/>
+            <a:endParaRPr/>
           </a:p>
         </p:txBody>
       </p:sp>
       <p:sp>
         <p:nvSpPr>
           <p:cNvPr id="166" name="Shape 166"/>
-          <p:cNvSpPr/>
+          <p:cNvSpPr>
+            <a:spLocks noGrp="1"/>
+          </p:cNvSpPr>
           <p:nvPr>
             <p:ph type="body" sz="quarter" idx="1"/>
           </p:nvPr>
@@ -572,7 +586,7 @@
             </a:r>
           </a:p>
           <a:p>
-            <a:pPr lvl="1" marL="701842" indent="-257342">
+            <a:pPr marL="701842" lvl="1" indent="-257342">
               <a:buSzPct val="75000"/>
               <a:buChar char="•"/>
             </a:pPr>
@@ -581,7 +595,7 @@
             </a:r>
           </a:p>
           <a:p>
-            <a:pPr lvl="1" marL="701842" indent="-257342">
+            <a:pPr marL="701842" lvl="1" indent="-257342">
               <a:buSzPct val="75000"/>
               <a:buChar char="•"/>
             </a:pPr>
@@ -599,7 +613,7 @@
             </a:r>
           </a:p>
           <a:p>
-            <a:pPr lvl="1" marL="701842" indent="-257342">
+            <a:pPr marL="701842" lvl="1" indent="-257342">
               <a:buSzPct val="75000"/>
               <a:buChar char="•"/>
             </a:pPr>
@@ -608,7 +622,7 @@
             </a:r>
           </a:p>
           <a:p>
-            <a:pPr lvl="1" marL="701842" indent="-257342">
+            <a:pPr marL="701842" lvl="1" indent="-257342">
               <a:buSzPct val="75000"/>
               <a:buChar char="•"/>
             </a:pPr>
@@ -626,7 +640,7 @@
             </a:r>
           </a:p>
           <a:p>
-            <a:pPr lvl="1" marL="701842" indent="-257342">
+            <a:pPr marL="701842" lvl="1" indent="-257342">
               <a:buSzPct val="75000"/>
               <a:buChar char="•"/>
             </a:pPr>
@@ -635,7 +649,7 @@
             </a:r>
           </a:p>
           <a:p>
-            <a:pPr lvl="1" marL="701842" indent="-257342">
+            <a:pPr marL="701842" lvl="1" indent="-257342">
               <a:buSzPct val="75000"/>
               <a:buChar char="•"/>
             </a:pPr>
@@ -644,10 +658,9 @@
             </a:r>
           </a:p>
           <a:p>
-            <a:pPr/>
             <a:r>
               <a:rPr u="sng">
-                <a:hlinkClick r:id="rId3" invalidUrl="" action="" tgtFrame="" tooltip="" history="1" highlightClick="0" endSnd="0"/>
+                <a:hlinkClick r:id="rId3"/>
               </a:rPr>
               <a:t>https://flic.kr/p/8HDJ5B</a:t>
             </a:r>
@@ -663,7 +676,7 @@
 </file>
 
 <file path=ppt/notesSlides/notesSlide10.xml><?xml version="1.0" encoding="utf-8"?>
-<p:notes xmlns:a="http://schemas.openxmlformats.org/drawingml/2006/main" xmlns:r="http://schemas.openxmlformats.org/officeDocument/2006/relationships" xmlns:p="http://schemas.openxmlformats.org/presentationml/2006/main" showMasterSp="1" showMasterPhAnim="1">
+<p:notes xmlns:a="http://schemas.openxmlformats.org/drawingml/2006/main" xmlns:r="http://schemas.openxmlformats.org/officeDocument/2006/relationships" xmlns:p="http://schemas.openxmlformats.org/presentationml/2006/main">
   <p:cSld>
     <p:spTree>
       <p:nvGrpSpPr>
@@ -682,7 +695,9 @@
       <p:sp>
         <p:nvSpPr>
           <p:cNvPr id="224" name="Shape 224"/>
-          <p:cNvSpPr/>
+          <p:cNvSpPr>
+            <a:spLocks noGrp="1" noRot="1" noChangeAspect="1"/>
+          </p:cNvSpPr>
           <p:nvPr>
             <p:ph type="sldImg"/>
           </p:nvPr>
@@ -696,14 +711,16 @@
           <a:bodyPr/>
           <a:lstStyle/>
           <a:p>
-            <a:pPr/>
+            <a:endParaRPr/>
           </a:p>
         </p:txBody>
       </p:sp>
       <p:sp>
         <p:nvSpPr>
           <p:cNvPr id="225" name="Shape 225"/>
-          <p:cNvSpPr/>
+          <p:cNvSpPr>
+            <a:spLocks noGrp="1"/>
+          </p:cNvSpPr>
           <p:nvPr>
             <p:ph type="body" sz="quarter" idx="1"/>
           </p:nvPr>
@@ -717,8 +734,8 @@
           <a:bodyPr/>
           <a:lstStyle/>
           <a:p>
-            <a:pPr/>
-            <a:r>
+            <a:r>
+              <a:rPr dirty="0"/>
               <a:t>Remote Partitioning</a:t>
             </a:r>
           </a:p>
@@ -728,6 +745,7 @@
               <a:buChar char="•"/>
             </a:pPr>
             <a:r>
+              <a:rPr dirty="0"/>
               <a:t>Spring Batch provides an SPI for partitioning a Step execution and executing it remotely. </a:t>
             </a:r>
           </a:p>
@@ -737,6 +755,7 @@
               <a:buChar char="•"/>
             </a:pPr>
             <a:r>
+              <a:rPr dirty="0"/>
               <a:t>Spring Cloud Task provides the infrastructure to allow a user to execute Batch Partitions on most cloud platforms.  </a:t>
             </a:r>
           </a:p>
@@ -746,6 +765,7 @@
               <a:buChar char="•"/>
             </a:pPr>
             <a:r>
+              <a:rPr dirty="0"/>
               <a:t>This is done using Spring Cloud Deployer.</a:t>
             </a:r>
           </a:p>
@@ -755,11 +775,12 @@
               <a:buChar char="•"/>
             </a:pPr>
             <a:r>
+              <a:rPr dirty="0"/>
               <a:t>An example of this can be seen here: </a:t>
             </a:r>
             <a:r>
-              <a:rPr u="sng">
-                <a:hlinkClick r:id="rId3" invalidUrl="" action="" tgtFrame="" tooltip="" history="1" highlightClick="0" endSnd="0"/>
+              <a:rPr u="sng" dirty="0">
+                <a:hlinkClick r:id="rId3"/>
               </a:rPr>
               <a:t>https://github.com/spring-cloud/spring-cloud-task/tree/master/spring-cloud-task-samples/partitioned-batch-job</a:t>
             </a:r>
@@ -769,12 +790,14 @@
               <a:buSzPct val="75000"/>
               <a:buChar char="•"/>
             </a:pPr>
-          </a:p>
-          <a:p>
-            <a:pPr/>
-            <a:r>
-              <a:rPr u="sng">
-                <a:hlinkClick r:id="rId4" invalidUrl="" action="" tgtFrame="" tooltip="" history="1" highlightClick="0" endSnd="0"/>
+            <a:endParaRPr u="sng" dirty="0">
+              <a:hlinkClick r:id="rId3"/>
+            </a:endParaRPr>
+          </a:p>
+          <a:p>
+            <a:r>
+              <a:rPr u="sng" dirty="0">
+                <a:hlinkClick r:id="rId4"/>
               </a:rPr>
               <a:t>https://flic.kr/p/dHH8ui</a:t>
             </a:r>
@@ -790,7 +813,7 @@
 </file>
 
 <file path=ppt/notesSlides/notesSlide11.xml><?xml version="1.0" encoding="utf-8"?>
-<p:notes xmlns:a="http://schemas.openxmlformats.org/drawingml/2006/main" xmlns:r="http://schemas.openxmlformats.org/officeDocument/2006/relationships" xmlns:p="http://schemas.openxmlformats.org/presentationml/2006/main" showMasterSp="1" showMasterPhAnim="1">
+<p:notes xmlns:a="http://schemas.openxmlformats.org/drawingml/2006/main" xmlns:r="http://schemas.openxmlformats.org/officeDocument/2006/relationships" xmlns:p="http://schemas.openxmlformats.org/presentationml/2006/main">
   <p:cSld>
     <p:spTree>
       <p:nvGrpSpPr>
@@ -809,7 +832,9 @@
       <p:sp>
         <p:nvSpPr>
           <p:cNvPr id="230" name="Shape 230"/>
-          <p:cNvSpPr/>
+          <p:cNvSpPr>
+            <a:spLocks noGrp="1" noRot="1" noChangeAspect="1"/>
+          </p:cNvSpPr>
           <p:nvPr>
             <p:ph type="sldImg"/>
           </p:nvPr>
@@ -823,14 +848,16 @@
           <a:bodyPr/>
           <a:lstStyle/>
           <a:p>
-            <a:pPr/>
+            <a:endParaRPr/>
           </a:p>
         </p:txBody>
       </p:sp>
       <p:sp>
         <p:nvSpPr>
           <p:cNvPr id="231" name="Shape 231"/>
-          <p:cNvSpPr/>
+          <p:cNvSpPr>
+            <a:spLocks noGrp="1"/>
+          </p:cNvSpPr>
           <p:nvPr>
             <p:ph type="body" sz="quarter" idx="1"/>
           </p:nvPr>
@@ -845,7 +872,7 @@
           <a:lstStyle>
             <a:lvl1pPr>
               <a:defRPr u="sng">
-                <a:hlinkClick r:id="rId3" invalidUrl="" action="" tgtFrame="" tooltip="" history="1" highlightClick="0" endSnd="0"/>
+                <a:hlinkClick r:id="rId3"/>
               </a:defRPr>
             </a:lvl1pPr>
           </a:lstStyle>
@@ -855,7 +882,7 @@
             </a:pPr>
             <a:r>
               <a:rPr u="sng">
-                <a:hlinkClick r:id="rId3" invalidUrl="" action="" tgtFrame="" tooltip="" history="1" highlightClick="0" endSnd="0"/>
+                <a:hlinkClick r:id="rId3"/>
               </a:rPr>
               <a:t>https://flic.kr/p/8stahR</a:t>
             </a:r>
@@ -871,7 +898,7 @@
 </file>
 
 <file path=ppt/notesSlides/notesSlide12.xml><?xml version="1.0" encoding="utf-8"?>
-<p:notes xmlns:a="http://schemas.openxmlformats.org/drawingml/2006/main" xmlns:r="http://schemas.openxmlformats.org/officeDocument/2006/relationships" xmlns:p="http://schemas.openxmlformats.org/presentationml/2006/main" showMasterSp="1" showMasterPhAnim="1">
+<p:notes xmlns:a="http://schemas.openxmlformats.org/drawingml/2006/main" xmlns:r="http://schemas.openxmlformats.org/officeDocument/2006/relationships" xmlns:p="http://schemas.openxmlformats.org/presentationml/2006/main">
   <p:cSld>
     <p:spTree>
       <p:nvGrpSpPr>
@@ -890,7 +917,9 @@
       <p:sp>
         <p:nvSpPr>
           <p:cNvPr id="235" name="Shape 235"/>
-          <p:cNvSpPr/>
+          <p:cNvSpPr>
+            <a:spLocks noGrp="1" noRot="1" noChangeAspect="1"/>
+          </p:cNvSpPr>
           <p:nvPr>
             <p:ph type="sldImg"/>
           </p:nvPr>
@@ -904,14 +933,16 @@
           <a:bodyPr/>
           <a:lstStyle/>
           <a:p>
-            <a:pPr/>
+            <a:endParaRPr/>
           </a:p>
         </p:txBody>
       </p:sp>
       <p:sp>
         <p:nvSpPr>
           <p:cNvPr id="236" name="Shape 236"/>
-          <p:cNvSpPr/>
+          <p:cNvSpPr>
+            <a:spLocks noGrp="1"/>
+          </p:cNvSpPr>
           <p:nvPr>
             <p:ph type="body" sz="quarter" idx="1"/>
           </p:nvPr>
@@ -934,7 +965,7 @@
             </a:r>
           </a:p>
           <a:p>
-            <a:pPr lvl="1" marL="701842" indent="-257342">
+            <a:pPr marL="701842" lvl="1" indent="-257342">
               <a:buSzPct val="75000"/>
               <a:buChar char="•"/>
             </a:pPr>
@@ -943,7 +974,7 @@
             </a:r>
           </a:p>
           <a:p>
-            <a:pPr lvl="1" marL="701842" indent="-257342">
+            <a:pPr marL="701842" lvl="1" indent="-257342">
               <a:buSzPct val="75000"/>
               <a:buChar char="•"/>
             </a:pPr>
@@ -952,7 +983,7 @@
             </a:r>
           </a:p>
           <a:p>
-            <a:pPr lvl="1" marL="701842" indent="-257342">
+            <a:pPr marL="701842" lvl="1" indent="-257342">
               <a:buSzPct val="75000"/>
               <a:buChar char="•"/>
             </a:pPr>
@@ -970,7 +1001,7 @@
             </a:r>
           </a:p>
           <a:p>
-            <a:pPr lvl="1" marL="701842" indent="-257342">
+            <a:pPr marL="701842" lvl="1" indent="-257342">
               <a:buSzPct val="75000"/>
               <a:buChar char="•"/>
             </a:pPr>
@@ -979,7 +1010,7 @@
             </a:r>
           </a:p>
           <a:p>
-            <a:pPr lvl="1" marL="701842" indent="-257342">
+            <a:pPr marL="701842" lvl="1" indent="-257342">
               <a:buSzPct val="75000"/>
               <a:buChar char="•"/>
             </a:pPr>
@@ -998,7 +1029,7 @@
 </file>
 
 <file path=ppt/notesSlides/notesSlide13.xml><?xml version="1.0" encoding="utf-8"?>
-<p:notes xmlns:a="http://schemas.openxmlformats.org/drawingml/2006/main" xmlns:r="http://schemas.openxmlformats.org/officeDocument/2006/relationships" xmlns:p="http://schemas.openxmlformats.org/presentationml/2006/main" showMasterSp="1" showMasterPhAnim="1">
+<p:notes xmlns:a="http://schemas.openxmlformats.org/drawingml/2006/main" xmlns:r="http://schemas.openxmlformats.org/officeDocument/2006/relationships" xmlns:p="http://schemas.openxmlformats.org/presentationml/2006/main">
   <p:cSld>
     <p:spTree>
       <p:nvGrpSpPr>
@@ -1017,7 +1048,9 @@
       <p:sp>
         <p:nvSpPr>
           <p:cNvPr id="240" name="Shape 240"/>
-          <p:cNvSpPr/>
+          <p:cNvSpPr>
+            <a:spLocks noGrp="1" noRot="1" noChangeAspect="1"/>
+          </p:cNvSpPr>
           <p:nvPr>
             <p:ph type="sldImg"/>
           </p:nvPr>
@@ -1031,14 +1064,16 @@
           <a:bodyPr/>
           <a:lstStyle/>
           <a:p>
-            <a:pPr/>
+            <a:endParaRPr/>
           </a:p>
         </p:txBody>
       </p:sp>
       <p:sp>
         <p:nvSpPr>
           <p:cNvPr id="241" name="Shape 241"/>
-          <p:cNvSpPr/>
+          <p:cNvSpPr>
+            <a:spLocks noGrp="1"/>
+          </p:cNvSpPr>
           <p:nvPr>
             <p:ph type="body" sz="quarter" idx="1"/>
           </p:nvPr>
@@ -1061,7 +1096,7 @@
             </a:r>
           </a:p>
           <a:p>
-            <a:pPr lvl="1" marL="701842" indent="-257342">
+            <a:pPr marL="701842" lvl="1" indent="-257342">
               <a:buSzPct val="75000"/>
               <a:buChar char="•"/>
             </a:pPr>
@@ -1069,6 +1104,7 @@
               <a:t>@TestPropertySource(properties = {"spring.cloud.task.closecontext_enable=false"})</a:t>
             </a:r>
             <a:br/>
+            <a:endParaRPr/>
           </a:p>
         </p:txBody>
       </p:sp>
@@ -1081,7 +1117,7 @@
 </file>
 
 <file path=ppt/notesSlides/notesSlide2.xml><?xml version="1.0" encoding="utf-8"?>
-<p:notes xmlns:a="http://schemas.openxmlformats.org/drawingml/2006/main" xmlns:r="http://schemas.openxmlformats.org/officeDocument/2006/relationships" xmlns:p="http://schemas.openxmlformats.org/presentationml/2006/main" showMasterSp="1" showMasterPhAnim="1">
+<p:notes xmlns:a="http://schemas.openxmlformats.org/drawingml/2006/main" xmlns:r="http://schemas.openxmlformats.org/officeDocument/2006/relationships" xmlns:p="http://schemas.openxmlformats.org/presentationml/2006/main">
   <p:cSld>
     <p:spTree>
       <p:nvGrpSpPr>
@@ -1100,7 +1136,9 @@
       <p:sp>
         <p:nvSpPr>
           <p:cNvPr id="171" name="Shape 171"/>
-          <p:cNvSpPr/>
+          <p:cNvSpPr>
+            <a:spLocks noGrp="1" noRot="1" noChangeAspect="1"/>
+          </p:cNvSpPr>
           <p:nvPr>
             <p:ph type="sldImg"/>
           </p:nvPr>
@@ -1114,14 +1152,16 @@
           <a:bodyPr/>
           <a:lstStyle/>
           <a:p>
-            <a:pPr/>
+            <a:endParaRPr/>
           </a:p>
         </p:txBody>
       </p:sp>
       <p:sp>
         <p:nvSpPr>
           <p:cNvPr id="172" name="Shape 172"/>
-          <p:cNvSpPr/>
+          <p:cNvSpPr>
+            <a:spLocks noGrp="1"/>
+          </p:cNvSpPr>
           <p:nvPr>
             <p:ph type="body" sz="quarter" idx="1"/>
           </p:nvPr>
@@ -1140,24 +1180,27 @@
               <a:buChar char="•"/>
             </a:pPr>
             <a:r>
+              <a:rPr dirty="0"/>
               <a:t>Spring Cloud Task is a Ephemeral microservice framework</a:t>
             </a:r>
           </a:p>
           <a:p>
-            <a:pPr lvl="1" marL="701842" indent="-257342">
+            <a:pPr marL="701842" lvl="1" indent="-257342">
               <a:buSzPct val="75000"/>
               <a:buChar char="•"/>
             </a:pPr>
             <a:r>
+              <a:rPr dirty="0"/>
               <a:t>Built on Spring stack:</a:t>
             </a:r>
           </a:p>
           <a:p>
-            <a:pPr lvl="1" marL="701842" indent="-257342">
+            <a:pPr marL="701842" lvl="1" indent="-257342">
               <a:buSzPct val="75000"/>
               <a:buChar char="•"/>
             </a:pPr>
             <a:r>
+              <a:rPr dirty="0"/>
               <a:t>Spring Boot: full-stack standalone apps, configuration</a:t>
             </a:r>
           </a:p>
@@ -1167,6 +1210,7 @@
               <a:buChar char="•"/>
             </a:pPr>
             <a:r>
+              <a:rPr dirty="0"/>
               <a:t>Provides features required for a task in a cloud environment</a:t>
             </a:r>
           </a:p>
@@ -1176,51 +1220,56 @@
               <a:buChar char="•"/>
             </a:pPr>
             <a:r>
+              <a:rPr dirty="0"/>
               <a:t>Common abstractions</a:t>
             </a:r>
           </a:p>
           <a:p>
-            <a:pPr lvl="1" marL="701842" indent="-257342">
+            <a:pPr marL="701842" lvl="1" indent="-257342">
               <a:buSzPct val="75000"/>
               <a:buChar char="•"/>
             </a:pPr>
             <a:r>
+              <a:rPr dirty="0"/>
               <a:t>Records the task state information in a datastore</a:t>
             </a:r>
           </a:p>
           <a:p>
-            <a:pPr lvl="1" marL="701842" indent="-257342">
+            <a:pPr marL="701842" lvl="1" indent="-257342">
               <a:buSzPct val="75000"/>
               <a:buChar char="•"/>
             </a:pPr>
             <a:r>
+              <a:rPr dirty="0"/>
               <a:t>Emits Task Event at start and stop of task</a:t>
             </a:r>
           </a:p>
           <a:p>
-            <a:pPr lvl="2" marL="1146342" indent="-257342">
+            <a:pPr marL="1146342" lvl="2" indent="-257342">
               <a:buSzPct val="75000"/>
               <a:buChar char="•"/>
             </a:pPr>
             <a:r>
+              <a:rPr dirty="0"/>
               <a:t>Job events as well</a:t>
             </a:r>
           </a:p>
           <a:p>
-            <a:pPr lvl="1" marL="701842" indent="-257342">
+            <a:pPr marL="701842" lvl="1" indent="-257342">
               <a:buSzPct val="75000"/>
               <a:buChar char="•"/>
             </a:pPr>
             <a:r>
+              <a:rPr dirty="0"/>
               <a:t>Provides listeners for before, failed, and after events for a task</a:t>
             </a:r>
           </a:p>
           <a:p>
-            <a:pPr/>
-          </a:p>
-          <a:p>
-            <a:pPr/>
-            <a:r>
+            <a:endParaRPr dirty="0"/>
+          </a:p>
+          <a:p>
+            <a:r>
+              <a:rPr dirty="0"/>
               <a:t>https://flic.kr/p/8HDJ5B</a:t>
             </a:r>
           </a:p>
@@ -1235,7 +1284,7 @@
 </file>
 
 <file path=ppt/notesSlides/notesSlide3.xml><?xml version="1.0" encoding="utf-8"?>
-<p:notes xmlns:a="http://schemas.openxmlformats.org/drawingml/2006/main" xmlns:r="http://schemas.openxmlformats.org/officeDocument/2006/relationships" xmlns:p="http://schemas.openxmlformats.org/presentationml/2006/main" showMasterSp="1" showMasterPhAnim="1">
+<p:notes xmlns:a="http://schemas.openxmlformats.org/drawingml/2006/main" xmlns:r="http://schemas.openxmlformats.org/officeDocument/2006/relationships" xmlns:p="http://schemas.openxmlformats.org/presentationml/2006/main">
   <p:cSld>
     <p:spTree>
       <p:nvGrpSpPr>
@@ -1254,7 +1303,9 @@
       <p:sp>
         <p:nvSpPr>
           <p:cNvPr id="185" name="Shape 185"/>
-          <p:cNvSpPr/>
+          <p:cNvSpPr>
+            <a:spLocks noGrp="1" noRot="1" noChangeAspect="1"/>
+          </p:cNvSpPr>
           <p:nvPr>
             <p:ph type="sldImg"/>
           </p:nvPr>
@@ -1268,14 +1319,16 @@
           <a:bodyPr/>
           <a:lstStyle/>
           <a:p>
-            <a:pPr/>
+            <a:endParaRPr/>
           </a:p>
         </p:txBody>
       </p:sp>
       <p:sp>
         <p:nvSpPr>
           <p:cNvPr id="186" name="Shape 186"/>
-          <p:cNvSpPr/>
+          <p:cNvSpPr>
+            <a:spLocks noGrp="1"/>
+          </p:cNvSpPr>
           <p:nvPr>
             <p:ph type="body" sz="quarter" idx="1"/>
           </p:nvPr>
@@ -1290,7 +1343,7 @@
           <a:lstStyle>
             <a:lvl1pPr>
               <a:defRPr u="sng">
-                <a:hlinkClick r:id="rId3" invalidUrl="" action="" tgtFrame="" tooltip="" history="1" highlightClick="0" endSnd="0"/>
+                <a:hlinkClick r:id="rId3"/>
               </a:defRPr>
             </a:lvl1pPr>
           </a:lstStyle>
@@ -1299,8 +1352,8 @@
               <a:defRPr u="none"/>
             </a:pPr>
             <a:r>
-              <a:rPr u="sng">
-                <a:hlinkClick r:id="rId3" invalidUrl="" action="" tgtFrame="" tooltip="" history="1" highlightClick="0" endSnd="0"/>
+              <a:rPr u="sng" dirty="0">
+                <a:hlinkClick r:id="rId3"/>
               </a:rPr>
               <a:t>https://flic.kr/p/8MVYfc</a:t>
             </a:r>
@@ -1316,7 +1369,7 @@
 </file>
 
 <file path=ppt/notesSlides/notesSlide4.xml><?xml version="1.0" encoding="utf-8"?>
-<p:notes xmlns:a="http://schemas.openxmlformats.org/drawingml/2006/main" xmlns:r="http://schemas.openxmlformats.org/officeDocument/2006/relationships" xmlns:p="http://schemas.openxmlformats.org/presentationml/2006/main" showMasterSp="1" showMasterPhAnim="1">
+<p:notes xmlns:a="http://schemas.openxmlformats.org/drawingml/2006/main" xmlns:r="http://schemas.openxmlformats.org/officeDocument/2006/relationships" xmlns:p="http://schemas.openxmlformats.org/presentationml/2006/main">
   <p:cSld>
     <p:spTree>
       <p:nvGrpSpPr>
@@ -1335,7 +1388,9 @@
       <p:sp>
         <p:nvSpPr>
           <p:cNvPr id="191" name="Shape 191"/>
-          <p:cNvSpPr/>
+          <p:cNvSpPr>
+            <a:spLocks noGrp="1" noRot="1" noChangeAspect="1"/>
+          </p:cNvSpPr>
           <p:nvPr>
             <p:ph type="sldImg"/>
           </p:nvPr>
@@ -1349,14 +1404,16 @@
           <a:bodyPr/>
           <a:lstStyle/>
           <a:p>
-            <a:pPr/>
+            <a:endParaRPr/>
           </a:p>
         </p:txBody>
       </p:sp>
       <p:sp>
         <p:nvSpPr>
           <p:cNvPr id="192" name="Shape 192"/>
-          <p:cNvSpPr/>
+          <p:cNvSpPr>
+            <a:spLocks noGrp="1"/>
+          </p:cNvSpPr>
           <p:nvPr>
             <p:ph type="body" sz="quarter" idx="1"/>
           </p:nvPr>
@@ -1370,7 +1427,6 @@
           <a:bodyPr/>
           <a:lstStyle/>
           <a:p>
-            <a:pPr/>
             <a:r>
               <a:t>Persist Task Execution</a:t>
             </a:r>
@@ -1385,7 +1441,7 @@
             </a:r>
           </a:p>
           <a:p>
-            <a:pPr lvl="1" marL="701842" indent="-257342">
+            <a:pPr marL="701842" lvl="1" indent="-257342">
               <a:buSzPct val="75000"/>
               <a:buChar char="•"/>
             </a:pPr>
@@ -1394,7 +1450,7 @@
             </a:r>
           </a:p>
           <a:p>
-            <a:pPr lvl="1" marL="701842" indent="-257342">
+            <a:pPr marL="701842" lvl="1" indent="-257342">
               <a:buSzPct val="75000"/>
               <a:buChar char="•"/>
             </a:pPr>
@@ -1412,7 +1468,7 @@
             </a:r>
           </a:p>
           <a:p>
-            <a:pPr lvl="1" marL="701842" indent="-257342">
+            <a:pPr marL="701842" lvl="1" indent="-257342">
               <a:buSzPct val="75000"/>
               <a:buChar char="•"/>
             </a:pPr>
@@ -1421,7 +1477,7 @@
             </a:r>
           </a:p>
           <a:p>
-            <a:pPr lvl="1" marL="701842" indent="-257342">
+            <a:pPr marL="701842" lvl="1" indent="-257342">
               <a:buSzPct val="75000"/>
               <a:buChar char="•"/>
             </a:pPr>
@@ -1430,7 +1486,7 @@
             </a:r>
           </a:p>
           <a:p>
-            <a:pPr lvl="1" marL="701842" indent="-257342">
+            <a:pPr marL="701842" lvl="1" indent="-257342">
               <a:buSzPct val="75000"/>
               <a:buChar char="•"/>
             </a:pPr>
@@ -1457,7 +1513,7 @@
             </a:r>
           </a:p>
           <a:p>
-            <a:pPr lvl="1" marL="701842" indent="-257342">
+            <a:pPr marL="701842" lvl="1" indent="-257342">
               <a:buSzPct val="75000"/>
               <a:buChar char="•"/>
             </a:pPr>
@@ -1466,7 +1522,7 @@
             </a:r>
           </a:p>
           <a:p>
-            <a:pPr lvl="1" marL="701842" indent="-257342">
+            <a:pPr marL="701842" lvl="1" indent="-257342">
               <a:buSzPct val="75000"/>
               <a:buChar char="•"/>
             </a:pPr>
@@ -1475,7 +1531,7 @@
             </a:r>
           </a:p>
           <a:p>
-            <a:pPr lvl="1" marL="701842" indent="-257342">
+            <a:pPr marL="701842" lvl="1" indent="-257342">
               <a:buSzPct val="75000"/>
               <a:buChar char="•"/>
             </a:pPr>
@@ -1484,7 +1540,7 @@
             </a:r>
           </a:p>
           <a:p>
-            <a:pPr lvl="1" marL="701842" indent="-257342">
+            <a:pPr marL="701842" lvl="1" indent="-257342">
               <a:buSzPct val="75000"/>
               <a:buChar char="•"/>
             </a:pPr>
@@ -1493,10 +1549,9 @@
             </a:r>
           </a:p>
           <a:p>
-            <a:pPr/>
             <a:r>
               <a:rPr u="sng">
-                <a:hlinkClick r:id="rId3" invalidUrl="" action="" tgtFrame="" tooltip="" history="1" highlightClick="0" endSnd="0"/>
+                <a:hlinkClick r:id="rId3"/>
               </a:rPr>
               <a:t>https://flic.kr/p/7DUk5</a:t>
             </a:r>
@@ -1512,7 +1567,7 @@
 </file>
 
 <file path=ppt/notesSlides/notesSlide5.xml><?xml version="1.0" encoding="utf-8"?>
-<p:notes xmlns:a="http://schemas.openxmlformats.org/drawingml/2006/main" xmlns:r="http://schemas.openxmlformats.org/officeDocument/2006/relationships" xmlns:p="http://schemas.openxmlformats.org/presentationml/2006/main" showMasterSp="1" showMasterPhAnim="1">
+<p:notes xmlns:a="http://schemas.openxmlformats.org/drawingml/2006/main" xmlns:r="http://schemas.openxmlformats.org/officeDocument/2006/relationships" xmlns:p="http://schemas.openxmlformats.org/presentationml/2006/main">
   <p:cSld>
     <p:spTree>
       <p:nvGrpSpPr>
@@ -1531,7 +1586,9 @@
       <p:sp>
         <p:nvSpPr>
           <p:cNvPr id="196" name="Shape 196"/>
-          <p:cNvSpPr/>
+          <p:cNvSpPr>
+            <a:spLocks noGrp="1" noRot="1" noChangeAspect="1"/>
+          </p:cNvSpPr>
           <p:nvPr>
             <p:ph type="sldImg"/>
           </p:nvPr>
@@ -1545,14 +1602,16 @@
           <a:bodyPr/>
           <a:lstStyle/>
           <a:p>
-            <a:pPr/>
+            <a:endParaRPr/>
           </a:p>
         </p:txBody>
       </p:sp>
       <p:sp>
         <p:nvSpPr>
           <p:cNvPr id="197" name="Shape 197"/>
-          <p:cNvSpPr/>
+          <p:cNvSpPr>
+            <a:spLocks noGrp="1"/>
+          </p:cNvSpPr>
           <p:nvPr>
             <p:ph type="body" sz="quarter" idx="1"/>
           </p:nvPr>
@@ -1566,7 +1625,6 @@
           <a:bodyPr/>
           <a:lstStyle/>
           <a:p>
-            <a:pPr/>
             <a:r>
               <a:t>So what we see is that it is a core Spring boot application that is using a CommandLineRunner.</a:t>
             </a:r>
@@ -1591,7 +1649,7 @@
 </file>
 
 <file path=ppt/notesSlides/notesSlide6.xml><?xml version="1.0" encoding="utf-8"?>
-<p:notes xmlns:a="http://schemas.openxmlformats.org/drawingml/2006/main" xmlns:r="http://schemas.openxmlformats.org/officeDocument/2006/relationships" xmlns:p="http://schemas.openxmlformats.org/presentationml/2006/main" showMasterSp="1" showMasterPhAnim="1">
+<p:notes xmlns:a="http://schemas.openxmlformats.org/drawingml/2006/main" xmlns:r="http://schemas.openxmlformats.org/officeDocument/2006/relationships" xmlns:p="http://schemas.openxmlformats.org/presentationml/2006/main">
   <p:cSld>
     <p:spTree>
       <p:nvGrpSpPr>
@@ -1610,7 +1668,9 @@
       <p:sp>
         <p:nvSpPr>
           <p:cNvPr id="201" name="Shape 201"/>
-          <p:cNvSpPr/>
+          <p:cNvSpPr>
+            <a:spLocks noGrp="1" noRot="1" noChangeAspect="1"/>
+          </p:cNvSpPr>
           <p:nvPr>
             <p:ph type="sldImg"/>
           </p:nvPr>
@@ -1624,14 +1684,16 @@
           <a:bodyPr/>
           <a:lstStyle/>
           <a:p>
-            <a:pPr/>
+            <a:endParaRPr/>
           </a:p>
         </p:txBody>
       </p:sp>
       <p:sp>
         <p:nvSpPr>
           <p:cNvPr id="202" name="Shape 202"/>
-          <p:cNvSpPr/>
+          <p:cNvSpPr>
+            <a:spLocks noGrp="1"/>
+          </p:cNvSpPr>
           <p:nvPr>
             <p:ph type="body" sz="quarter" idx="1"/>
           </p:nvPr>
@@ -1645,7 +1707,6 @@
           <a:bodyPr/>
           <a:lstStyle/>
           <a:p>
-            <a:pPr/>
             <a:r>
               <a:t>The dependencies above provide the following: </a:t>
             </a:r>
@@ -1688,7 +1749,7 @@
 </file>
 
 <file path=ppt/notesSlides/notesSlide7.xml><?xml version="1.0" encoding="utf-8"?>
-<p:notes xmlns:a="http://schemas.openxmlformats.org/drawingml/2006/main" xmlns:r="http://schemas.openxmlformats.org/officeDocument/2006/relationships" xmlns:p="http://schemas.openxmlformats.org/presentationml/2006/main" showMasterSp="1" showMasterPhAnim="1">
+<p:notes xmlns:a="http://schemas.openxmlformats.org/drawingml/2006/main" xmlns:r="http://schemas.openxmlformats.org/officeDocument/2006/relationships" xmlns:p="http://schemas.openxmlformats.org/presentationml/2006/main">
   <p:cSld>
     <p:spTree>
       <p:nvGrpSpPr>
@@ -1707,7 +1768,9 @@
       <p:sp>
         <p:nvSpPr>
           <p:cNvPr id="207" name="Shape 207"/>
-          <p:cNvSpPr/>
+          <p:cNvSpPr>
+            <a:spLocks noGrp="1" noRot="1" noChangeAspect="1"/>
+          </p:cNvSpPr>
           <p:nvPr>
             <p:ph type="sldImg"/>
           </p:nvPr>
@@ -1721,14 +1784,16 @@
           <a:bodyPr/>
           <a:lstStyle/>
           <a:p>
-            <a:pPr/>
+            <a:endParaRPr/>
           </a:p>
         </p:txBody>
       </p:sp>
       <p:sp>
         <p:nvSpPr>
           <p:cNvPr id="208" name="Shape 208"/>
-          <p:cNvSpPr/>
+          <p:cNvSpPr>
+            <a:spLocks noGrp="1"/>
+          </p:cNvSpPr>
           <p:nvPr>
             <p:ph type="body" sz="quarter" idx="1"/>
           </p:nvPr>
@@ -1742,7 +1807,6 @@
           <a:bodyPr/>
           <a:lstStyle/>
           <a:p>
-            <a:pPr/>
             <a:r>
               <a:t>Task Events</a:t>
             </a:r>
@@ -1757,7 +1821,7 @@
             </a:r>
           </a:p>
           <a:p>
-            <a:pPr lvl="1" marL="701842" indent="-257342">
+            <a:pPr marL="701842" lvl="1" indent="-257342">
               <a:buSzPct val="75000"/>
               <a:buChar char="•"/>
             </a:pPr>
@@ -1766,7 +1830,7 @@
             </a:r>
           </a:p>
           <a:p>
-            <a:pPr lvl="1" marL="701842" indent="-257342">
+            <a:pPr marL="701842" lvl="1" indent="-257342">
               <a:buSzPct val="75000"/>
               <a:buChar char="•"/>
             </a:pPr>
@@ -1784,10 +1848,9 @@
             </a:r>
           </a:p>
           <a:p>
-            <a:pPr/>
             <a:r>
               <a:rPr u="sng">
-                <a:hlinkClick r:id="rId3" invalidUrl="" action="" tgtFrame="" tooltip="" history="1" highlightClick="0" endSnd="0"/>
+                <a:hlinkClick r:id="rId3"/>
               </a:rPr>
               <a:t>https://flic.kr/p/oHpnei</a:t>
             </a:r>
@@ -1803,7 +1866,7 @@
 </file>
 
 <file path=ppt/notesSlides/notesSlide8.xml><?xml version="1.0" encoding="utf-8"?>
-<p:notes xmlns:a="http://schemas.openxmlformats.org/drawingml/2006/main" xmlns:r="http://schemas.openxmlformats.org/officeDocument/2006/relationships" xmlns:p="http://schemas.openxmlformats.org/presentationml/2006/main" showMasterSp="1" showMasterPhAnim="1">
+<p:notes xmlns:a="http://schemas.openxmlformats.org/drawingml/2006/main" xmlns:r="http://schemas.openxmlformats.org/officeDocument/2006/relationships" xmlns:p="http://schemas.openxmlformats.org/presentationml/2006/main">
   <p:cSld>
     <p:spTree>
       <p:nvGrpSpPr>
@@ -1822,7 +1885,9 @@
       <p:sp>
         <p:nvSpPr>
           <p:cNvPr id="212" name="Shape 212"/>
-          <p:cNvSpPr/>
+          <p:cNvSpPr>
+            <a:spLocks noGrp="1" noRot="1" noChangeAspect="1"/>
+          </p:cNvSpPr>
           <p:nvPr>
             <p:ph type="sldImg"/>
           </p:nvPr>
@@ -1836,14 +1901,16 @@
           <a:bodyPr/>
           <a:lstStyle/>
           <a:p>
-            <a:pPr/>
+            <a:endParaRPr/>
           </a:p>
         </p:txBody>
       </p:sp>
       <p:sp>
         <p:nvSpPr>
           <p:cNvPr id="213" name="Shape 213"/>
-          <p:cNvSpPr/>
+          <p:cNvSpPr>
+            <a:spLocks noGrp="1"/>
+          </p:cNvSpPr>
           <p:nvPr>
             <p:ph type="body" sz="quarter" idx="1"/>
           </p:nvPr>
@@ -1857,13 +1924,11 @@
           <a:bodyPr/>
           <a:lstStyle/>
           <a:p>
-            <a:pPr/>
             <a:r>
               <a:t>As we discussed earlier Spring Cloud Task can emit task events (Task Execution Start and End)</a:t>
             </a:r>
           </a:p>
           <a:p>
-            <a:pPr/>
             <a:r>
               <a:t>In those cases where we want our task to emit events I can add a starter stream to dependencies.  And in that case we can emit the events to Rabbit, Kafka etc.   In the case above it will be to Rabbit.</a:t>
             </a:r>
@@ -1879,7 +1944,7 @@
 </file>
 
 <file path=ppt/notesSlides/notesSlide9.xml><?xml version="1.0" encoding="utf-8"?>
-<p:notes xmlns:a="http://schemas.openxmlformats.org/drawingml/2006/main" xmlns:r="http://schemas.openxmlformats.org/officeDocument/2006/relationships" xmlns:p="http://schemas.openxmlformats.org/presentationml/2006/main" showMasterSp="1" showMasterPhAnim="1">
+<p:notes xmlns:a="http://schemas.openxmlformats.org/drawingml/2006/main" xmlns:r="http://schemas.openxmlformats.org/officeDocument/2006/relationships" xmlns:p="http://schemas.openxmlformats.org/presentationml/2006/main">
   <p:cSld>
     <p:spTree>
       <p:nvGrpSpPr>
@@ -1898,7 +1963,9 @@
       <p:sp>
         <p:nvSpPr>
           <p:cNvPr id="218" name="Shape 218"/>
-          <p:cNvSpPr/>
+          <p:cNvSpPr>
+            <a:spLocks noGrp="1" noRot="1" noChangeAspect="1"/>
+          </p:cNvSpPr>
           <p:nvPr>
             <p:ph type="sldImg"/>
           </p:nvPr>
@@ -1912,14 +1979,16 @@
           <a:bodyPr/>
           <a:lstStyle/>
           <a:p>
-            <a:pPr/>
+            <a:endParaRPr/>
           </a:p>
         </p:txBody>
       </p:sp>
       <p:sp>
         <p:nvSpPr>
           <p:cNvPr id="219" name="Shape 219"/>
-          <p:cNvSpPr/>
+          <p:cNvSpPr>
+            <a:spLocks noGrp="1"/>
+          </p:cNvSpPr>
           <p:nvPr>
             <p:ph type="body" sz="quarter" idx="1"/>
           </p:nvPr>
@@ -1933,7 +2002,6 @@
           <a:bodyPr/>
           <a:lstStyle/>
           <a:p>
-            <a:pPr/>
             <a:r>
               <a:t>Batch Events</a:t>
             </a:r>
@@ -1948,7 +2016,7 @@
             </a:r>
           </a:p>
           <a:p>
-            <a:pPr lvl="1" marL="701842" indent="-257342">
+            <a:pPr marL="701842" lvl="1" indent="-257342">
               <a:buSzPct val="75000"/>
               <a:buChar char="•"/>
             </a:pPr>
@@ -1957,7 +2025,7 @@
             </a:r>
           </a:p>
           <a:p>
-            <a:pPr lvl="1" marL="701842" indent="-257342">
+            <a:pPr marL="701842" lvl="1" indent="-257342">
               <a:buSzPct val="75000"/>
               <a:buChar char="•"/>
             </a:pPr>
@@ -1966,7 +2034,7 @@
             </a:r>
           </a:p>
           <a:p>
-            <a:pPr lvl="1" marL="701842" indent="-257342">
+            <a:pPr marL="701842" lvl="1" indent="-257342">
               <a:buSzPct val="75000"/>
               <a:buChar char="•"/>
             </a:pPr>
@@ -1975,7 +2043,7 @@
             </a:r>
           </a:p>
           <a:p>
-            <a:pPr lvl="1" marL="701842" indent="-257342">
+            <a:pPr marL="701842" lvl="1" indent="-257342">
               <a:buSzPct val="75000"/>
               <a:buChar char="•"/>
             </a:pPr>
@@ -1984,7 +2052,7 @@
             </a:r>
           </a:p>
           <a:p>
-            <a:pPr lvl="1" marL="701842" indent="-257342">
+            <a:pPr marL="701842" lvl="1" indent="-257342">
               <a:buSzPct val="75000"/>
               <a:buChar char="•"/>
             </a:pPr>
@@ -1993,7 +2061,7 @@
             </a:r>
           </a:p>
           <a:p>
-            <a:pPr lvl="1" marL="701842" indent="-257342">
+            <a:pPr marL="701842" lvl="1" indent="-257342">
               <a:buSzPct val="75000"/>
               <a:buChar char="•"/>
             </a:pPr>
@@ -2002,7 +2070,7 @@
             </a:r>
           </a:p>
           <a:p>
-            <a:pPr lvl="1" marL="701842" indent="-257342">
+            <a:pPr marL="701842" lvl="1" indent="-257342">
               <a:buSzPct val="75000"/>
               <a:buChar char="•"/>
             </a:pPr>
@@ -2011,10 +2079,9 @@
             </a:r>
           </a:p>
           <a:p>
-            <a:pPr/>
             <a:r>
               <a:rPr u="sng">
-                <a:hlinkClick r:id="rId3" invalidUrl="" action="" tgtFrame="" tooltip="" history="1" highlightClick="0" endSnd="0"/>
+                <a:hlinkClick r:id="rId3"/>
               </a:rPr>
               <a:t>https://flic.kr/p/82tvyd</a:t>
             </a:r>
@@ -2030,7 +2097,7 @@
 </file>
 
 <file path=ppt/slideLayouts/slideLayout1.xml><?xml version="1.0" encoding="utf-8"?>
-<p:sldLayout xmlns:a="http://schemas.openxmlformats.org/drawingml/2006/main" xmlns:r="http://schemas.openxmlformats.org/officeDocument/2006/relationships" xmlns:p="http://schemas.openxmlformats.org/presentationml/2006/main" type="title" showMasterSp="1" showMasterPhAnim="1">
+<p:sldLayout xmlns:a="http://schemas.openxmlformats.org/drawingml/2006/main" xmlns:r="http://schemas.openxmlformats.org/officeDocument/2006/relationships" xmlns:p="http://schemas.openxmlformats.org/presentationml/2006/main" type="title">
   <p:cSld name="Title &amp; Subtitle">
     <p:spTree>
       <p:nvGrpSpPr>
@@ -2049,7 +2116,9 @@
       <p:sp>
         <p:nvSpPr>
           <p:cNvPr id="11" name="Title Text"/>
-          <p:cNvSpPr/>
+          <p:cNvSpPr>
+            <a:spLocks noGrp="1"/>
+          </p:cNvSpPr>
           <p:nvPr>
             <p:ph type="title"/>
           </p:nvPr>
@@ -2067,7 +2136,6 @@
           <a:bodyPr anchor="b"/>
           <a:lstStyle/>
           <a:p>
-            <a:pPr/>
             <a:r>
               <a:t>Title Text</a:t>
             </a:r>
@@ -2077,7 +2145,9 @@
       <p:sp>
         <p:nvSpPr>
           <p:cNvPr id="12" name="Body Level One…"/>
-          <p:cNvSpPr/>
+          <p:cNvSpPr>
+            <a:spLocks noGrp="1"/>
+          </p:cNvSpPr>
           <p:nvPr>
             <p:ph type="body" sz="quarter" idx="1"/>
           </p:nvPr>
@@ -2136,7 +2206,6 @@
             </a:lvl5pPr>
           </a:lstStyle>
           <a:p>
-            <a:pPr/>
             <a:r>
               <a:t>Body Level One</a:t>
             </a:r>
@@ -2170,7 +2239,9 @@
       <p:sp>
         <p:nvSpPr>
           <p:cNvPr id="13" name="Slide Number"/>
-          <p:cNvSpPr/>
+          <p:cNvSpPr>
+            <a:spLocks noGrp="1"/>
+          </p:cNvSpPr>
           <p:nvPr>
             <p:ph type="sldNum" sz="quarter" idx="2"/>
           </p:nvPr>
@@ -2184,8 +2255,10 @@
           <a:bodyPr/>
           <a:lstStyle/>
           <a:p>
-            <a:pPr/>
-            <a:fld id="{86CB4B4D-7CA3-9044-876B-883B54F8677D}" type="slidenum"/>
+            <a:fld id="{86CB4B4D-7CA3-9044-876B-883B54F8677D}" type="slidenum">
+              <a:t>‹#›</a:t>
+            </a:fld>
+            <a:endParaRPr/>
           </a:p>
         </p:txBody>
       </p:sp>
@@ -2194,12 +2267,12 @@
   <p:clrMapOvr>
     <a:masterClrMapping/>
   </p:clrMapOvr>
-  <p:transition xmlns:p14="http://schemas.microsoft.com/office/powerpoint/2010/main" spd="med" advClick="1"/>
+  <p:transition xmlns:p14="http://schemas.microsoft.com/office/powerpoint/2010/main" spd="med"/>
 </p:sldLayout>
 </file>
 
 <file path=ppt/slideLayouts/slideLayout10.xml><?xml version="1.0" encoding="utf-8"?>
-<p:sldLayout xmlns:a="http://schemas.openxmlformats.org/drawingml/2006/main" xmlns:r="http://schemas.openxmlformats.org/officeDocument/2006/relationships" xmlns:p="http://schemas.openxmlformats.org/presentationml/2006/main" type="tx" showMasterSp="1" showMasterPhAnim="1">
+<p:sldLayout xmlns:a="http://schemas.openxmlformats.org/drawingml/2006/main" xmlns:r="http://schemas.openxmlformats.org/officeDocument/2006/relationships" xmlns:p="http://schemas.openxmlformats.org/presentationml/2006/main" type="tx">
   <p:cSld name="Quote">
     <p:spTree>
       <p:nvGrpSpPr>
@@ -2218,7 +2291,9 @@
       <p:sp>
         <p:nvSpPr>
           <p:cNvPr id="93" name="–Johnny Appleseed"/>
-          <p:cNvSpPr/>
+          <p:cNvSpPr>
+            <a:spLocks noGrp="1"/>
+          </p:cNvSpPr>
           <p:nvPr>
             <p:ph type="body" sz="quarter" idx="13"/>
           </p:nvPr>
@@ -2243,11 +2318,10 @@
               </a:spcBef>
               <a:buSzTx/>
               <a:buNone/>
-              <a:defRPr i="1" sz="2400"/>
+              <a:defRPr sz="2400" i="1"/>
             </a:lvl1pPr>
           </a:lstStyle>
           <a:p>
-            <a:pPr/>
             <a:r>
               <a:t>–Johnny Appleseed</a:t>
             </a:r>
@@ -2257,7 +2331,9 @@
       <p:sp>
         <p:nvSpPr>
           <p:cNvPr id="94" name="“Type a quote here.”"/>
-          <p:cNvSpPr/>
+          <p:cNvSpPr>
+            <a:spLocks noGrp="1"/>
+          </p:cNvSpPr>
           <p:nvPr>
             <p:ph type="body" sz="quarter" idx="14"/>
           </p:nvPr>
@@ -2285,7 +2361,6 @@
             </a:lvl1pPr>
           </a:lstStyle>
           <a:p>
-            <a:pPr/>
             <a:r>
               <a:t>“Type a quote here.” </a:t>
             </a:r>
@@ -2295,7 +2370,9 @@
       <p:sp>
         <p:nvSpPr>
           <p:cNvPr id="95" name="Slide Number"/>
-          <p:cNvSpPr/>
+          <p:cNvSpPr>
+            <a:spLocks noGrp="1"/>
+          </p:cNvSpPr>
           <p:nvPr>
             <p:ph type="sldNum" sz="quarter" idx="2"/>
           </p:nvPr>
@@ -2309,8 +2386,10 @@
           <a:bodyPr/>
           <a:lstStyle/>
           <a:p>
-            <a:pPr/>
-            <a:fld id="{86CB4B4D-7CA3-9044-876B-883B54F8677D}" type="slidenum"/>
+            <a:fld id="{86CB4B4D-7CA3-9044-876B-883B54F8677D}" type="slidenum">
+              <a:t>‹#›</a:t>
+            </a:fld>
+            <a:endParaRPr/>
           </a:p>
         </p:txBody>
       </p:sp>
@@ -2319,12 +2398,12 @@
   <p:clrMapOvr>
     <a:masterClrMapping/>
   </p:clrMapOvr>
-  <p:transition xmlns:p14="http://schemas.microsoft.com/office/powerpoint/2010/main" spd="med" advClick="1"/>
+  <p:transition xmlns:p14="http://schemas.microsoft.com/office/powerpoint/2010/main" spd="med"/>
 </p:sldLayout>
 </file>
 
 <file path=ppt/slideLayouts/slideLayout11.xml><?xml version="1.0" encoding="utf-8"?>
-<p:sldLayout xmlns:a="http://schemas.openxmlformats.org/drawingml/2006/main" xmlns:r="http://schemas.openxmlformats.org/officeDocument/2006/relationships" xmlns:p="http://schemas.openxmlformats.org/presentationml/2006/main" type="tx" showMasterSp="1" showMasterPhAnim="1">
+<p:sldLayout xmlns:a="http://schemas.openxmlformats.org/drawingml/2006/main" xmlns:r="http://schemas.openxmlformats.org/officeDocument/2006/relationships" xmlns:p="http://schemas.openxmlformats.org/presentationml/2006/main" type="tx">
   <p:cSld name="Photo">
     <p:spTree>
       <p:nvGrpSpPr>
@@ -2343,7 +2422,9 @@
       <p:sp>
         <p:nvSpPr>
           <p:cNvPr id="102" name="Image"/>
-          <p:cNvSpPr/>
+          <p:cNvSpPr>
+            <a:spLocks noGrp="1"/>
+          </p:cNvSpPr>
           <p:nvPr>
             <p:ph type="pic" idx="13"/>
           </p:nvPr>
@@ -2363,14 +2444,16 @@
           </a:bodyPr>
           <a:lstStyle/>
           <a:p>
-            <a:pPr/>
+            <a:endParaRPr/>
           </a:p>
         </p:txBody>
       </p:sp>
       <p:sp>
         <p:nvSpPr>
           <p:cNvPr id="103" name="Slide Number"/>
-          <p:cNvSpPr/>
+          <p:cNvSpPr>
+            <a:spLocks noGrp="1"/>
+          </p:cNvSpPr>
           <p:nvPr>
             <p:ph type="sldNum" sz="quarter" idx="2"/>
           </p:nvPr>
@@ -2384,8 +2467,10 @@
           <a:bodyPr/>
           <a:lstStyle/>
           <a:p>
-            <a:pPr/>
-            <a:fld id="{86CB4B4D-7CA3-9044-876B-883B54F8677D}" type="slidenum"/>
+            <a:fld id="{86CB4B4D-7CA3-9044-876B-883B54F8677D}" type="slidenum">
+              <a:t>‹#›</a:t>
+            </a:fld>
+            <a:endParaRPr/>
           </a:p>
         </p:txBody>
       </p:sp>
@@ -2394,12 +2479,12 @@
   <p:clrMapOvr>
     <a:masterClrMapping/>
   </p:clrMapOvr>
-  <p:transition xmlns:p14="http://schemas.microsoft.com/office/powerpoint/2010/main" spd="med" advClick="1"/>
+  <p:transition xmlns:p14="http://schemas.microsoft.com/office/powerpoint/2010/main" spd="med"/>
 </p:sldLayout>
 </file>
 
 <file path=ppt/slideLayouts/slideLayout12.xml><?xml version="1.0" encoding="utf-8"?>
-<p:sldLayout xmlns:a="http://schemas.openxmlformats.org/drawingml/2006/main" xmlns:r="http://schemas.openxmlformats.org/officeDocument/2006/relationships" xmlns:p="http://schemas.openxmlformats.org/presentationml/2006/main" type="tx" showMasterSp="1" showMasterPhAnim="1">
+<p:sldLayout xmlns:a="http://schemas.openxmlformats.org/drawingml/2006/main" xmlns:r="http://schemas.openxmlformats.org/officeDocument/2006/relationships" xmlns:p="http://schemas.openxmlformats.org/presentationml/2006/main" type="tx">
   <p:cSld name="Blank">
     <p:spTree>
       <p:nvGrpSpPr>
@@ -2445,7 +2530,9 @@
       <p:sp>
         <p:nvSpPr>
           <p:cNvPr id="111" name="Slide Number"/>
-          <p:cNvSpPr/>
+          <p:cNvSpPr>
+            <a:spLocks noGrp="1"/>
+          </p:cNvSpPr>
           <p:nvPr>
             <p:ph type="sldNum" sz="quarter" idx="2"/>
           </p:nvPr>
@@ -2459,8 +2546,10 @@
           <a:bodyPr/>
           <a:lstStyle/>
           <a:p>
-            <a:pPr/>
-            <a:fld id="{86CB4B4D-7CA3-9044-876B-883B54F8677D}" type="slidenum"/>
+            <a:fld id="{86CB4B4D-7CA3-9044-876B-883B54F8677D}" type="slidenum">
+              <a:t>‹#›</a:t>
+            </a:fld>
+            <a:endParaRPr/>
           </a:p>
         </p:txBody>
       </p:sp>
@@ -2469,18 +2558,19 @@
   <p:clrMapOvr>
     <a:masterClrMapping/>
   </p:clrMapOvr>
-  <p:transition xmlns:p14="http://schemas.microsoft.com/office/powerpoint/2010/main" spd="med" advClick="1"/>
+  <p:transition xmlns:p14="http://schemas.microsoft.com/office/powerpoint/2010/main" spd="med"/>
 </p:sldLayout>
 </file>
 
 <file path=ppt/slideLayouts/slideLayout13.xml><?xml version="1.0" encoding="utf-8"?>
-<p:sldLayout xmlns:a="http://schemas.openxmlformats.org/drawingml/2006/main" xmlns:r="http://schemas.openxmlformats.org/officeDocument/2006/relationships" xmlns:p="http://schemas.openxmlformats.org/presentationml/2006/main" type="tx" showMasterSp="1" showMasterPhAnim="1">
+<p:sldLayout xmlns:a="http://schemas.openxmlformats.org/drawingml/2006/main" xmlns:r="http://schemas.openxmlformats.org/officeDocument/2006/relationships" xmlns:p="http://schemas.openxmlformats.org/presentationml/2006/main" type="tx">
   <p:cSld name="Title - Center">
     <p:bg>
       <p:bgPr>
         <a:solidFill>
           <a:srgbClr val="FFFFFF"/>
         </a:solidFill>
+        <a:effectLst/>
       </p:bgPr>
     </p:bg>
     <p:spTree>
@@ -2500,7 +2590,9 @@
       <p:sp>
         <p:nvSpPr>
           <p:cNvPr id="118" name="Title Text"/>
-          <p:cNvSpPr/>
+          <p:cNvSpPr>
+            <a:spLocks noGrp="1"/>
+          </p:cNvSpPr>
           <p:nvPr>
             <p:ph type="title"/>
           </p:nvPr>
@@ -2526,7 +2618,6 @@
             </a:lvl1pPr>
           </a:lstStyle>
           <a:p>
-            <a:pPr/>
             <a:r>
               <a:t>Title Text</a:t>
             </a:r>
@@ -2536,7 +2627,9 @@
       <p:sp>
         <p:nvSpPr>
           <p:cNvPr id="119" name="Slide Number"/>
-          <p:cNvSpPr/>
+          <p:cNvSpPr>
+            <a:spLocks noGrp="1"/>
+          </p:cNvSpPr>
           <p:nvPr>
             <p:ph type="sldNum" sz="quarter" idx="2"/>
           </p:nvPr>
@@ -2554,8 +2647,10 @@
           <a:bodyPr/>
           <a:lstStyle/>
           <a:p>
-            <a:pPr/>
-            <a:fld id="{86CB4B4D-7CA3-9044-876B-883B54F8677D}" type="slidenum"/>
+            <a:fld id="{86CB4B4D-7CA3-9044-876B-883B54F8677D}" type="slidenum">
+              <a:t>‹#›</a:t>
+            </a:fld>
+            <a:endParaRPr/>
           </a:p>
         </p:txBody>
       </p:sp>
@@ -2564,18 +2659,19 @@
   <p:clrMapOvr>
     <a:masterClrMapping/>
   </p:clrMapOvr>
-  <p:transition xmlns:p14="http://schemas.microsoft.com/office/powerpoint/2010/main" spd="med" advClick="1"/>
+  <p:transition xmlns:p14="http://schemas.microsoft.com/office/powerpoint/2010/main" spd="med"/>
 </p:sldLayout>
 </file>
 
 <file path=ppt/slideLayouts/slideLayout14.xml><?xml version="1.0" encoding="utf-8"?>
-<p:sldLayout xmlns:a="http://schemas.openxmlformats.org/drawingml/2006/main" xmlns:r="http://schemas.openxmlformats.org/officeDocument/2006/relationships" xmlns:p="http://schemas.openxmlformats.org/presentationml/2006/main" type="tx" showMasterSp="1" showMasterPhAnim="1">
+<p:sldLayout xmlns:a="http://schemas.openxmlformats.org/drawingml/2006/main" xmlns:r="http://schemas.openxmlformats.org/officeDocument/2006/relationships" xmlns:p="http://schemas.openxmlformats.org/presentationml/2006/main" type="tx">
   <p:cSld name="regular slide 3 copy">
     <p:bg>
       <p:bgPr>
         <a:solidFill>
           <a:srgbClr val="FFFFFF"/>
         </a:solidFill>
+        <a:effectLst/>
       </p:bgPr>
     </p:bg>
     <p:spTree>
@@ -2605,7 +2701,7 @@
             <a:alphaModFix amt="64999"/>
             <a:extLst/>
           </a:blip>
-          <a:srcRect l="0" t="0" r="0" b="56534"/>
+          <a:srcRect b="56534"/>
           <a:stretch>
             <a:fillRect/>
           </a:stretch>
@@ -2651,7 +2747,9 @@
       <p:sp>
         <p:nvSpPr>
           <p:cNvPr id="128" name="Slide Number"/>
-          <p:cNvSpPr/>
+          <p:cNvSpPr>
+            <a:spLocks noGrp="1"/>
+          </p:cNvSpPr>
           <p:nvPr>
             <p:ph type="sldNum" sz="quarter" idx="2"/>
           </p:nvPr>
@@ -2686,8 +2784,10 @@
             </a:lvl1pPr>
           </a:lstStyle>
           <a:p>
-            <a:pPr/>
-            <a:fld id="{86CB4B4D-7CA3-9044-876B-883B54F8677D}" type="slidenum"/>
+            <a:fld id="{86CB4B4D-7CA3-9044-876B-883B54F8677D}" type="slidenum">
+              <a:t>‹#›</a:t>
+            </a:fld>
+            <a:endParaRPr/>
           </a:p>
         </p:txBody>
       </p:sp>
@@ -2696,18 +2796,19 @@
   <p:clrMapOvr>
     <a:masterClrMapping/>
   </p:clrMapOvr>
-  <p:transition xmlns:p14="http://schemas.microsoft.com/office/powerpoint/2010/main" spd="med" advClick="1"/>
+  <p:transition xmlns:p14="http://schemas.microsoft.com/office/powerpoint/2010/main" spd="med"/>
 </p:sldLayout>
 </file>
 
 <file path=ppt/slideLayouts/slideLayout15.xml><?xml version="1.0" encoding="utf-8"?>
-<p:sldLayout xmlns:a="http://schemas.openxmlformats.org/drawingml/2006/main" xmlns:r="http://schemas.openxmlformats.org/officeDocument/2006/relationships" xmlns:p="http://schemas.openxmlformats.org/presentationml/2006/main" type="tx" showMasterSp="1" showMasterPhAnim="1">
+<p:sldLayout xmlns:a="http://schemas.openxmlformats.org/drawingml/2006/main" xmlns:r="http://schemas.openxmlformats.org/officeDocument/2006/relationships" xmlns:p="http://schemas.openxmlformats.org/presentationml/2006/main" type="tx">
   <p:cSld name="title 2">
     <p:bg>
       <p:bgPr>
         <a:solidFill>
           <a:srgbClr val="FFFFFF"/>
         </a:solidFill>
+        <a:effectLst/>
       </p:bgPr>
     </p:bg>
     <p:spTree>
@@ -2753,7 +2854,7 @@
           </a:bodyPr>
           <a:lstStyle>
             <a:lvl1pPr marL="77065" marR="77065" algn="l" defTabSz="1733973">
-              <a:defRPr cap="all" sz="1800">
+              <a:defRPr sz="1800" cap="all">
                 <a:uFill>
                   <a:solidFill>
                     <a:srgbClr val="FFFFFF"/>
@@ -2767,7 +2868,6 @@
             </a:lvl1pPr>
           </a:lstStyle>
           <a:p>
-            <a:pPr/>
             <a:r>
               <a:t>building adaptive applications is hard</a:t>
             </a:r>
@@ -2826,7 +2926,6 @@
               <a:rPr b="1"/>
               <a:t> Cloud Foundry</a:t>
             </a:r>
-            <a:endParaRPr b="1"/>
           </a:p>
           <a:p>
             <a:pPr marL="77065" marR="77065" algn="l" defTabSz="1733973">
@@ -2882,7 +2981,7 @@
           <a:blip r:embed="rId2">
             <a:extLst/>
           </a:blip>
-          <a:srcRect l="0" t="0" r="0" b="56534"/>
+          <a:srcRect b="56534"/>
           <a:stretch>
             <a:fillRect/>
           </a:stretch>
@@ -2928,7 +3027,9 @@
       <p:sp>
         <p:nvSpPr>
           <p:cNvPr id="139" name="Slide Number"/>
-          <p:cNvSpPr/>
+          <p:cNvSpPr>
+            <a:spLocks noGrp="1"/>
+          </p:cNvSpPr>
           <p:nvPr>
             <p:ph type="sldNum" sz="quarter" idx="2"/>
           </p:nvPr>
@@ -2963,8 +3064,10 @@
             </a:lvl1pPr>
           </a:lstStyle>
           <a:p>
-            <a:pPr/>
-            <a:fld id="{86CB4B4D-7CA3-9044-876B-883B54F8677D}" type="slidenum"/>
+            <a:fld id="{86CB4B4D-7CA3-9044-876B-883B54F8677D}" type="slidenum">
+              <a:t>‹#›</a:t>
+            </a:fld>
+            <a:endParaRPr/>
           </a:p>
         </p:txBody>
       </p:sp>
@@ -2973,12 +3076,12 @@
   <p:clrMapOvr>
     <a:masterClrMapping/>
   </p:clrMapOvr>
-  <p:transition xmlns:p14="http://schemas.microsoft.com/office/powerpoint/2010/main" spd="med" advClick="1"/>
+  <p:transition xmlns:p14="http://schemas.microsoft.com/office/powerpoint/2010/main" spd="med"/>
 </p:sldLayout>
 </file>
 
 <file path=ppt/slideLayouts/slideLayout2.xml><?xml version="1.0" encoding="utf-8"?>
-<p:sldLayout xmlns:a="http://schemas.openxmlformats.org/drawingml/2006/main" xmlns:r="http://schemas.openxmlformats.org/officeDocument/2006/relationships" xmlns:p="http://schemas.openxmlformats.org/presentationml/2006/main" type="tx" showMasterSp="1" showMasterPhAnim="1">
+<p:sldLayout xmlns:a="http://schemas.openxmlformats.org/drawingml/2006/main" xmlns:r="http://schemas.openxmlformats.org/officeDocument/2006/relationships" xmlns:p="http://schemas.openxmlformats.org/presentationml/2006/main" type="tx">
   <p:cSld name="Photo - Horizontal">
     <p:spTree>
       <p:nvGrpSpPr>
@@ -2997,7 +3100,9 @@
       <p:sp>
         <p:nvSpPr>
           <p:cNvPr id="20" name="Image"/>
-          <p:cNvSpPr/>
+          <p:cNvSpPr>
+            <a:spLocks noGrp="1"/>
+          </p:cNvSpPr>
           <p:nvPr>
             <p:ph type="pic" idx="13"/>
           </p:nvPr>
@@ -3017,14 +3122,16 @@
           </a:bodyPr>
           <a:lstStyle/>
           <a:p>
-            <a:pPr/>
+            <a:endParaRPr/>
           </a:p>
         </p:txBody>
       </p:sp>
       <p:sp>
         <p:nvSpPr>
           <p:cNvPr id="21" name="Title Text"/>
-          <p:cNvSpPr/>
+          <p:cNvSpPr>
+            <a:spLocks noGrp="1"/>
+          </p:cNvSpPr>
           <p:nvPr>
             <p:ph type="title"/>
           </p:nvPr>
@@ -3042,7 +3149,6 @@
           <a:bodyPr/>
           <a:lstStyle/>
           <a:p>
-            <a:pPr/>
             <a:r>
               <a:t>Title Text</a:t>
             </a:r>
@@ -3052,7 +3158,9 @@
       <p:sp>
         <p:nvSpPr>
           <p:cNvPr id="22" name="Body Level One…"/>
-          <p:cNvSpPr/>
+          <p:cNvSpPr>
+            <a:spLocks noGrp="1"/>
+          </p:cNvSpPr>
           <p:nvPr>
             <p:ph type="body" sz="quarter" idx="1"/>
           </p:nvPr>
@@ -3111,7 +3219,6 @@
             </a:lvl5pPr>
           </a:lstStyle>
           <a:p>
-            <a:pPr/>
             <a:r>
               <a:t>Body Level One</a:t>
             </a:r>
@@ -3145,7 +3252,9 @@
       <p:sp>
         <p:nvSpPr>
           <p:cNvPr id="23" name="Slide Number"/>
-          <p:cNvSpPr/>
+          <p:cNvSpPr>
+            <a:spLocks noGrp="1"/>
+          </p:cNvSpPr>
           <p:nvPr>
             <p:ph type="sldNum" sz="quarter" idx="2"/>
           </p:nvPr>
@@ -3159,8 +3268,10 @@
           <a:bodyPr/>
           <a:lstStyle/>
           <a:p>
-            <a:pPr/>
-            <a:fld id="{86CB4B4D-7CA3-9044-876B-883B54F8677D}" type="slidenum"/>
+            <a:fld id="{86CB4B4D-7CA3-9044-876B-883B54F8677D}" type="slidenum">
+              <a:t>‹#›</a:t>
+            </a:fld>
+            <a:endParaRPr/>
           </a:p>
         </p:txBody>
       </p:sp>
@@ -3169,12 +3280,12 @@
   <p:clrMapOvr>
     <a:masterClrMapping/>
   </p:clrMapOvr>
-  <p:transition xmlns:p14="http://schemas.microsoft.com/office/powerpoint/2010/main" spd="med" advClick="1"/>
+  <p:transition xmlns:p14="http://schemas.microsoft.com/office/powerpoint/2010/main" spd="med"/>
 </p:sldLayout>
 </file>
 
 <file path=ppt/slideLayouts/slideLayout3.xml><?xml version="1.0" encoding="utf-8"?>
-<p:sldLayout xmlns:a="http://schemas.openxmlformats.org/drawingml/2006/main" xmlns:r="http://schemas.openxmlformats.org/officeDocument/2006/relationships" xmlns:p="http://schemas.openxmlformats.org/presentationml/2006/main" type="tx" showMasterSp="1" showMasterPhAnim="1">
+<p:sldLayout xmlns:a="http://schemas.openxmlformats.org/drawingml/2006/main" xmlns:r="http://schemas.openxmlformats.org/officeDocument/2006/relationships" xmlns:p="http://schemas.openxmlformats.org/presentationml/2006/main" type="tx">
   <p:cSld name="Title - Center">
     <p:spTree>
       <p:nvGrpSpPr>
@@ -3193,7 +3304,9 @@
       <p:sp>
         <p:nvSpPr>
           <p:cNvPr id="30" name="Title Text"/>
-          <p:cNvSpPr/>
+          <p:cNvSpPr>
+            <a:spLocks noGrp="1"/>
+          </p:cNvSpPr>
           <p:nvPr>
             <p:ph type="title"/>
           </p:nvPr>
@@ -3211,7 +3324,6 @@
           <a:bodyPr/>
           <a:lstStyle/>
           <a:p>
-            <a:pPr/>
             <a:r>
               <a:t>Title Text</a:t>
             </a:r>
@@ -3221,7 +3333,9 @@
       <p:sp>
         <p:nvSpPr>
           <p:cNvPr id="31" name="Slide Number"/>
-          <p:cNvSpPr/>
+          <p:cNvSpPr>
+            <a:spLocks noGrp="1"/>
+          </p:cNvSpPr>
           <p:nvPr>
             <p:ph type="sldNum" sz="quarter" idx="2"/>
           </p:nvPr>
@@ -3235,8 +3349,10 @@
           <a:bodyPr/>
           <a:lstStyle/>
           <a:p>
-            <a:pPr/>
-            <a:fld id="{86CB4B4D-7CA3-9044-876B-883B54F8677D}" type="slidenum"/>
+            <a:fld id="{86CB4B4D-7CA3-9044-876B-883B54F8677D}" type="slidenum">
+              <a:t>‹#›</a:t>
+            </a:fld>
+            <a:endParaRPr/>
           </a:p>
         </p:txBody>
       </p:sp>
@@ -3245,12 +3361,12 @@
   <p:clrMapOvr>
     <a:masterClrMapping/>
   </p:clrMapOvr>
-  <p:transition xmlns:p14="http://schemas.microsoft.com/office/powerpoint/2010/main" spd="med" advClick="1"/>
+  <p:transition xmlns:p14="http://schemas.microsoft.com/office/powerpoint/2010/main" spd="med"/>
 </p:sldLayout>
 </file>
 
 <file path=ppt/slideLayouts/slideLayout4.xml><?xml version="1.0" encoding="utf-8"?>
-<p:sldLayout xmlns:a="http://schemas.openxmlformats.org/drawingml/2006/main" xmlns:r="http://schemas.openxmlformats.org/officeDocument/2006/relationships" xmlns:p="http://schemas.openxmlformats.org/presentationml/2006/main" type="tx" showMasterSp="1" showMasterPhAnim="1">
+<p:sldLayout xmlns:a="http://schemas.openxmlformats.org/drawingml/2006/main" xmlns:r="http://schemas.openxmlformats.org/officeDocument/2006/relationships" xmlns:p="http://schemas.openxmlformats.org/presentationml/2006/main" type="tx">
   <p:cSld name="Photo - Vertical">
     <p:spTree>
       <p:nvGrpSpPr>
@@ -3269,7 +3385,9 @@
       <p:sp>
         <p:nvSpPr>
           <p:cNvPr id="38" name="Image"/>
-          <p:cNvSpPr/>
+          <p:cNvSpPr>
+            <a:spLocks noGrp="1"/>
+          </p:cNvSpPr>
           <p:nvPr>
             <p:ph type="pic" sz="half" idx="13"/>
           </p:nvPr>
@@ -3289,14 +3407,16 @@
           </a:bodyPr>
           <a:lstStyle/>
           <a:p>
-            <a:pPr/>
+            <a:endParaRPr/>
           </a:p>
         </p:txBody>
       </p:sp>
       <p:sp>
         <p:nvSpPr>
           <p:cNvPr id="39" name="Title Text"/>
-          <p:cNvSpPr/>
+          <p:cNvSpPr>
+            <a:spLocks noGrp="1"/>
+          </p:cNvSpPr>
           <p:nvPr>
             <p:ph type="title"/>
           </p:nvPr>
@@ -3318,7 +3438,6 @@
             </a:lvl1pPr>
           </a:lstStyle>
           <a:p>
-            <a:pPr/>
             <a:r>
               <a:t>Title Text</a:t>
             </a:r>
@@ -3328,7 +3447,9 @@
       <p:sp>
         <p:nvSpPr>
           <p:cNvPr id="40" name="Body Level One…"/>
-          <p:cNvSpPr/>
+          <p:cNvSpPr>
+            <a:spLocks noGrp="1"/>
+          </p:cNvSpPr>
           <p:nvPr>
             <p:ph type="body" sz="quarter" idx="1"/>
           </p:nvPr>
@@ -3387,7 +3508,6 @@
             </a:lvl5pPr>
           </a:lstStyle>
           <a:p>
-            <a:pPr/>
             <a:r>
               <a:t>Body Level One</a:t>
             </a:r>
@@ -3421,7 +3541,9 @@
       <p:sp>
         <p:nvSpPr>
           <p:cNvPr id="41" name="Slide Number"/>
-          <p:cNvSpPr/>
+          <p:cNvSpPr>
+            <a:spLocks noGrp="1"/>
+          </p:cNvSpPr>
           <p:nvPr>
             <p:ph type="sldNum" sz="quarter" idx="2"/>
           </p:nvPr>
@@ -3435,8 +3557,10 @@
           <a:bodyPr/>
           <a:lstStyle/>
           <a:p>
-            <a:pPr/>
-            <a:fld id="{86CB4B4D-7CA3-9044-876B-883B54F8677D}" type="slidenum"/>
+            <a:fld id="{86CB4B4D-7CA3-9044-876B-883B54F8677D}" type="slidenum">
+              <a:t>‹#›</a:t>
+            </a:fld>
+            <a:endParaRPr/>
           </a:p>
         </p:txBody>
       </p:sp>
@@ -3445,12 +3569,12 @@
   <p:clrMapOvr>
     <a:masterClrMapping/>
   </p:clrMapOvr>
-  <p:transition xmlns:p14="http://schemas.microsoft.com/office/powerpoint/2010/main" spd="med" advClick="1"/>
+  <p:transition xmlns:p14="http://schemas.microsoft.com/office/powerpoint/2010/main" spd="med"/>
 </p:sldLayout>
 </file>
 
 <file path=ppt/slideLayouts/slideLayout5.xml><?xml version="1.0" encoding="utf-8"?>
-<p:sldLayout xmlns:a="http://schemas.openxmlformats.org/drawingml/2006/main" xmlns:r="http://schemas.openxmlformats.org/officeDocument/2006/relationships" xmlns:p="http://schemas.openxmlformats.org/presentationml/2006/main" type="tx" showMasterSp="1" showMasterPhAnim="1">
+<p:sldLayout xmlns:a="http://schemas.openxmlformats.org/drawingml/2006/main" xmlns:r="http://schemas.openxmlformats.org/officeDocument/2006/relationships" xmlns:p="http://schemas.openxmlformats.org/presentationml/2006/main" type="tx">
   <p:cSld name="Title - Top">
     <p:spTree>
       <p:nvGrpSpPr>
@@ -3469,7 +3593,9 @@
       <p:sp>
         <p:nvSpPr>
           <p:cNvPr id="48" name="Title Text"/>
-          <p:cNvSpPr/>
+          <p:cNvSpPr>
+            <a:spLocks noGrp="1"/>
+          </p:cNvSpPr>
           <p:nvPr>
             <p:ph type="title"/>
           </p:nvPr>
@@ -3483,7 +3609,6 @@
           <a:bodyPr/>
           <a:lstStyle/>
           <a:p>
-            <a:pPr/>
             <a:r>
               <a:t>Title Text</a:t>
             </a:r>
@@ -3493,7 +3618,9 @@
       <p:sp>
         <p:nvSpPr>
           <p:cNvPr id="49" name="Slide Number"/>
-          <p:cNvSpPr/>
+          <p:cNvSpPr>
+            <a:spLocks noGrp="1"/>
+          </p:cNvSpPr>
           <p:nvPr>
             <p:ph type="sldNum" sz="quarter" idx="2"/>
           </p:nvPr>
@@ -3507,8 +3634,10 @@
           <a:bodyPr/>
           <a:lstStyle/>
           <a:p>
-            <a:pPr/>
-            <a:fld id="{86CB4B4D-7CA3-9044-876B-883B54F8677D}" type="slidenum"/>
+            <a:fld id="{86CB4B4D-7CA3-9044-876B-883B54F8677D}" type="slidenum">
+              <a:t>‹#›</a:t>
+            </a:fld>
+            <a:endParaRPr/>
           </a:p>
         </p:txBody>
       </p:sp>
@@ -3517,12 +3646,12 @@
   <p:clrMapOvr>
     <a:masterClrMapping/>
   </p:clrMapOvr>
-  <p:transition xmlns:p14="http://schemas.microsoft.com/office/powerpoint/2010/main" spd="med" advClick="1"/>
+  <p:transition xmlns:p14="http://schemas.microsoft.com/office/powerpoint/2010/main" spd="med"/>
 </p:sldLayout>
 </file>
 
 <file path=ppt/slideLayouts/slideLayout6.xml><?xml version="1.0" encoding="utf-8"?>
-<p:sldLayout xmlns:a="http://schemas.openxmlformats.org/drawingml/2006/main" xmlns:r="http://schemas.openxmlformats.org/officeDocument/2006/relationships" xmlns:p="http://schemas.openxmlformats.org/presentationml/2006/main" type="tx" showMasterSp="1" showMasterPhAnim="1">
+<p:sldLayout xmlns:a="http://schemas.openxmlformats.org/drawingml/2006/main" xmlns:r="http://schemas.openxmlformats.org/officeDocument/2006/relationships" xmlns:p="http://schemas.openxmlformats.org/presentationml/2006/main" type="tx">
   <p:cSld name="Title &amp; Bullets">
     <p:spTree>
       <p:nvGrpSpPr>
@@ -3541,7 +3670,9 @@
       <p:sp>
         <p:nvSpPr>
           <p:cNvPr id="56" name="Title Text"/>
-          <p:cNvSpPr/>
+          <p:cNvSpPr>
+            <a:spLocks noGrp="1"/>
+          </p:cNvSpPr>
           <p:nvPr>
             <p:ph type="title"/>
           </p:nvPr>
@@ -3555,7 +3686,6 @@
           <a:bodyPr/>
           <a:lstStyle/>
           <a:p>
-            <a:pPr/>
             <a:r>
               <a:t>Title Text</a:t>
             </a:r>
@@ -3565,7 +3695,9 @@
       <p:sp>
         <p:nvSpPr>
           <p:cNvPr id="57" name="Body Level One…"/>
-          <p:cNvSpPr/>
+          <p:cNvSpPr>
+            <a:spLocks noGrp="1"/>
+          </p:cNvSpPr>
           <p:nvPr>
             <p:ph type="body" idx="1"/>
           </p:nvPr>
@@ -3579,7 +3711,6 @@
           <a:bodyPr/>
           <a:lstStyle/>
           <a:p>
-            <a:pPr/>
             <a:r>
               <a:t>Body Level One</a:t>
             </a:r>
@@ -3613,7 +3744,9 @@
       <p:sp>
         <p:nvSpPr>
           <p:cNvPr id="58" name="Slide Number"/>
-          <p:cNvSpPr/>
+          <p:cNvSpPr>
+            <a:spLocks noGrp="1"/>
+          </p:cNvSpPr>
           <p:nvPr>
             <p:ph type="sldNum" sz="quarter" idx="2"/>
           </p:nvPr>
@@ -3627,8 +3760,10 @@
           <a:bodyPr/>
           <a:lstStyle/>
           <a:p>
-            <a:pPr/>
-            <a:fld id="{86CB4B4D-7CA3-9044-876B-883B54F8677D}" type="slidenum"/>
+            <a:fld id="{86CB4B4D-7CA3-9044-876B-883B54F8677D}" type="slidenum">
+              <a:t>‹#›</a:t>
+            </a:fld>
+            <a:endParaRPr/>
           </a:p>
         </p:txBody>
       </p:sp>
@@ -3637,12 +3772,12 @@
   <p:clrMapOvr>
     <a:masterClrMapping/>
   </p:clrMapOvr>
-  <p:transition xmlns:p14="http://schemas.microsoft.com/office/powerpoint/2010/main" spd="med" advClick="1"/>
+  <p:transition xmlns:p14="http://schemas.microsoft.com/office/powerpoint/2010/main" spd="med"/>
 </p:sldLayout>
 </file>
 
 <file path=ppt/slideLayouts/slideLayout7.xml><?xml version="1.0" encoding="utf-8"?>
-<p:sldLayout xmlns:a="http://schemas.openxmlformats.org/drawingml/2006/main" xmlns:r="http://schemas.openxmlformats.org/officeDocument/2006/relationships" xmlns:p="http://schemas.openxmlformats.org/presentationml/2006/main" type="tx" showMasterSp="1" showMasterPhAnim="1">
+<p:sldLayout xmlns:a="http://schemas.openxmlformats.org/drawingml/2006/main" xmlns:r="http://schemas.openxmlformats.org/officeDocument/2006/relationships" xmlns:p="http://schemas.openxmlformats.org/presentationml/2006/main" type="tx">
   <p:cSld name="Title, Bullets &amp; Photo">
     <p:spTree>
       <p:nvGrpSpPr>
@@ -3661,7 +3796,9 @@
       <p:sp>
         <p:nvSpPr>
           <p:cNvPr id="65" name="Image"/>
-          <p:cNvSpPr/>
+          <p:cNvSpPr>
+            <a:spLocks noGrp="1"/>
+          </p:cNvSpPr>
           <p:nvPr>
             <p:ph type="pic" sz="half" idx="13"/>
           </p:nvPr>
@@ -3681,14 +3818,16 @@
           </a:bodyPr>
           <a:lstStyle/>
           <a:p>
-            <a:pPr/>
+            <a:endParaRPr/>
           </a:p>
         </p:txBody>
       </p:sp>
       <p:sp>
         <p:nvSpPr>
           <p:cNvPr id="66" name="Title Text"/>
-          <p:cNvSpPr/>
+          <p:cNvSpPr>
+            <a:spLocks noGrp="1"/>
+          </p:cNvSpPr>
           <p:nvPr>
             <p:ph type="title"/>
           </p:nvPr>
@@ -3702,7 +3841,6 @@
           <a:bodyPr/>
           <a:lstStyle/>
           <a:p>
-            <a:pPr/>
             <a:r>
               <a:t>Title Text</a:t>
             </a:r>
@@ -3712,7 +3850,9 @@
       <p:sp>
         <p:nvSpPr>
           <p:cNvPr id="67" name="Body Level One…"/>
-          <p:cNvSpPr/>
+          <p:cNvSpPr>
+            <a:spLocks noGrp="1"/>
+          </p:cNvSpPr>
           <p:nvPr>
             <p:ph type="body" sz="half" idx="1"/>
           </p:nvPr>
@@ -3761,7 +3901,6 @@
             </a:lvl5pPr>
           </a:lstStyle>
           <a:p>
-            <a:pPr/>
             <a:r>
               <a:t>Body Level One</a:t>
             </a:r>
@@ -3795,7 +3934,9 @@
       <p:sp>
         <p:nvSpPr>
           <p:cNvPr id="68" name="Slide Number"/>
-          <p:cNvSpPr/>
+          <p:cNvSpPr>
+            <a:spLocks noGrp="1"/>
+          </p:cNvSpPr>
           <p:nvPr>
             <p:ph type="sldNum" sz="quarter" idx="2"/>
           </p:nvPr>
@@ -3809,8 +3950,10 @@
           <a:bodyPr/>
           <a:lstStyle/>
           <a:p>
-            <a:pPr/>
-            <a:fld id="{86CB4B4D-7CA3-9044-876B-883B54F8677D}" type="slidenum"/>
+            <a:fld id="{86CB4B4D-7CA3-9044-876B-883B54F8677D}" type="slidenum">
+              <a:t>‹#›</a:t>
+            </a:fld>
+            <a:endParaRPr/>
           </a:p>
         </p:txBody>
       </p:sp>
@@ -3819,12 +3962,12 @@
   <p:clrMapOvr>
     <a:masterClrMapping/>
   </p:clrMapOvr>
-  <p:transition xmlns:p14="http://schemas.microsoft.com/office/powerpoint/2010/main" spd="med" advClick="1"/>
+  <p:transition xmlns:p14="http://schemas.microsoft.com/office/powerpoint/2010/main" spd="med"/>
 </p:sldLayout>
 </file>
 
 <file path=ppt/slideLayouts/slideLayout8.xml><?xml version="1.0" encoding="utf-8"?>
-<p:sldLayout xmlns:a="http://schemas.openxmlformats.org/drawingml/2006/main" xmlns:r="http://schemas.openxmlformats.org/officeDocument/2006/relationships" xmlns:p="http://schemas.openxmlformats.org/presentationml/2006/main" type="tx" showMasterSp="1" showMasterPhAnim="1">
+<p:sldLayout xmlns:a="http://schemas.openxmlformats.org/drawingml/2006/main" xmlns:r="http://schemas.openxmlformats.org/officeDocument/2006/relationships" xmlns:p="http://schemas.openxmlformats.org/presentationml/2006/main" type="tx">
   <p:cSld name="Bullets">
     <p:spTree>
       <p:nvGrpSpPr>
@@ -3843,7 +3986,9 @@
       <p:sp>
         <p:nvSpPr>
           <p:cNvPr id="75" name="Body Level One…"/>
-          <p:cNvSpPr/>
+          <p:cNvSpPr>
+            <a:spLocks noGrp="1"/>
+          </p:cNvSpPr>
           <p:nvPr>
             <p:ph type="body" idx="1"/>
           </p:nvPr>
@@ -3861,7 +4006,6 @@
           <a:bodyPr/>
           <a:lstStyle/>
           <a:p>
-            <a:pPr/>
             <a:r>
               <a:t>Body Level One</a:t>
             </a:r>
@@ -3895,7 +4039,9 @@
       <p:sp>
         <p:nvSpPr>
           <p:cNvPr id="76" name="Slide Number"/>
-          <p:cNvSpPr/>
+          <p:cNvSpPr>
+            <a:spLocks noGrp="1"/>
+          </p:cNvSpPr>
           <p:nvPr>
             <p:ph type="sldNum" sz="quarter" idx="2"/>
           </p:nvPr>
@@ -3909,8 +4055,10 @@
           <a:bodyPr/>
           <a:lstStyle/>
           <a:p>
-            <a:pPr/>
-            <a:fld id="{86CB4B4D-7CA3-9044-876B-883B54F8677D}" type="slidenum"/>
+            <a:fld id="{86CB4B4D-7CA3-9044-876B-883B54F8677D}" type="slidenum">
+              <a:t>‹#›</a:t>
+            </a:fld>
+            <a:endParaRPr/>
           </a:p>
         </p:txBody>
       </p:sp>
@@ -3919,12 +4067,12 @@
   <p:clrMapOvr>
     <a:masterClrMapping/>
   </p:clrMapOvr>
-  <p:transition xmlns:p14="http://schemas.microsoft.com/office/powerpoint/2010/main" spd="med" advClick="1"/>
+  <p:transition xmlns:p14="http://schemas.microsoft.com/office/powerpoint/2010/main" spd="med"/>
 </p:sldLayout>
 </file>
 
 <file path=ppt/slideLayouts/slideLayout9.xml><?xml version="1.0" encoding="utf-8"?>
-<p:sldLayout xmlns:a="http://schemas.openxmlformats.org/drawingml/2006/main" xmlns:r="http://schemas.openxmlformats.org/officeDocument/2006/relationships" xmlns:p="http://schemas.openxmlformats.org/presentationml/2006/main" type="tx" showMasterSp="1" showMasterPhAnim="1">
+<p:sldLayout xmlns:a="http://schemas.openxmlformats.org/drawingml/2006/main" xmlns:r="http://schemas.openxmlformats.org/officeDocument/2006/relationships" xmlns:p="http://schemas.openxmlformats.org/presentationml/2006/main" type="tx">
   <p:cSld name="Photo - 3 Up">
     <p:spTree>
       <p:nvGrpSpPr>
@@ -3943,7 +4091,9 @@
       <p:sp>
         <p:nvSpPr>
           <p:cNvPr id="83" name="Image"/>
-          <p:cNvSpPr/>
+          <p:cNvSpPr>
+            <a:spLocks noGrp="1"/>
+          </p:cNvSpPr>
           <p:nvPr>
             <p:ph type="pic" sz="quarter" idx="13"/>
           </p:nvPr>
@@ -3963,14 +4113,16 @@
           </a:bodyPr>
           <a:lstStyle/>
           <a:p>
-            <a:pPr/>
+            <a:endParaRPr/>
           </a:p>
         </p:txBody>
       </p:sp>
       <p:sp>
         <p:nvSpPr>
           <p:cNvPr id="84" name="Image"/>
-          <p:cNvSpPr/>
+          <p:cNvSpPr>
+            <a:spLocks noGrp="1"/>
+          </p:cNvSpPr>
           <p:nvPr>
             <p:ph type="pic" sz="quarter" idx="14"/>
           </p:nvPr>
@@ -3990,14 +4142,16 @@
           </a:bodyPr>
           <a:lstStyle/>
           <a:p>
-            <a:pPr/>
+            <a:endParaRPr/>
           </a:p>
         </p:txBody>
       </p:sp>
       <p:sp>
         <p:nvSpPr>
           <p:cNvPr id="85" name="Image"/>
-          <p:cNvSpPr/>
+          <p:cNvSpPr>
+            <a:spLocks noGrp="1"/>
+          </p:cNvSpPr>
           <p:nvPr>
             <p:ph type="pic" sz="half" idx="15"/>
           </p:nvPr>
@@ -4017,14 +4171,16 @@
           </a:bodyPr>
           <a:lstStyle/>
           <a:p>
-            <a:pPr/>
+            <a:endParaRPr/>
           </a:p>
         </p:txBody>
       </p:sp>
       <p:sp>
         <p:nvSpPr>
           <p:cNvPr id="86" name="Slide Number"/>
-          <p:cNvSpPr/>
+          <p:cNvSpPr>
+            <a:spLocks noGrp="1"/>
+          </p:cNvSpPr>
           <p:nvPr>
             <p:ph type="sldNum" sz="quarter" idx="2"/>
           </p:nvPr>
@@ -4038,8 +4194,10 @@
           <a:bodyPr/>
           <a:lstStyle/>
           <a:p>
-            <a:pPr/>
-            <a:fld id="{86CB4B4D-7CA3-9044-876B-883B54F8677D}" type="slidenum"/>
+            <a:fld id="{86CB4B4D-7CA3-9044-876B-883B54F8677D}" type="slidenum">
+              <a:t>‹#›</a:t>
+            </a:fld>
+            <a:endParaRPr/>
           </a:p>
         </p:txBody>
       </p:sp>
@@ -4048,7 +4206,7 @@
   <p:clrMapOvr>
     <a:masterClrMapping/>
   </p:clrMapOvr>
-  <p:transition xmlns:p14="http://schemas.microsoft.com/office/powerpoint/2010/main" spd="med" advClick="1"/>
+  <p:transition xmlns:p14="http://schemas.microsoft.com/office/powerpoint/2010/main" spd="med"/>
 </p:sldLayout>
 </file>
 
@@ -4060,6 +4218,7 @@
         <a:solidFill>
           <a:srgbClr val="000000"/>
         </a:solidFill>
+        <a:effectLst/>
       </p:bgPr>
     </p:bg>
     <p:spTree>
@@ -4079,7 +4238,9 @@
       <p:sp>
         <p:nvSpPr>
           <p:cNvPr id="2" name="Title Text"/>
-          <p:cNvSpPr/>
+          <p:cNvSpPr>
+            <a:spLocks noGrp="1"/>
+          </p:cNvSpPr>
           <p:nvPr>
             <p:ph type="title"/>
           </p:nvPr>
@@ -4103,11 +4264,10 @@
         </p:spPr>
         <p:txBody>
           <a:bodyPr lIns="50800" tIns="50800" rIns="50800" bIns="50800" anchor="ctr">
-            <a:normAutofit fontScale="100000" lnSpcReduction="0"/>
+            <a:normAutofit/>
           </a:bodyPr>
           <a:lstStyle/>
           <a:p>
-            <a:pPr/>
             <a:r>
               <a:t>Title Text</a:t>
             </a:r>
@@ -4117,7 +4277,9 @@
       <p:sp>
         <p:nvSpPr>
           <p:cNvPr id="3" name="Slide Number"/>
-          <p:cNvSpPr/>
+          <p:cNvSpPr>
+            <a:spLocks noGrp="1"/>
+          </p:cNvSpPr>
           <p:nvPr>
             <p:ph type="sldNum" sz="quarter" idx="2"/>
           </p:nvPr>
@@ -4144,15 +4306,19 @@
             </a:lvl1pPr>
           </a:lstStyle>
           <a:p>
-            <a:pPr/>
-            <a:fld id="{86CB4B4D-7CA3-9044-876B-883B54F8677D}" type="slidenum"/>
+            <a:fld id="{86CB4B4D-7CA3-9044-876B-883B54F8677D}" type="slidenum">
+              <a:t>‹#›</a:t>
+            </a:fld>
+            <a:endParaRPr/>
           </a:p>
         </p:txBody>
       </p:sp>
       <p:sp>
         <p:nvSpPr>
           <p:cNvPr id="4" name="Body Level One…"/>
-          <p:cNvSpPr/>
+          <p:cNvSpPr>
+            <a:spLocks noGrp="1"/>
+          </p:cNvSpPr>
           <p:nvPr>
             <p:ph type="body" idx="1"/>
           </p:nvPr>
@@ -4176,11 +4342,10 @@
         </p:spPr>
         <p:txBody>
           <a:bodyPr lIns="50800" tIns="50800" rIns="50800" bIns="50800" anchor="ctr">
-            <a:normAutofit fontScale="100000" lnSpcReduction="0"/>
+            <a:normAutofit/>
           </a:bodyPr>
           <a:lstStyle/>
           <a:p>
-            <a:pPr/>
             <a:r>
               <a:t>Body Level One</a:t>
             </a:r>
@@ -4215,23 +4380,23 @@
   </p:cSld>
   <p:clrMap bg1="dk1" tx1="lt1" bg2="dk2" tx2="lt2" accent1="accent1" accent2="accent2" accent3="accent3" accent4="accent4" accent5="accent5" accent6="accent6" hlink="hlink" folHlink="folHlink"/>
   <p:sldLayoutIdLst>
-    <p:sldLayoutId id="2147483649" r:id="rId2"/>
-    <p:sldLayoutId id="2147483650" r:id="rId3"/>
-    <p:sldLayoutId id="2147483651" r:id="rId4"/>
-    <p:sldLayoutId id="2147483652" r:id="rId5"/>
-    <p:sldLayoutId id="2147483653" r:id="rId6"/>
-    <p:sldLayoutId id="2147483654" r:id="rId7"/>
-    <p:sldLayoutId id="2147483655" r:id="rId8"/>
-    <p:sldLayoutId id="2147483656" r:id="rId9"/>
-    <p:sldLayoutId id="2147483657" r:id="rId10"/>
-    <p:sldLayoutId id="2147483658" r:id="rId11"/>
-    <p:sldLayoutId id="2147483659" r:id="rId12"/>
-    <p:sldLayoutId id="2147483660" r:id="rId13"/>
-    <p:sldLayoutId id="2147483661" r:id="rId14"/>
-    <p:sldLayoutId id="2147483662" r:id="rId15"/>
-    <p:sldLayoutId id="2147483663" r:id="rId16"/>
+    <p:sldLayoutId id="2147483649" r:id="rId1"/>
+    <p:sldLayoutId id="2147483650" r:id="rId2"/>
+    <p:sldLayoutId id="2147483651" r:id="rId3"/>
+    <p:sldLayoutId id="2147483652" r:id="rId4"/>
+    <p:sldLayoutId id="2147483653" r:id="rId5"/>
+    <p:sldLayoutId id="2147483654" r:id="rId6"/>
+    <p:sldLayoutId id="2147483655" r:id="rId7"/>
+    <p:sldLayoutId id="2147483656" r:id="rId8"/>
+    <p:sldLayoutId id="2147483657" r:id="rId9"/>
+    <p:sldLayoutId id="2147483658" r:id="rId10"/>
+    <p:sldLayoutId id="2147483659" r:id="rId11"/>
+    <p:sldLayoutId id="2147483660" r:id="rId12"/>
+    <p:sldLayoutId id="2147483661" r:id="rId13"/>
+    <p:sldLayoutId id="2147483662" r:id="rId14"/>
+    <p:sldLayoutId id="2147483663" r:id="rId15"/>
   </p:sldLayoutIdLst>
-  <p:transition xmlns:p14="http://schemas.microsoft.com/office/powerpoint/2010/main" spd="med" advClick="1"/>
+  <p:transition xmlns:p14="http://schemas.microsoft.com/office/powerpoint/2010/main" spd="med"/>
   <p:txStyles>
     <p:titleStyle>
       <a:lvl1pPr marL="0" marR="0" indent="0" algn="ctr" defTabSz="584200" rtl="0" latinLnBrk="0">
@@ -4249,7 +4414,7 @@
         <a:buFontTx/>
         <a:buNone/>
         <a:tabLst/>
-        <a:defRPr b="0" baseline="0" cap="none" i="0" spc="0" strike="noStrike" sz="8000" u="none">
+        <a:defRPr sz="8000" b="0" i="0" u="none" strike="noStrike" cap="none" spc="0" baseline="0">
           <a:ln>
             <a:noFill/>
           </a:ln>
@@ -4278,7 +4443,7 @@
         <a:buFontTx/>
         <a:buNone/>
         <a:tabLst/>
-        <a:defRPr b="0" baseline="0" cap="none" i="0" spc="0" strike="noStrike" sz="8000" u="none">
+        <a:defRPr sz="8000" b="0" i="0" u="none" strike="noStrike" cap="none" spc="0" baseline="0">
           <a:ln>
             <a:noFill/>
           </a:ln>
@@ -4307,7 +4472,7 @@
         <a:buFontTx/>
         <a:buNone/>
         <a:tabLst/>
-        <a:defRPr b="0" baseline="0" cap="none" i="0" spc="0" strike="noStrike" sz="8000" u="none">
+        <a:defRPr sz="8000" b="0" i="0" u="none" strike="noStrike" cap="none" spc="0" baseline="0">
           <a:ln>
             <a:noFill/>
           </a:ln>
@@ -4336,7 +4501,7 @@
         <a:buFontTx/>
         <a:buNone/>
         <a:tabLst/>
-        <a:defRPr b="0" baseline="0" cap="none" i="0" spc="0" strike="noStrike" sz="8000" u="none">
+        <a:defRPr sz="8000" b="0" i="0" u="none" strike="noStrike" cap="none" spc="0" baseline="0">
           <a:ln>
             <a:noFill/>
           </a:ln>
@@ -4365,7 +4530,7 @@
         <a:buFontTx/>
         <a:buNone/>
         <a:tabLst/>
-        <a:defRPr b="0" baseline="0" cap="none" i="0" spc="0" strike="noStrike" sz="8000" u="none">
+        <a:defRPr sz="8000" b="0" i="0" u="none" strike="noStrike" cap="none" spc="0" baseline="0">
           <a:ln>
             <a:noFill/>
           </a:ln>
@@ -4394,7 +4559,7 @@
         <a:buFontTx/>
         <a:buNone/>
         <a:tabLst/>
-        <a:defRPr b="0" baseline="0" cap="none" i="0" spc="0" strike="noStrike" sz="8000" u="none">
+        <a:defRPr sz="8000" b="0" i="0" u="none" strike="noStrike" cap="none" spc="0" baseline="0">
           <a:ln>
             <a:noFill/>
           </a:ln>
@@ -4423,7 +4588,7 @@
         <a:buFontTx/>
         <a:buNone/>
         <a:tabLst/>
-        <a:defRPr b="0" baseline="0" cap="none" i="0" spc="0" strike="noStrike" sz="8000" u="none">
+        <a:defRPr sz="8000" b="0" i="0" u="none" strike="noStrike" cap="none" spc="0" baseline="0">
           <a:ln>
             <a:noFill/>
           </a:ln>
@@ -4452,7 +4617,7 @@
         <a:buFontTx/>
         <a:buNone/>
         <a:tabLst/>
-        <a:defRPr b="0" baseline="0" cap="none" i="0" spc="0" strike="noStrike" sz="8000" u="none">
+        <a:defRPr sz="8000" b="0" i="0" u="none" strike="noStrike" cap="none" spc="0" baseline="0">
           <a:ln>
             <a:noFill/>
           </a:ln>
@@ -4481,7 +4646,7 @@
         <a:buFontTx/>
         <a:buNone/>
         <a:tabLst/>
-        <a:defRPr b="0" baseline="0" cap="none" i="0" spc="0" strike="noStrike" sz="8000" u="none">
+        <a:defRPr sz="8000" b="0" i="0" u="none" strike="noStrike" cap="none" spc="0" baseline="0">
           <a:ln>
             <a:noFill/>
           </a:ln>
@@ -4512,7 +4677,7 @@
         <a:buFontTx/>
         <a:buChar char="•"/>
         <a:tabLst/>
-        <a:defRPr b="0" baseline="0" cap="none" i="0" spc="0" strike="noStrike" sz="3800" u="none">
+        <a:defRPr sz="3800" b="0" i="0" u="none" strike="noStrike" cap="none" spc="0" baseline="0">
           <a:ln>
             <a:noFill/>
           </a:ln>
@@ -4541,7 +4706,7 @@
         <a:buFontTx/>
         <a:buChar char="•"/>
         <a:tabLst/>
-        <a:defRPr b="0" baseline="0" cap="none" i="0" spc="0" strike="noStrike" sz="3800" u="none">
+        <a:defRPr sz="3800" b="0" i="0" u="none" strike="noStrike" cap="none" spc="0" baseline="0">
           <a:ln>
             <a:noFill/>
           </a:ln>
@@ -4570,7 +4735,7 @@
         <a:buFontTx/>
         <a:buChar char="•"/>
         <a:tabLst/>
-        <a:defRPr b="0" baseline="0" cap="none" i="0" spc="0" strike="noStrike" sz="3800" u="none">
+        <a:defRPr sz="3800" b="0" i="0" u="none" strike="noStrike" cap="none" spc="0" baseline="0">
           <a:ln>
             <a:noFill/>
           </a:ln>
@@ -4599,7 +4764,7 @@
         <a:buFontTx/>
         <a:buChar char="•"/>
         <a:tabLst/>
-        <a:defRPr b="0" baseline="0" cap="none" i="0" spc="0" strike="noStrike" sz="3800" u="none">
+        <a:defRPr sz="3800" b="0" i="0" u="none" strike="noStrike" cap="none" spc="0" baseline="0">
           <a:ln>
             <a:noFill/>
           </a:ln>
@@ -4628,7 +4793,7 @@
         <a:buFontTx/>
         <a:buChar char="•"/>
         <a:tabLst/>
-        <a:defRPr b="0" baseline="0" cap="none" i="0" spc="0" strike="noStrike" sz="3800" u="none">
+        <a:defRPr sz="3800" b="0" i="0" u="none" strike="noStrike" cap="none" spc="0" baseline="0">
           <a:ln>
             <a:noFill/>
           </a:ln>
@@ -4657,7 +4822,7 @@
         <a:buFontTx/>
         <a:buChar char="•"/>
         <a:tabLst/>
-        <a:defRPr b="0" baseline="0" cap="none" i="0" spc="0" strike="noStrike" sz="3800" u="none">
+        <a:defRPr sz="3800" b="0" i="0" u="none" strike="noStrike" cap="none" spc="0" baseline="0">
           <a:ln>
             <a:noFill/>
           </a:ln>
@@ -4686,7 +4851,7 @@
         <a:buFontTx/>
         <a:buChar char="•"/>
         <a:tabLst/>
-        <a:defRPr b="0" baseline="0" cap="none" i="0" spc="0" strike="noStrike" sz="3800" u="none">
+        <a:defRPr sz="3800" b="0" i="0" u="none" strike="noStrike" cap="none" spc="0" baseline="0">
           <a:ln>
             <a:noFill/>
           </a:ln>
@@ -4715,7 +4880,7 @@
         <a:buFontTx/>
         <a:buChar char="•"/>
         <a:tabLst/>
-        <a:defRPr b="0" baseline="0" cap="none" i="0" spc="0" strike="noStrike" sz="3800" u="none">
+        <a:defRPr sz="3800" b="0" i="0" u="none" strike="noStrike" cap="none" spc="0" baseline="0">
           <a:ln>
             <a:noFill/>
           </a:ln>
@@ -4744,7 +4909,7 @@
         <a:buFontTx/>
         <a:buChar char="•"/>
         <a:tabLst/>
-        <a:defRPr b="0" baseline="0" cap="none" i="0" spc="0" strike="noStrike" sz="3800" u="none">
+        <a:defRPr sz="3800" b="0" i="0" u="none" strike="noStrike" cap="none" spc="0" baseline="0">
           <a:ln>
             <a:noFill/>
           </a:ln>
@@ -4775,7 +4940,7 @@
         <a:buFontTx/>
         <a:buNone/>
         <a:tabLst/>
-        <a:defRPr b="0" baseline="0" cap="none" i="0" spc="0" strike="noStrike" sz="1800" u="none">
+        <a:defRPr sz="1800" b="0" i="0" u="none" strike="noStrike" cap="none" spc="0" baseline="0">
           <a:ln>
             <a:noFill/>
           </a:ln>
@@ -4804,7 +4969,7 @@
         <a:buFontTx/>
         <a:buNone/>
         <a:tabLst/>
-        <a:defRPr b="0" baseline="0" cap="none" i="0" spc="0" strike="noStrike" sz="1800" u="none">
+        <a:defRPr sz="1800" b="0" i="0" u="none" strike="noStrike" cap="none" spc="0" baseline="0">
           <a:ln>
             <a:noFill/>
           </a:ln>
@@ -4833,7 +4998,7 @@
         <a:buFontTx/>
         <a:buNone/>
         <a:tabLst/>
-        <a:defRPr b="0" baseline="0" cap="none" i="0" spc="0" strike="noStrike" sz="1800" u="none">
+        <a:defRPr sz="1800" b="0" i="0" u="none" strike="noStrike" cap="none" spc="0" baseline="0">
           <a:ln>
             <a:noFill/>
           </a:ln>
@@ -4862,7 +5027,7 @@
         <a:buFontTx/>
         <a:buNone/>
         <a:tabLst/>
-        <a:defRPr b="0" baseline="0" cap="none" i="0" spc="0" strike="noStrike" sz="1800" u="none">
+        <a:defRPr sz="1800" b="0" i="0" u="none" strike="noStrike" cap="none" spc="0" baseline="0">
           <a:ln>
             <a:noFill/>
           </a:ln>
@@ -4891,7 +5056,7 @@
         <a:buFontTx/>
         <a:buNone/>
         <a:tabLst/>
-        <a:defRPr b="0" baseline="0" cap="none" i="0" spc="0" strike="noStrike" sz="1800" u="none">
+        <a:defRPr sz="1800" b="0" i="0" u="none" strike="noStrike" cap="none" spc="0" baseline="0">
           <a:ln>
             <a:noFill/>
           </a:ln>
@@ -4920,7 +5085,7 @@
         <a:buFontTx/>
         <a:buNone/>
         <a:tabLst/>
-        <a:defRPr b="0" baseline="0" cap="none" i="0" spc="0" strike="noStrike" sz="1800" u="none">
+        <a:defRPr sz="1800" b="0" i="0" u="none" strike="noStrike" cap="none" spc="0" baseline="0">
           <a:ln>
             <a:noFill/>
           </a:ln>
@@ -4949,7 +5114,7 @@
         <a:buFontTx/>
         <a:buNone/>
         <a:tabLst/>
-        <a:defRPr b="0" baseline="0" cap="none" i="0" spc="0" strike="noStrike" sz="1800" u="none">
+        <a:defRPr sz="1800" b="0" i="0" u="none" strike="noStrike" cap="none" spc="0" baseline="0">
           <a:ln>
             <a:noFill/>
           </a:ln>
@@ -4978,7 +5143,7 @@
         <a:buFontTx/>
         <a:buNone/>
         <a:tabLst/>
-        <a:defRPr b="0" baseline="0" cap="none" i="0" spc="0" strike="noStrike" sz="1800" u="none">
+        <a:defRPr sz="1800" b="0" i="0" u="none" strike="noStrike" cap="none" spc="0" baseline="0">
           <a:ln>
             <a:noFill/>
           </a:ln>
@@ -5007,7 +5172,7 @@
         <a:buFontTx/>
         <a:buNone/>
         <a:tabLst/>
-        <a:defRPr b="0" baseline="0" cap="none" i="0" spc="0" strike="noStrike" sz="1800" u="none">
+        <a:defRPr sz="1800" b="0" i="0" u="none" strike="noStrike" cap="none" spc="0" baseline="0">
           <a:ln>
             <a:noFill/>
           </a:ln>
@@ -5027,7 +5192,7 @@
 </file>
 
 <file path=ppt/slides/slide1.xml><?xml version="1.0" encoding="utf-8"?>
-<p:sld xmlns:a="http://schemas.openxmlformats.org/drawingml/2006/main" xmlns:r="http://schemas.openxmlformats.org/officeDocument/2006/relationships" xmlns:p="http://schemas.openxmlformats.org/presentationml/2006/main" showMasterSp="1" showMasterPhAnim="1">
+<p:sld xmlns:a="http://schemas.openxmlformats.org/drawingml/2006/main" xmlns:r="http://schemas.openxmlformats.org/officeDocument/2006/relationships" xmlns:p="http://schemas.openxmlformats.org/presentationml/2006/main">
   <p:cSld>
     <p:spTree>
       <p:nvGrpSpPr>
@@ -5081,7 +5246,6 @@
             </a:lvl1pPr>
           </a:lstStyle>
           <a:p>
-            <a:pPr/>
             <a:r>
               <a:t>Tasks</a:t>
             </a:r>
@@ -5091,7 +5255,9 @@
       <p:sp>
         <p:nvSpPr>
           <p:cNvPr id="149" name="Slide Number"/>
-          <p:cNvSpPr/>
+          <p:cNvSpPr>
+            <a:spLocks noGrp="1"/>
+          </p:cNvSpPr>
           <p:nvPr>
             <p:ph type="sldNum" sz="quarter" idx="2"/>
           </p:nvPr>
@@ -5114,8 +5280,10 @@
           <a:bodyPr/>
           <a:lstStyle/>
           <a:p>
-            <a:pPr/>
-            <a:fld id="{86CB4B4D-7CA3-9044-876B-883B54F8677D}" type="slidenum"/>
+            <a:fld id="{86CB4B4D-7CA3-9044-876B-883B54F8677D}" type="slidenum">
+              <a:t>1</a:t>
+            </a:fld>
+            <a:endParaRPr/>
           </a:p>
         </p:txBody>
       </p:sp>
@@ -5124,12 +5292,12 @@
   <p:clrMapOvr>
     <a:masterClrMapping/>
   </p:clrMapOvr>
-  <p:transition xmlns:p14="http://schemas.microsoft.com/office/powerpoint/2010/main" spd="med" advClick="1"/>
+  <p:transition xmlns:p14="http://schemas.microsoft.com/office/powerpoint/2010/main" spd="med"/>
 </p:sld>
 </file>
 
 <file path=ppt/slides/slide10.xml><?xml version="1.0" encoding="utf-8"?>
-<p:sld xmlns:a="http://schemas.openxmlformats.org/drawingml/2006/main" xmlns:r="http://schemas.openxmlformats.org/officeDocument/2006/relationships" xmlns:p="http://schemas.openxmlformats.org/presentationml/2006/main" showMasterSp="1" showMasterPhAnim="1">
+<p:sld xmlns:a="http://schemas.openxmlformats.org/drawingml/2006/main" xmlns:r="http://schemas.openxmlformats.org/officeDocument/2006/relationships" xmlns:p="http://schemas.openxmlformats.org/presentationml/2006/main">
   <p:cSld>
     <p:bg>
       <p:bgPr>
@@ -5146,6 +5314,7 @@
             <a:fillToRect l="50000" t="50000" r="50000" b="50000"/>
           </a:path>
         </a:gradFill>
+        <a:effectLst/>
       </p:bgPr>
     </p:bg>
     <p:spTree>
@@ -5249,13 +5418,16 @@
             <a:pPr>
               <a:defRPr sz="2600"/>
             </a:pPr>
+            <a:endParaRPr/>
           </a:p>
         </p:txBody>
       </p:sp>
       <p:sp>
         <p:nvSpPr>
           <p:cNvPr id="206" name="Slide Number"/>
-          <p:cNvSpPr/>
+          <p:cNvSpPr>
+            <a:spLocks noGrp="1"/>
+          </p:cNvSpPr>
           <p:nvPr>
             <p:ph type="sldNum" sz="quarter" idx="2"/>
           </p:nvPr>
@@ -5274,8 +5446,10 @@
           <a:bodyPr/>
           <a:lstStyle/>
           <a:p>
-            <a:pPr/>
-            <a:fld id="{86CB4B4D-7CA3-9044-876B-883B54F8677D}" type="slidenum"/>
+            <a:fld id="{86CB4B4D-7CA3-9044-876B-883B54F8677D}" type="slidenum">
+              <a:t>10</a:t>
+            </a:fld>
+            <a:endParaRPr/>
           </a:p>
         </p:txBody>
       </p:sp>
@@ -5284,12 +5458,12 @@
   <p:clrMapOvr>
     <a:masterClrMapping/>
   </p:clrMapOvr>
-  <p:transition xmlns:p14="http://schemas.microsoft.com/office/powerpoint/2010/main" spd="slow" advClick="1"/>
+  <p:transition xmlns:p14="http://schemas.microsoft.com/office/powerpoint/2010/main" spd="slow"/>
 </p:sld>
 </file>
 
 <file path=ppt/slides/slide11.xml><?xml version="1.0" encoding="utf-8"?>
-<p:sld xmlns:a="http://schemas.openxmlformats.org/drawingml/2006/main" xmlns:r="http://schemas.openxmlformats.org/officeDocument/2006/relationships" xmlns:p="http://schemas.openxmlformats.org/presentationml/2006/main" showMasterSp="1" showMasterPhAnim="1">
+<p:sld xmlns:a="http://schemas.openxmlformats.org/drawingml/2006/main" xmlns:r="http://schemas.openxmlformats.org/officeDocument/2006/relationships" xmlns:p="http://schemas.openxmlformats.org/presentationml/2006/main">
   <p:cSld>
     <p:bg>
       <p:bgPr>
@@ -5306,6 +5480,7 @@
             <a:fillToRect l="50000" t="50000" r="50000" b="50000"/>
           </a:path>
         </a:gradFill>
+        <a:effectLst/>
       </p:bgPr>
     </p:bg>
     <p:spTree>
@@ -5353,7 +5528,7 @@
           <a:lstStyle/>
           <a:p>
             <a:pPr algn="l">
-              <a:defRPr b="1" sz="2900">
+              <a:defRPr sz="2900" b="1">
                 <a:solidFill>
                   <a:srgbClr val="00F900"/>
                 </a:solidFill>
@@ -5369,7 +5544,7 @@
           </a:p>
           <a:p>
             <a:pPr algn="l">
-              <a:defRPr b="1" sz="2900">
+              <a:defRPr sz="2900" b="1">
                 <a:solidFill>
                   <a:srgbClr val="00F900"/>
                 </a:solidFill>
@@ -5385,7 +5560,7 @@
           </a:p>
           <a:p>
             <a:pPr algn="l">
-              <a:defRPr b="1" sz="2900">
+              <a:defRPr sz="2900" b="1">
                 <a:solidFill>
                   <a:srgbClr val="00F900"/>
                 </a:solidFill>
@@ -5406,15 +5581,10 @@
               </a:rPr>
               <a:t>spring-cloud-starter-stream-rabbit</a:t>
             </a:r>
-            <a:endParaRPr>
-              <a:solidFill>
-                <a:srgbClr val="FFFB00"/>
-              </a:solidFill>
-            </a:endParaRPr>
           </a:p>
           <a:p>
             <a:pPr algn="l">
-              <a:defRPr b="1" sz="2900">
+              <a:defRPr sz="2900" b="1">
                 <a:solidFill>
                   <a:srgbClr val="00F900"/>
                 </a:solidFill>
@@ -5430,7 +5600,7 @@
           </a:p>
           <a:p>
             <a:pPr algn="l">
-              <a:defRPr b="1" sz="2900">
+              <a:defRPr sz="2900" b="1">
                 <a:solidFill>
                   <a:srgbClr val="00F900"/>
                 </a:solidFill>
@@ -5449,7 +5619,9 @@
       <p:sp>
         <p:nvSpPr>
           <p:cNvPr id="211" name="Slide Number"/>
-          <p:cNvSpPr/>
+          <p:cNvSpPr>
+            <a:spLocks noGrp="1"/>
+          </p:cNvSpPr>
           <p:nvPr>
             <p:ph type="sldNum" sz="quarter" idx="2"/>
           </p:nvPr>
@@ -5468,8 +5640,10 @@
           <a:bodyPr/>
           <a:lstStyle/>
           <a:p>
-            <a:pPr/>
-            <a:fld id="{86CB4B4D-7CA3-9044-876B-883B54F8677D}" type="slidenum"/>
+            <a:fld id="{86CB4B4D-7CA3-9044-876B-883B54F8677D}" type="slidenum">
+              <a:t>11</a:t>
+            </a:fld>
+            <a:endParaRPr/>
           </a:p>
         </p:txBody>
       </p:sp>
@@ -5478,12 +5652,12 @@
   <p:clrMapOvr>
     <a:masterClrMapping/>
   </p:clrMapOvr>
-  <p:transition xmlns:p14="http://schemas.microsoft.com/office/powerpoint/2010/main" spd="slow" advClick="1"/>
+  <p:transition xmlns:p14="http://schemas.microsoft.com/office/powerpoint/2010/main" spd="slow"/>
 </p:sld>
 </file>
 
 <file path=ppt/slides/slide12.xml><?xml version="1.0" encoding="utf-8"?>
-<p:sld xmlns:a="http://schemas.openxmlformats.org/drawingml/2006/main" xmlns:r="http://schemas.openxmlformats.org/officeDocument/2006/relationships" xmlns:p="http://schemas.openxmlformats.org/presentationml/2006/main" showMasterSp="1" showMasterPhAnim="1">
+<p:sld xmlns:a="http://schemas.openxmlformats.org/drawingml/2006/main" xmlns:r="http://schemas.openxmlformats.org/officeDocument/2006/relationships" xmlns:p="http://schemas.openxmlformats.org/presentationml/2006/main">
   <p:cSld>
     <p:bg>
       <p:bgPr>
@@ -5500,6 +5674,7 @@
             <a:fillToRect l="50000" t="50000" r="50000" b="50000"/>
           </a:path>
         </a:gradFill>
+        <a:effectLst/>
       </p:bgPr>
     </p:bg>
     <p:spTree>
@@ -5603,13 +5778,16 @@
             <a:pPr>
               <a:defRPr sz="2600"/>
             </a:pPr>
+            <a:endParaRPr/>
           </a:p>
         </p:txBody>
       </p:sp>
       <p:sp>
         <p:nvSpPr>
           <p:cNvPr id="217" name="Slide Number"/>
-          <p:cNvSpPr/>
+          <p:cNvSpPr>
+            <a:spLocks noGrp="1"/>
+          </p:cNvSpPr>
           <p:nvPr>
             <p:ph type="sldNum" sz="quarter" idx="2"/>
           </p:nvPr>
@@ -5628,8 +5806,10 @@
           <a:bodyPr/>
           <a:lstStyle/>
           <a:p>
-            <a:pPr/>
-            <a:fld id="{86CB4B4D-7CA3-9044-876B-883B54F8677D}" type="slidenum"/>
+            <a:fld id="{86CB4B4D-7CA3-9044-876B-883B54F8677D}" type="slidenum">
+              <a:t>12</a:t>
+            </a:fld>
+            <a:endParaRPr/>
           </a:p>
         </p:txBody>
       </p:sp>
@@ -5638,12 +5818,12 @@
   <p:clrMapOvr>
     <a:masterClrMapping/>
   </p:clrMapOvr>
-  <p:transition xmlns:p14="http://schemas.microsoft.com/office/powerpoint/2010/main" spd="slow" advClick="1"/>
+  <p:transition xmlns:p14="http://schemas.microsoft.com/office/powerpoint/2010/main" spd="slow"/>
 </p:sld>
 </file>
 
 <file path=ppt/slides/slide13.xml><?xml version="1.0" encoding="utf-8"?>
-<p:sld xmlns:a="http://schemas.openxmlformats.org/drawingml/2006/main" xmlns:r="http://schemas.openxmlformats.org/officeDocument/2006/relationships" xmlns:p="http://schemas.openxmlformats.org/presentationml/2006/main" showMasterSp="1" showMasterPhAnim="1">
+<p:sld xmlns:a="http://schemas.openxmlformats.org/drawingml/2006/main" xmlns:r="http://schemas.openxmlformats.org/officeDocument/2006/relationships" xmlns:p="http://schemas.openxmlformats.org/presentationml/2006/main">
   <p:cSld>
     <p:bg>
       <p:bgPr>
@@ -5660,6 +5840,7 @@
             <a:fillToRect l="50000" t="50000" r="50000" b="50000"/>
           </a:path>
         </a:gradFill>
+        <a:effectLst/>
       </p:bgPr>
     </p:bg>
     <p:spTree>
@@ -5763,13 +5944,16 @@
             <a:pPr>
               <a:defRPr sz="2600"/>
             </a:pPr>
+            <a:endParaRPr/>
           </a:p>
         </p:txBody>
       </p:sp>
       <p:sp>
         <p:nvSpPr>
           <p:cNvPr id="223" name="Slide Number"/>
-          <p:cNvSpPr/>
+          <p:cNvSpPr>
+            <a:spLocks noGrp="1"/>
+          </p:cNvSpPr>
           <p:nvPr>
             <p:ph type="sldNum" sz="quarter" idx="2"/>
           </p:nvPr>
@@ -5788,8 +5972,10 @@
           <a:bodyPr/>
           <a:lstStyle/>
           <a:p>
-            <a:pPr/>
-            <a:fld id="{86CB4B4D-7CA3-9044-876B-883B54F8677D}" type="slidenum"/>
+            <a:fld id="{86CB4B4D-7CA3-9044-876B-883B54F8677D}" type="slidenum">
+              <a:t>13</a:t>
+            </a:fld>
+            <a:endParaRPr/>
           </a:p>
         </p:txBody>
       </p:sp>
@@ -5798,12 +5984,12 @@
   <p:clrMapOvr>
     <a:masterClrMapping/>
   </p:clrMapOvr>
-  <p:transition xmlns:p14="http://schemas.microsoft.com/office/powerpoint/2010/main" spd="slow" advClick="1"/>
+  <p:transition xmlns:p14="http://schemas.microsoft.com/office/powerpoint/2010/main" spd="slow"/>
 </p:sld>
 </file>
 
 <file path=ppt/slides/slide14.xml><?xml version="1.0" encoding="utf-8"?>
-<p:sld xmlns:a="http://schemas.openxmlformats.org/drawingml/2006/main" xmlns:r="http://schemas.openxmlformats.org/officeDocument/2006/relationships" xmlns:p="http://schemas.openxmlformats.org/presentationml/2006/main" showMasterSp="1" showMasterPhAnim="1">
+<p:sld xmlns:a="http://schemas.openxmlformats.org/drawingml/2006/main" xmlns:r="http://schemas.openxmlformats.org/officeDocument/2006/relationships" xmlns:p="http://schemas.openxmlformats.org/presentationml/2006/main">
   <p:cSld>
     <p:bg>
       <p:bgPr>
@@ -5820,6 +6006,7 @@
             <a:fillToRect l="50000" t="50000" r="50000" b="50000"/>
           </a:path>
         </a:gradFill>
+        <a:effectLst/>
       </p:bgPr>
     </p:bg>
     <p:spTree>
@@ -5936,13 +6123,16 @@
             <a:pPr>
               <a:defRPr sz="2600"/>
             </a:pPr>
+            <a:endParaRPr/>
           </a:p>
         </p:txBody>
       </p:sp>
       <p:sp>
         <p:nvSpPr>
           <p:cNvPr id="229" name="Slide Number"/>
-          <p:cNvSpPr/>
+          <p:cNvSpPr>
+            <a:spLocks noGrp="1"/>
+          </p:cNvSpPr>
           <p:nvPr>
             <p:ph type="sldNum" sz="quarter" idx="2"/>
           </p:nvPr>
@@ -5961,8 +6151,10 @@
           <a:bodyPr/>
           <a:lstStyle/>
           <a:p>
-            <a:pPr/>
-            <a:fld id="{86CB4B4D-7CA3-9044-876B-883B54F8677D}" type="slidenum"/>
+            <a:fld id="{86CB4B4D-7CA3-9044-876B-883B54F8677D}" type="slidenum">
+              <a:t>14</a:t>
+            </a:fld>
+            <a:endParaRPr/>
           </a:p>
         </p:txBody>
       </p:sp>
@@ -5971,12 +6163,12 @@
   <p:clrMapOvr>
     <a:masterClrMapping/>
   </p:clrMapOvr>
-  <p:transition xmlns:p14="http://schemas.microsoft.com/office/powerpoint/2010/main" spd="slow" advClick="1"/>
+  <p:transition xmlns:p14="http://schemas.microsoft.com/office/powerpoint/2010/main" spd="slow"/>
 </p:sld>
 </file>
 
 <file path=ppt/slides/slide15.xml><?xml version="1.0" encoding="utf-8"?>
-<p:sld xmlns:a="http://schemas.openxmlformats.org/drawingml/2006/main" xmlns:r="http://schemas.openxmlformats.org/officeDocument/2006/relationships" xmlns:p="http://schemas.openxmlformats.org/presentationml/2006/main" showMasterSp="1" showMasterPhAnim="1">
+<p:sld xmlns:a="http://schemas.openxmlformats.org/drawingml/2006/main" xmlns:r="http://schemas.openxmlformats.org/officeDocument/2006/relationships" xmlns:p="http://schemas.openxmlformats.org/presentationml/2006/main">
   <p:cSld>
     <p:bg>
       <p:bgPr>
@@ -5993,6 +6185,7 @@
             <a:fillToRect l="50000" t="50000" r="50000" b="50000"/>
           </a:path>
         </a:gradFill>
+        <a:effectLst/>
       </p:bgPr>
     </p:bg>
     <p:spTree>
@@ -6040,7 +6233,7 @@
           <a:lstStyle/>
           <a:p>
             <a:pPr algn="l">
-              <a:defRPr b="1" sz="2900">
+              <a:defRPr sz="2900" b="1">
                 <a:solidFill>
                   <a:srgbClr val="FF9300"/>
                 </a:solidFill>
@@ -6056,7 +6249,7 @@
           </a:p>
           <a:p>
             <a:pPr algn="l">
-              <a:defRPr b="1" sz="2900">
+              <a:defRPr sz="2900" b="1">
                 <a:solidFill>
                   <a:srgbClr val="00F900"/>
                 </a:solidFill>
@@ -6077,15 +6270,10 @@
               </a:rPr>
               <a:t>beforeTask(TaskExecution) {</a:t>
             </a:r>
-            <a:endParaRPr>
-              <a:solidFill>
-                <a:srgbClr val="FFFFFF"/>
-              </a:solidFill>
-            </a:endParaRPr>
           </a:p>
           <a:p>
             <a:pPr algn="l">
-              <a:defRPr b="1" sz="2900">
+              <a:defRPr sz="2900" b="1">
                 <a:latin typeface="Courier New"/>
                 <a:ea typeface="Courier New"/>
                 <a:cs typeface="Courier New"/>
@@ -6098,7 +6286,7 @@
           </a:p>
           <a:p>
             <a:pPr algn="l">
-              <a:defRPr b="1" sz="2900">
+              <a:defRPr sz="2900" b="1">
                 <a:latin typeface="Courier New"/>
                 <a:ea typeface="Courier New"/>
                 <a:cs typeface="Courier New"/>
@@ -6111,7 +6299,7 @@
           </a:p>
           <a:p>
             <a:pPr algn="l">
-              <a:defRPr b="1" sz="2900">
+              <a:defRPr sz="2900" b="1">
                 <a:solidFill>
                   <a:srgbClr val="FF9300"/>
                 </a:solidFill>
@@ -6127,7 +6315,7 @@
           </a:p>
           <a:p>
             <a:pPr algn="l">
-              <a:defRPr b="1" sz="2900">
+              <a:defRPr sz="2900" b="1">
                 <a:solidFill>
                   <a:srgbClr val="00F900"/>
                 </a:solidFill>
@@ -6148,15 +6336,10 @@
               </a:rPr>
               <a:t>afterTask(TaskExecution) {</a:t>
             </a:r>
-            <a:endParaRPr>
-              <a:solidFill>
-                <a:srgbClr val="FFFFFF"/>
-              </a:solidFill>
-            </a:endParaRPr>
           </a:p>
           <a:p>
             <a:pPr algn="l">
-              <a:defRPr b="1" sz="2900">
+              <a:defRPr sz="2900" b="1">
                 <a:latin typeface="Courier New"/>
                 <a:ea typeface="Courier New"/>
                 <a:cs typeface="Courier New"/>
@@ -6169,7 +6352,7 @@
           </a:p>
           <a:p>
             <a:pPr algn="l">
-              <a:defRPr b="1" sz="2900">
+              <a:defRPr sz="2900" b="1">
                 <a:latin typeface="Courier New"/>
                 <a:ea typeface="Courier New"/>
                 <a:cs typeface="Courier New"/>
@@ -6182,7 +6365,7 @@
           </a:p>
           <a:p>
             <a:pPr algn="l">
-              <a:defRPr b="1" sz="2900">
+              <a:defRPr sz="2900" b="1">
                 <a:solidFill>
                   <a:srgbClr val="FF9300"/>
                 </a:solidFill>
@@ -6198,7 +6381,7 @@
           </a:p>
           <a:p>
             <a:pPr algn="l">
-              <a:defRPr b="1" sz="2900">
+              <a:defRPr sz="2900" b="1">
                 <a:solidFill>
                   <a:srgbClr val="00F900"/>
                 </a:solidFill>
@@ -6219,15 +6402,10 @@
               </a:rPr>
               <a:t>failedTask(TaskExecution, Throwable) {</a:t>
             </a:r>
-            <a:endParaRPr>
-              <a:solidFill>
-                <a:srgbClr val="FFFFFF"/>
-              </a:solidFill>
-            </a:endParaRPr>
           </a:p>
           <a:p>
             <a:pPr algn="l">
-              <a:defRPr b="1" sz="2900">
+              <a:defRPr sz="2900" b="1">
                 <a:latin typeface="Courier New"/>
                 <a:ea typeface="Courier New"/>
                 <a:cs typeface="Courier New"/>
@@ -6240,7 +6418,7 @@
           </a:p>
           <a:p>
             <a:pPr algn="l">
-              <a:defRPr b="1" sz="2900">
+              <a:defRPr sz="2900" b="1">
                 <a:latin typeface="Courier New"/>
                 <a:ea typeface="Courier New"/>
                 <a:cs typeface="Courier New"/>
@@ -6256,7 +6434,9 @@
       <p:sp>
         <p:nvSpPr>
           <p:cNvPr id="234" name="Slide Number"/>
-          <p:cNvSpPr/>
+          <p:cNvSpPr>
+            <a:spLocks noGrp="1"/>
+          </p:cNvSpPr>
           <p:nvPr>
             <p:ph type="sldNum" sz="quarter" idx="2"/>
           </p:nvPr>
@@ -6275,8 +6455,10 @@
           <a:bodyPr/>
           <a:lstStyle/>
           <a:p>
-            <a:pPr/>
-            <a:fld id="{86CB4B4D-7CA3-9044-876B-883B54F8677D}" type="slidenum"/>
+            <a:fld id="{86CB4B4D-7CA3-9044-876B-883B54F8677D}" type="slidenum">
+              <a:t>15</a:t>
+            </a:fld>
+            <a:endParaRPr/>
           </a:p>
         </p:txBody>
       </p:sp>
@@ -6285,12 +6467,12 @@
   <p:clrMapOvr>
     <a:masterClrMapping/>
   </p:clrMapOvr>
-  <p:transition xmlns:p14="http://schemas.microsoft.com/office/powerpoint/2010/main" spd="slow" advClick="1"/>
+  <p:transition xmlns:p14="http://schemas.microsoft.com/office/powerpoint/2010/main" spd="slow"/>
 </p:sld>
 </file>
 
 <file path=ppt/slides/slide16.xml><?xml version="1.0" encoding="utf-8"?>
-<p:sld xmlns:a="http://schemas.openxmlformats.org/drawingml/2006/main" xmlns:r="http://schemas.openxmlformats.org/officeDocument/2006/relationships" xmlns:p="http://schemas.openxmlformats.org/presentationml/2006/main" showMasterSp="1" showMasterPhAnim="1">
+<p:sld xmlns:a="http://schemas.openxmlformats.org/drawingml/2006/main" xmlns:r="http://schemas.openxmlformats.org/officeDocument/2006/relationships" xmlns:p="http://schemas.openxmlformats.org/presentationml/2006/main">
   <p:cSld>
     <p:bg>
       <p:bgPr>
@@ -6307,6 +6489,7 @@
             <a:fillToRect l="50000" t="50000" r="50000" b="50000"/>
           </a:path>
         </a:gradFill>
+        <a:effectLst/>
       </p:bgPr>
     </p:bg>
     <p:spTree>
@@ -6353,7 +6536,7 @@
           <a:bodyPr lIns="50800" tIns="50800" rIns="50800" bIns="50800" anchor="ctr"/>
           <a:lstStyle>
             <a:lvl1pPr algn="l">
-              <a:defRPr b="1" sz="2900">
+              <a:defRPr sz="2900" b="1">
                 <a:solidFill>
                   <a:srgbClr val="00F900"/>
                 </a:solidFill>
@@ -6365,7 +6548,6 @@
             </a:lvl1pPr>
           </a:lstStyle>
           <a:p>
-            <a:pPr/>
             <a:r>
               <a:t>Or just use the Spring Initializer…  ;-)</a:t>
             </a:r>
@@ -6375,7 +6557,9 @@
       <p:sp>
         <p:nvSpPr>
           <p:cNvPr id="239" name="Slide Number"/>
-          <p:cNvSpPr/>
+          <p:cNvSpPr>
+            <a:spLocks noGrp="1"/>
+          </p:cNvSpPr>
           <p:nvPr>
             <p:ph type="sldNum" sz="quarter" idx="2"/>
           </p:nvPr>
@@ -6394,8 +6578,10 @@
           <a:bodyPr/>
           <a:lstStyle/>
           <a:p>
-            <a:pPr/>
-            <a:fld id="{86CB4B4D-7CA3-9044-876B-883B54F8677D}" type="slidenum"/>
+            <a:fld id="{86CB4B4D-7CA3-9044-876B-883B54F8677D}" type="slidenum">
+              <a:t>16</a:t>
+            </a:fld>
+            <a:endParaRPr/>
           </a:p>
         </p:txBody>
       </p:sp>
@@ -6404,12 +6590,12 @@
   <p:clrMapOvr>
     <a:masterClrMapping/>
   </p:clrMapOvr>
-  <p:transition xmlns:p14="http://schemas.microsoft.com/office/powerpoint/2010/main" spd="slow" advClick="1"/>
+  <p:transition xmlns:p14="http://schemas.microsoft.com/office/powerpoint/2010/main" spd="slow"/>
 </p:sld>
 </file>
 
 <file path=ppt/slides/slide17.xml><?xml version="1.0" encoding="utf-8"?>
-<p:sld xmlns:a="http://schemas.openxmlformats.org/drawingml/2006/main" xmlns:r="http://schemas.openxmlformats.org/officeDocument/2006/relationships" xmlns:p="http://schemas.openxmlformats.org/presentationml/2006/main" showMasterSp="1" showMasterPhAnim="1">
+<p:sld xmlns:a="http://schemas.openxmlformats.org/drawingml/2006/main" xmlns:r="http://schemas.openxmlformats.org/officeDocument/2006/relationships" xmlns:p="http://schemas.openxmlformats.org/presentationml/2006/main">
   <p:cSld>
     <p:spTree>
       <p:nvGrpSpPr>
@@ -6454,7 +6640,7 @@
           </a:bodyPr>
           <a:lstStyle>
             <a:lvl1pPr>
-              <a:defRPr i="1" sz="6000">
+              <a:defRPr sz="6000" i="1">
                 <a:latin typeface="Helvetica Neue"/>
                 <a:ea typeface="Helvetica Neue"/>
                 <a:cs typeface="Helvetica Neue"/>
@@ -6463,7 +6649,6 @@
             </a:lvl1pPr>
           </a:lstStyle>
           <a:p>
-            <a:pPr/>
             <a:r>
               <a:t>Demo Time!</a:t>
             </a:r>
@@ -6473,7 +6658,9 @@
       <p:sp>
         <p:nvSpPr>
           <p:cNvPr id="244" name="Slide Number"/>
-          <p:cNvSpPr/>
+          <p:cNvSpPr>
+            <a:spLocks noGrp="1"/>
+          </p:cNvSpPr>
           <p:nvPr>
             <p:ph type="sldNum" sz="quarter" idx="2"/>
           </p:nvPr>
@@ -6492,8 +6679,10 @@
           <a:bodyPr/>
           <a:lstStyle/>
           <a:p>
-            <a:pPr/>
-            <a:fld id="{86CB4B4D-7CA3-9044-876B-883B54F8677D}" type="slidenum"/>
+            <a:fld id="{86CB4B4D-7CA3-9044-876B-883B54F8677D}" type="slidenum">
+              <a:t>17</a:t>
+            </a:fld>
+            <a:endParaRPr/>
           </a:p>
         </p:txBody>
       </p:sp>
@@ -6502,12 +6691,12 @@
   <p:clrMapOvr>
     <a:masterClrMapping/>
   </p:clrMapOvr>
-  <p:transition xmlns:p14="http://schemas.microsoft.com/office/powerpoint/2010/main" spd="slow" advClick="1"/>
+  <p:transition xmlns:p14="http://schemas.microsoft.com/office/powerpoint/2010/main" spd="slow"/>
 </p:sld>
 </file>
 
 <file path=ppt/slides/slide18.xml><?xml version="1.0" encoding="utf-8"?>
-<p:sld xmlns:a="http://schemas.openxmlformats.org/drawingml/2006/main" xmlns:r="http://schemas.openxmlformats.org/officeDocument/2006/relationships" xmlns:p="http://schemas.openxmlformats.org/presentationml/2006/main" showMasterSp="1" showMasterPhAnim="1">
+<p:sld xmlns:a="http://schemas.openxmlformats.org/drawingml/2006/main" xmlns:r="http://schemas.openxmlformats.org/officeDocument/2006/relationships" xmlns:p="http://schemas.openxmlformats.org/presentationml/2006/main">
   <p:cSld>
     <p:spTree>
       <p:nvGrpSpPr>
@@ -6553,7 +6742,7 @@
           <a:lstStyle/>
           <a:p>
             <a:pPr>
-              <a:defRPr i="1" sz="6000">
+              <a:defRPr sz="6000" i="1">
                 <a:latin typeface="Helvetica Neue"/>
                 <a:ea typeface="Helvetica Neue"/>
                 <a:cs typeface="Helvetica Neue"/>
@@ -6561,12 +6750,13 @@
               </a:defRPr>
             </a:pPr>
             <a:r>
+              <a:rPr dirty="0"/>
               <a:t>Lab 2 - Spring Cloud Task</a:t>
             </a:r>
           </a:p>
           <a:p>
             <a:pPr>
-              <a:defRPr i="1" sz="6000">
+              <a:defRPr sz="6000" i="1">
                 <a:latin typeface="Helvetica Neue"/>
                 <a:ea typeface="Helvetica Neue"/>
                 <a:cs typeface="Helvetica Neue"/>
@@ -6574,6 +6764,7 @@
               </a:defRPr>
             </a:pPr>
             <a:r>
+              <a:rPr dirty="0"/>
               <a:t>DNDataFlow/labs/lab2/Lab2-SpringCloudTask.pdf</a:t>
             </a:r>
           </a:p>
@@ -6582,7 +6773,9 @@
       <p:sp>
         <p:nvSpPr>
           <p:cNvPr id="247" name="Slide Number"/>
-          <p:cNvSpPr/>
+          <p:cNvSpPr>
+            <a:spLocks noGrp="1"/>
+          </p:cNvSpPr>
           <p:nvPr>
             <p:ph type="sldNum" sz="quarter" idx="2"/>
           </p:nvPr>
@@ -6601,8 +6794,10 @@
           <a:bodyPr/>
           <a:lstStyle/>
           <a:p>
-            <a:pPr/>
-            <a:fld id="{86CB4B4D-7CA3-9044-876B-883B54F8677D}" type="slidenum"/>
+            <a:fld id="{86CB4B4D-7CA3-9044-876B-883B54F8677D}" type="slidenum">
+              <a:t>18</a:t>
+            </a:fld>
+            <a:endParaRPr/>
           </a:p>
         </p:txBody>
       </p:sp>
@@ -6611,12 +6806,12 @@
   <p:clrMapOvr>
     <a:masterClrMapping/>
   </p:clrMapOvr>
-  <p:transition xmlns:p14="http://schemas.microsoft.com/office/powerpoint/2010/main" spd="med" advClick="1"/>
+  <p:transition xmlns:p14="http://schemas.microsoft.com/office/powerpoint/2010/main" spd="med"/>
 </p:sld>
 </file>
 
 <file path=ppt/slides/slide2.xml><?xml version="1.0" encoding="utf-8"?>
-<p:sld xmlns:a="http://schemas.openxmlformats.org/drawingml/2006/main" xmlns:r="http://schemas.openxmlformats.org/officeDocument/2006/relationships" xmlns:p="http://schemas.openxmlformats.org/presentationml/2006/main" showMasterSp="1" showMasterPhAnim="1">
+<p:sld xmlns:a="http://schemas.openxmlformats.org/drawingml/2006/main" xmlns:r="http://schemas.openxmlformats.org/officeDocument/2006/relationships" xmlns:p="http://schemas.openxmlformats.org/presentationml/2006/main">
   <p:cSld>
     <p:bg>
       <p:bgPr>
@@ -6633,6 +6828,7 @@
             <a:fillToRect l="50000" t="50000" r="50000" b="50000"/>
           </a:path>
         </a:gradFill>
+        <a:effectLst/>
       </p:bgPr>
     </p:bg>
     <p:spTree>
@@ -6674,7 +6870,7 @@
             <a:miter lim="400000"/>
           </a:ln>
           <a:effectLst>
-            <a:outerShdw sx="100000" sy="100000" kx="0" ky="0" algn="b" rotWithShape="0" blurRad="63500" dist="25400" dir="5400000">
+            <a:outerShdw blurRad="63500" dist="25400" dir="5400000" rotWithShape="0">
               <a:srgbClr val="000000">
                 <a:alpha val="50000"/>
               </a:srgbClr>
@@ -6694,7 +6890,6 @@
             </a:lvl1pPr>
           </a:lstStyle>
           <a:p>
-            <a:pPr/>
             <a:r>
               <a:t>Spring Integration</a:t>
             </a:r>
@@ -6724,7 +6919,7 @@
             <a:miter lim="400000"/>
           </a:ln>
           <a:effectLst>
-            <a:outerShdw sx="100000" sy="100000" kx="0" ky="0" algn="b" rotWithShape="0" blurRad="63500" dist="25400" dir="5400000">
+            <a:outerShdw blurRad="63500" dist="25400" dir="5400000" rotWithShape="0">
               <a:srgbClr val="000000">
                 <a:alpha val="50000"/>
               </a:srgbClr>
@@ -6744,7 +6939,6 @@
             </a:lvl1pPr>
           </a:lstStyle>
           <a:p>
-            <a:pPr/>
             <a:r>
               <a:t>Spring Boot</a:t>
             </a:r>
@@ -6774,7 +6968,7 @@
             <a:miter lim="400000"/>
           </a:ln>
           <a:effectLst>
-            <a:outerShdw sx="100000" sy="100000" kx="0" ky="0" algn="b" rotWithShape="0" blurRad="63500" dist="25400" dir="5400000">
+            <a:outerShdw blurRad="63500" dist="25400" dir="5400000" rotWithShape="0">
               <a:srgbClr val="000000">
                 <a:alpha val="50000"/>
               </a:srgbClr>
@@ -6794,7 +6988,6 @@
             </a:lvl1pPr>
           </a:lstStyle>
           <a:p>
-            <a:pPr/>
             <a:r>
               <a:t>Spring Batch</a:t>
             </a:r>
@@ -6824,7 +7017,7 @@
             <a:miter lim="400000"/>
           </a:ln>
           <a:effectLst>
-            <a:outerShdw sx="100000" sy="100000" kx="0" ky="0" algn="b" rotWithShape="0" blurRad="63500" dist="25400" dir="5400000">
+            <a:outerShdw blurRad="63500" dist="25400" dir="5400000" rotWithShape="0">
               <a:srgbClr val="000000">
                 <a:alpha val="50000"/>
               </a:srgbClr>
@@ -6844,7 +7037,6 @@
             </a:lvl1pPr>
           </a:lstStyle>
           <a:p>
-            <a:pPr/>
             <a:r>
               <a:t>Spring Cloud Task</a:t>
             </a:r>
@@ -6876,7 +7068,7 @@
             <a:miter lim="400000"/>
           </a:ln>
           <a:effectLst>
-            <a:outerShdw sx="100000" sy="100000" kx="0" ky="0" algn="b" rotWithShape="0" blurRad="63500" dist="25400" dir="5400000">
+            <a:outerShdw blurRad="63500" dist="25400" dir="5400000" rotWithShape="0">
               <a:srgbClr val="000000">
                 <a:alpha val="50000"/>
               </a:srgbClr>
@@ -6896,7 +7088,6 @@
             </a:lvl1pPr>
           </a:lstStyle>
           <a:p>
-            <a:pPr/>
             <a:r>
               <a:t>Spring Cloud Stream</a:t>
             </a:r>
@@ -6926,7 +7117,7 @@
             <a:miter lim="400000"/>
           </a:ln>
           <a:effectLst>
-            <a:outerShdw sx="100000" sy="100000" kx="0" ky="0" algn="b" rotWithShape="0" blurRad="63500" dist="25400" dir="5400000">
+            <a:outerShdw blurRad="63500" dist="25400" dir="5400000" rotWithShape="0">
               <a:srgbClr val="000000">
                 <a:alpha val="50000"/>
               </a:srgbClr>
@@ -6945,20 +7136,23 @@
             <a:pPr>
               <a:defRPr sz="2600"/>
             </a:pPr>
+            <a:endParaRPr/>
           </a:p>
           <a:p>
             <a:pPr>
               <a:defRPr sz="2600"/>
             </a:pPr>
+            <a:endParaRPr/>
           </a:p>
           <a:p>
             <a:pPr>
               <a:defRPr sz="2600"/>
             </a:pPr>
+            <a:endParaRPr/>
           </a:p>
           <a:p>
             <a:pPr>
-              <a:defRPr b="1" sz="2600">
+              <a:defRPr sz="2600" b="1">
                 <a:latin typeface="Helvetica"/>
                 <a:ea typeface="Helvetica"/>
                 <a:cs typeface="Helvetica"/>
@@ -6994,7 +7188,7 @@
             <a:miter lim="400000"/>
           </a:ln>
           <a:effectLst>
-            <a:outerShdw sx="100000" sy="100000" kx="0" ky="0" algn="b" rotWithShape="0" blurRad="63500" dist="25400" dir="5400000">
+            <a:outerShdw blurRad="63500" dist="25400" dir="5400000" rotWithShape="0">
               <a:srgbClr val="000000">
                 <a:alpha val="50000"/>
               </a:srgbClr>
@@ -7014,7 +7208,6 @@
             </a:lvl1pPr>
           </a:lstStyle>
           <a:p>
-            <a:pPr/>
             <a:r>
               <a:t>DSL/Shell</a:t>
             </a:r>
@@ -7044,7 +7237,7 @@
             <a:miter lim="400000"/>
           </a:ln>
           <a:effectLst>
-            <a:outerShdw sx="100000" sy="100000" kx="0" ky="0" algn="b" rotWithShape="0" blurRad="63500" dist="25400" dir="5400000">
+            <a:outerShdw blurRad="63500" dist="25400" dir="5400000" rotWithShape="0">
               <a:srgbClr val="000000">
                 <a:alpha val="50000"/>
               </a:srgbClr>
@@ -7064,7 +7257,6 @@
             </a:lvl1pPr>
           </a:lstStyle>
           <a:p>
-            <a:pPr/>
             <a:r>
               <a:t>REST-API/Dashboard</a:t>
             </a:r>
@@ -7094,7 +7286,7 @@
             <a:miter lim="400000"/>
           </a:ln>
           <a:effectLst>
-            <a:outerShdw sx="100000" sy="100000" kx="0" ky="0" algn="b" rotWithShape="0" blurRad="63500" dist="25400" dir="5400000">
+            <a:outerShdw blurRad="63500" dist="25400" dir="5400000" rotWithShape="0">
               <a:srgbClr val="000000">
                 <a:alpha val="50000"/>
               </a:srgbClr>
@@ -7114,7 +7306,6 @@
             </a:lvl1pPr>
           </a:lstStyle>
           <a:p>
-            <a:pPr/>
             <a:r>
               <a:t>Flo Visual Designer</a:t>
             </a:r>
@@ -7124,7 +7315,9 @@
       <p:sp>
         <p:nvSpPr>
           <p:cNvPr id="160" name="Slide Number"/>
-          <p:cNvSpPr/>
+          <p:cNvSpPr>
+            <a:spLocks noGrp="1"/>
+          </p:cNvSpPr>
           <p:nvPr>
             <p:ph type="sldNum" sz="quarter" idx="2"/>
           </p:nvPr>
@@ -7147,8 +7340,10 @@
           <a:bodyPr/>
           <a:lstStyle/>
           <a:p>
-            <a:pPr/>
-            <a:fld id="{86CB4B4D-7CA3-9044-876B-883B54F8677D}" type="slidenum"/>
+            <a:fld id="{86CB4B4D-7CA3-9044-876B-883B54F8677D}" type="slidenum">
+              <a:t>2</a:t>
+            </a:fld>
+            <a:endParaRPr/>
           </a:p>
         </p:txBody>
       </p:sp>
@@ -7157,12 +7352,12 @@
   <p:clrMapOvr>
     <a:masterClrMapping/>
   </p:clrMapOvr>
-  <p:transition xmlns:p14="http://schemas.microsoft.com/office/powerpoint/2010/main" spd="med" advClick="1"/>
+  <p:transition xmlns:p14="http://schemas.microsoft.com/office/powerpoint/2010/main" spd="med"/>
 </p:sld>
 </file>
 
 <file path=ppt/slides/slide3.xml><?xml version="1.0" encoding="utf-8"?>
-<p:sld xmlns:a="http://schemas.openxmlformats.org/drawingml/2006/main" xmlns:r="http://schemas.openxmlformats.org/officeDocument/2006/relationships" xmlns:p="http://schemas.openxmlformats.org/presentationml/2006/main" showMasterSp="1" showMasterPhAnim="1">
+<p:sld xmlns:a="http://schemas.openxmlformats.org/drawingml/2006/main" xmlns:r="http://schemas.openxmlformats.org/officeDocument/2006/relationships" xmlns:p="http://schemas.openxmlformats.org/presentationml/2006/main">
   <p:cSld>
     <p:bg>
       <p:bgPr>
@@ -7179,6 +7374,7 @@
             <a:fillToRect l="50000" t="50000" r="50000" b="50000"/>
           </a:path>
         </a:gradFill>
+        <a:effectLst/>
       </p:bgPr>
     </p:bg>
     <p:spTree>
@@ -7233,7 +7429,6 @@
             </a:lvl1pPr>
           </a:lstStyle>
           <a:p>
-            <a:pPr/>
             <a:r>
               <a:t>What is a Task?</a:t>
             </a:r>
@@ -7243,7 +7438,9 @@
       <p:sp>
         <p:nvSpPr>
           <p:cNvPr id="163" name="Slide Number"/>
-          <p:cNvSpPr/>
+          <p:cNvSpPr>
+            <a:spLocks noGrp="1"/>
+          </p:cNvSpPr>
           <p:nvPr>
             <p:ph type="sldNum" sz="quarter" idx="2"/>
           </p:nvPr>
@@ -7266,8 +7463,10 @@
           <a:bodyPr/>
           <a:lstStyle/>
           <a:p>
-            <a:pPr/>
-            <a:fld id="{86CB4B4D-7CA3-9044-876B-883B54F8677D}" type="slidenum"/>
+            <a:fld id="{86CB4B4D-7CA3-9044-876B-883B54F8677D}" type="slidenum">
+              <a:t>3</a:t>
+            </a:fld>
+            <a:endParaRPr/>
           </a:p>
         </p:txBody>
       </p:sp>
@@ -7275,7 +7474,7 @@
         <p:nvPicPr>
           <p:cNvPr id="164" name="5065834411_d12669d487_z.jpg" descr="5065834411_d12669d487_z.jpg"/>
           <p:cNvPicPr>
-            <a:picLocks noChangeAspect="0"/>
+            <a:picLocks/>
           </p:cNvPicPr>
           <p:nvPr/>
         </p:nvPicPr>
@@ -7305,12 +7504,12 @@
   <p:clrMapOvr>
     <a:masterClrMapping/>
   </p:clrMapOvr>
-  <p:transition xmlns:p14="http://schemas.microsoft.com/office/powerpoint/2010/main" spd="slow" advClick="1"/>
+  <p:transition xmlns:p14="http://schemas.microsoft.com/office/powerpoint/2010/main" spd="slow"/>
 </p:sld>
 </file>
 
 <file path=ppt/slides/slide4.xml><?xml version="1.0" encoding="utf-8"?>
-<p:sld xmlns:a="http://schemas.openxmlformats.org/drawingml/2006/main" xmlns:r="http://schemas.openxmlformats.org/officeDocument/2006/relationships" xmlns:p="http://schemas.openxmlformats.org/presentationml/2006/main" showMasterSp="1" showMasterPhAnim="1">
+<p:sld xmlns:a="http://schemas.openxmlformats.org/drawingml/2006/main" xmlns:r="http://schemas.openxmlformats.org/officeDocument/2006/relationships" xmlns:p="http://schemas.openxmlformats.org/presentationml/2006/main">
   <p:cSld>
     <p:bg>
       <p:bgPr>
@@ -7327,6 +7526,7 @@
             <a:fillToRect l="50000" t="50000" r="50000" b="50000"/>
           </a:path>
         </a:gradFill>
+        <a:effectLst/>
       </p:bgPr>
     </p:bg>
     <p:spTree>
@@ -7402,7 +7602,9 @@
       <p:sp>
         <p:nvSpPr>
           <p:cNvPr id="169" name="Slide Number"/>
-          <p:cNvSpPr/>
+          <p:cNvSpPr>
+            <a:spLocks noGrp="1"/>
+          </p:cNvSpPr>
           <p:nvPr>
             <p:ph type="sldNum" sz="quarter" idx="2"/>
           </p:nvPr>
@@ -7425,8 +7627,10 @@
           <a:bodyPr/>
           <a:lstStyle/>
           <a:p>
-            <a:pPr/>
-            <a:fld id="{86CB4B4D-7CA3-9044-876B-883B54F8677D}" type="slidenum"/>
+            <a:fld id="{86CB4B4D-7CA3-9044-876B-883B54F8677D}" type="slidenum">
+              <a:t>4</a:t>
+            </a:fld>
+            <a:endParaRPr/>
           </a:p>
         </p:txBody>
       </p:sp>
@@ -7434,7 +7638,7 @@
         <p:nvPicPr>
           <p:cNvPr id="170" name="5065834411_d12669d487_z.jpg" descr="5065834411_d12669d487_z.jpg"/>
           <p:cNvPicPr>
-            <a:picLocks noChangeAspect="0"/>
+            <a:picLocks/>
           </p:cNvPicPr>
           <p:nvPr/>
         </p:nvPicPr>
@@ -7464,12 +7668,19 @@
   <p:clrMapOvr>
     <a:masterClrMapping/>
   </p:clrMapOvr>
-  <p:transition xmlns:p14="http://schemas.microsoft.com/office/powerpoint/2010/main" spd="slow" advClick="1"/>
+  <p:transition xmlns:p14="http://schemas.microsoft.com/office/powerpoint/2010/main" spd="slow"/>
+  <p:timing>
+    <p:tnLst>
+      <p:par>
+        <p:cTn xmlns:p14="http://schemas.microsoft.com/office/powerpoint/2010/main" id="1" dur="indefinite" restart="never" nodeType="tmRoot"/>
+      </p:par>
+    </p:tnLst>
+  </p:timing>
 </p:sld>
 </file>
 
 <file path=ppt/slides/slide5.xml><?xml version="1.0" encoding="utf-8"?>
-<p:sld xmlns:a="http://schemas.openxmlformats.org/drawingml/2006/main" xmlns:r="http://schemas.openxmlformats.org/officeDocument/2006/relationships" xmlns:p="http://schemas.openxmlformats.org/presentationml/2006/main" showMasterSp="1" showMasterPhAnim="1">
+<p:sld xmlns:a="http://schemas.openxmlformats.org/drawingml/2006/main" xmlns:r="http://schemas.openxmlformats.org/officeDocument/2006/relationships" xmlns:p="http://schemas.openxmlformats.org/presentationml/2006/main">
   <p:cSld>
     <p:bg>
       <p:bgPr>
@@ -7486,6 +7697,7 @@
             <a:fillToRect l="50000" t="50000" r="50000" b="50000"/>
           </a:path>
         </a:gradFill>
+        <a:effectLst/>
       </p:bgPr>
     </p:bg>
     <p:spTree>
@@ -7536,6 +7748,7 @@
             <a:pPr>
               <a:defRPr sz="2600"/>
             </a:pPr>
+            <a:endParaRPr/>
           </a:p>
         </p:txBody>
       </p:sp>
@@ -7598,7 +7811,7 @@
           <a:lstStyle>
             <a:lvl1pPr>
               <a:defRPr u="sng">
-                <a:hlinkClick r:id="rId4" invalidUrl="" action="" tgtFrame="" tooltip="" history="1" highlightClick="0" endSnd="0"/>
+                <a:hlinkClick r:id="rId4"/>
               </a:defRPr>
             </a:lvl1pPr>
           </a:lstStyle>
@@ -7607,8 +7820,8 @@
               <a:defRPr u="none"/>
             </a:pPr>
             <a:r>
-              <a:rPr u="sng">
-                <a:hlinkClick r:id="rId4" invalidUrl="" action="" tgtFrame="" tooltip="" history="1" highlightClick="0" endSnd="0"/>
+              <a:rPr u="sng" dirty="0">
+                <a:hlinkClick r:id="rId4"/>
               </a:rPr>
               <a:t>https://github.com/spring-cloud/spring-cloud-task</a:t>
             </a:r>
@@ -7645,7 +7858,7 @@
           <a:lstStyle/>
           <a:p>
             <a:pPr>
-              <a:defRPr b="1" sz="5000">
+              <a:defRPr sz="5000" b="1">
                 <a:latin typeface="Helvetica"/>
                 <a:ea typeface="Helvetica"/>
                 <a:cs typeface="Helvetica"/>
@@ -7669,7 +7882,9 @@
       <p:sp>
         <p:nvSpPr>
           <p:cNvPr id="178" name="Slide Number"/>
-          <p:cNvSpPr/>
+          <p:cNvSpPr>
+            <a:spLocks noGrp="1"/>
+          </p:cNvSpPr>
           <p:nvPr>
             <p:ph type="sldNum" sz="quarter" idx="2"/>
           </p:nvPr>
@@ -7692,8 +7907,10 @@
           <a:bodyPr/>
           <a:lstStyle/>
           <a:p>
-            <a:pPr/>
-            <a:fld id="{86CB4B4D-7CA3-9044-876B-883B54F8677D}" type="slidenum"/>
+            <a:fld id="{86CB4B4D-7CA3-9044-876B-883B54F8677D}" type="slidenum">
+              <a:t>5</a:t>
+            </a:fld>
+            <a:endParaRPr/>
           </a:p>
         </p:txBody>
       </p:sp>
@@ -7702,12 +7919,19 @@
   <p:clrMapOvr>
     <a:masterClrMapping/>
   </p:clrMapOvr>
-  <p:transition xmlns:p14="http://schemas.microsoft.com/office/powerpoint/2010/main" spd="slow" advClick="1"/>
+  <p:transition xmlns:p14="http://schemas.microsoft.com/office/powerpoint/2010/main" spd="slow"/>
+  <p:timing>
+    <p:tnLst>
+      <p:par>
+        <p:cTn xmlns:p14="http://schemas.microsoft.com/office/powerpoint/2010/main" id="1" dur="indefinite" restart="never" nodeType="tmRoot"/>
+      </p:par>
+    </p:tnLst>
+  </p:timing>
 </p:sld>
 </file>
 
 <file path=ppt/slides/slide6.xml><?xml version="1.0" encoding="utf-8"?>
-<p:sld xmlns:a="http://schemas.openxmlformats.org/drawingml/2006/main" xmlns:r="http://schemas.openxmlformats.org/officeDocument/2006/relationships" xmlns:p="http://schemas.openxmlformats.org/presentationml/2006/main" showMasterSp="1" showMasterPhAnim="1">
+<p:sld xmlns:a="http://schemas.openxmlformats.org/drawingml/2006/main" xmlns:r="http://schemas.openxmlformats.org/officeDocument/2006/relationships" xmlns:p="http://schemas.openxmlformats.org/presentationml/2006/main">
   <p:cSld>
     <p:bg>
       <p:bgPr>
@@ -7724,6 +7948,7 @@
             <a:fillToRect l="50000" t="50000" r="50000" b="50000"/>
           </a:path>
         </a:gradFill>
+        <a:effectLst/>
       </p:bgPr>
     </p:bg>
     <p:spTree>
@@ -7748,8 +7973,8 @@
         </p:nvSpPr>
         <p:spPr>
           <a:xfrm>
-            <a:off x="-136825" y="6588642"/>
-            <a:ext cx="12676170" cy="1193801"/>
+            <a:off x="-136825" y="6580249"/>
+            <a:ext cx="12676170" cy="1210588"/>
           </a:xfrm>
           <a:prstGeom prst="rect">
             <a:avLst/>
@@ -7778,9 +8003,25 @@
             </a:lvl1pPr>
           </a:lstStyle>
           <a:p>
-            <a:pPr/>
-            <a:r>
-              <a:t>http://docs.spring.io/spring-cloud-task/docs/1.1.2.RELEASE/reference/htmlsingle/</a:t>
+            <a:r>
+              <a:rPr dirty="0"/>
+              <a:t>http://docs.spring.io/spring-cloud-task/docs/</a:t>
+            </a:r>
+            <a:r>
+              <a:rPr dirty="0" smtClean="0"/>
+              <a:t>1.</a:t>
+            </a:r>
+            <a:r>
+              <a:rPr lang="en-US" dirty="0" smtClean="0"/>
+              <a:t>2.0</a:t>
+            </a:r>
+            <a:r>
+              <a:rPr dirty="0" smtClean="0"/>
+              <a:t>.</a:t>
+            </a:r>
+            <a:r>
+              <a:rPr dirty="0"/>
+              <a:t>RELEASE/reference/htmlsingle/</a:t>
             </a:r>
           </a:p>
         </p:txBody>
@@ -7816,6 +8057,7 @@
             <a:pPr>
               <a:defRPr sz="2600"/>
             </a:pPr>
+            <a:endParaRPr/>
           </a:p>
         </p:txBody>
       </p:sp>
@@ -7849,7 +8091,7 @@
           <a:lstStyle/>
           <a:p>
             <a:pPr>
-              <a:defRPr b="1" sz="5000">
+              <a:defRPr sz="5000" b="1">
                 <a:latin typeface="Helvetica"/>
                 <a:ea typeface="Helvetica"/>
                 <a:cs typeface="Helvetica"/>
@@ -7902,7 +8144,9 @@
       <p:sp>
         <p:nvSpPr>
           <p:cNvPr id="184" name="Slide Number"/>
-          <p:cNvSpPr/>
+          <p:cNvSpPr>
+            <a:spLocks noGrp="1"/>
+          </p:cNvSpPr>
           <p:nvPr>
             <p:ph type="sldNum" sz="quarter" idx="2"/>
           </p:nvPr>
@@ -7925,8 +8169,10 @@
           <a:bodyPr/>
           <a:lstStyle/>
           <a:p>
-            <a:pPr/>
-            <a:fld id="{86CB4B4D-7CA3-9044-876B-883B54F8677D}" type="slidenum"/>
+            <a:fld id="{86CB4B4D-7CA3-9044-876B-883B54F8677D}" type="slidenum">
+              <a:t>6</a:t>
+            </a:fld>
+            <a:endParaRPr/>
           </a:p>
         </p:txBody>
       </p:sp>
@@ -7935,12 +8181,19 @@
   <p:clrMapOvr>
     <a:masterClrMapping/>
   </p:clrMapOvr>
-  <p:transition xmlns:p14="http://schemas.microsoft.com/office/powerpoint/2010/main" spd="slow" advClick="1"/>
+  <p:transition xmlns:p14="http://schemas.microsoft.com/office/powerpoint/2010/main" spd="slow"/>
+  <p:timing>
+    <p:tnLst>
+      <p:par>
+        <p:cTn xmlns:p14="http://schemas.microsoft.com/office/powerpoint/2010/main" id="1" dur="indefinite" restart="never" nodeType="tmRoot"/>
+      </p:par>
+    </p:tnLst>
+  </p:timing>
 </p:sld>
 </file>
 
 <file path=ppt/slides/slide7.xml><?xml version="1.0" encoding="utf-8"?>
-<p:sld xmlns:a="http://schemas.openxmlformats.org/drawingml/2006/main" xmlns:r="http://schemas.openxmlformats.org/officeDocument/2006/relationships" xmlns:p="http://schemas.openxmlformats.org/presentationml/2006/main" showMasterSp="1" showMasterPhAnim="1">
+<p:sld xmlns:a="http://schemas.openxmlformats.org/drawingml/2006/main" xmlns:r="http://schemas.openxmlformats.org/officeDocument/2006/relationships" xmlns:p="http://schemas.openxmlformats.org/presentationml/2006/main">
   <p:cSld>
     <p:bg>
       <p:bgPr>
@@ -7957,6 +8210,7 @@
             <a:fillToRect l="50000" t="50000" r="50000" b="50000"/>
           </a:path>
         </a:gradFill>
+        <a:effectLst/>
       </p:bgPr>
     </p:bg>
     <p:spTree>
@@ -8071,7 +8325,7 @@
             </a:cxnLst>
             <a:rect l="0" t="0" r="r" b="b"/>
             <a:pathLst>
-              <a:path w="21586" h="21595" fill="norm" stroke="1" extrusionOk="0">
+              <a:path w="21586" h="21595" extrusionOk="0">
                 <a:moveTo>
                   <a:pt x="5416" y="5"/>
                 </a:moveTo>
@@ -8767,7 +9021,9 @@
       <p:sp>
         <p:nvSpPr>
           <p:cNvPr id="190" name="Slide Number"/>
-          <p:cNvSpPr/>
+          <p:cNvSpPr>
+            <a:spLocks noGrp="1"/>
+          </p:cNvSpPr>
           <p:nvPr>
             <p:ph type="sldNum" sz="quarter" idx="2"/>
           </p:nvPr>
@@ -8790,8 +9046,10 @@
           <a:bodyPr/>
           <a:lstStyle/>
           <a:p>
-            <a:pPr/>
-            <a:fld id="{86CB4B4D-7CA3-9044-876B-883B54F8677D}" type="slidenum"/>
+            <a:fld id="{86CB4B4D-7CA3-9044-876B-883B54F8677D}" type="slidenum">
+              <a:t>7</a:t>
+            </a:fld>
+            <a:endParaRPr/>
           </a:p>
         </p:txBody>
       </p:sp>
@@ -8800,12 +9058,19 @@
   <p:clrMapOvr>
     <a:masterClrMapping/>
   </p:clrMapOvr>
-  <p:transition xmlns:p14="http://schemas.microsoft.com/office/powerpoint/2010/main" spd="slow" advClick="1"/>
+  <p:transition xmlns:p14="http://schemas.microsoft.com/office/powerpoint/2010/main" spd="slow"/>
+  <p:timing>
+    <p:tnLst>
+      <p:par>
+        <p:cTn xmlns:p14="http://schemas.microsoft.com/office/powerpoint/2010/main" id="1" dur="indefinite" restart="never" nodeType="tmRoot"/>
+      </p:par>
+    </p:tnLst>
+  </p:timing>
 </p:sld>
 </file>
 
 <file path=ppt/slides/slide8.xml><?xml version="1.0" encoding="utf-8"?>
-<p:sld xmlns:a="http://schemas.openxmlformats.org/drawingml/2006/main" xmlns:r="http://schemas.openxmlformats.org/officeDocument/2006/relationships" xmlns:p="http://schemas.openxmlformats.org/presentationml/2006/main" showMasterSp="1" showMasterPhAnim="1">
+<p:sld xmlns:a="http://schemas.openxmlformats.org/drawingml/2006/main" xmlns:r="http://schemas.openxmlformats.org/officeDocument/2006/relationships" xmlns:p="http://schemas.openxmlformats.org/presentationml/2006/main">
   <p:cSld>
     <p:bg>
       <p:bgPr>
@@ -8822,6 +9087,7 @@
             <a:fillToRect l="50000" t="50000" r="50000" b="50000"/>
           </a:path>
         </a:gradFill>
+        <a:effectLst/>
       </p:bgPr>
     </p:bg>
     <p:spTree>
@@ -8869,7 +9135,7 @@
           <a:lstStyle/>
           <a:p>
             <a:pPr algn="l">
-              <a:defRPr b="1" sz="2900">
+              <a:defRPr sz="2900" b="1">
                 <a:solidFill>
                   <a:srgbClr val="FF9300"/>
                 </a:solidFill>
@@ -8885,7 +9151,7 @@
           </a:p>
           <a:p>
             <a:pPr algn="l">
-              <a:defRPr b="1" sz="2900">
+              <a:defRPr sz="2900" b="1">
                 <a:solidFill>
                   <a:srgbClr val="FF9300"/>
                 </a:solidFill>
@@ -8901,7 +9167,7 @@
           </a:p>
           <a:p>
             <a:pPr algn="l">
-              <a:defRPr b="1" sz="2900">
+              <a:defRPr sz="2900" b="1">
                 <a:latin typeface="Courier New"/>
                 <a:ea typeface="Courier New"/>
                 <a:cs typeface="Courier New"/>
@@ -8922,7 +9188,7 @@
           </a:p>
           <a:p>
             <a:pPr algn="l">
-              <a:defRPr b="1" sz="2900">
+              <a:defRPr sz="2900" b="1">
                 <a:latin typeface="Courier New"/>
                 <a:ea typeface="Courier New"/>
                 <a:cs typeface="Courier New"/>
@@ -8946,7 +9212,7 @@
           </a:p>
           <a:p>
             <a:pPr algn="l">
-              <a:defRPr b="1" sz="2900">
+              <a:defRPr sz="2900" b="1">
                 <a:latin typeface="Courier New"/>
                 <a:ea typeface="Courier New"/>
                 <a:cs typeface="Courier New"/>
@@ -8959,7 +9225,7 @@
           </a:p>
           <a:p>
             <a:pPr algn="l">
-              <a:defRPr b="1" sz="2900">
+              <a:defRPr sz="2900" b="1">
                 <a:latin typeface="Courier New"/>
                 <a:ea typeface="Courier New"/>
                 <a:cs typeface="Courier New"/>
@@ -8972,7 +9238,7 @@
           </a:p>
           <a:p>
             <a:pPr algn="l">
-              <a:defRPr b="1" sz="2900">
+              <a:defRPr sz="2900" b="1">
                 <a:latin typeface="Courier New"/>
                 <a:ea typeface="Courier New"/>
                 <a:cs typeface="Courier New"/>
@@ -9007,7 +9273,7 @@
           </a:p>
           <a:p>
             <a:pPr lvl="5" algn="l">
-              <a:defRPr b="1" sz="2900">
+              <a:defRPr sz="2900" b="1">
                 <a:latin typeface="Courier New"/>
                 <a:ea typeface="Courier New"/>
                 <a:cs typeface="Courier New"/>
@@ -9020,7 +9286,7 @@
           </a:p>
           <a:p>
             <a:pPr algn="l">
-              <a:defRPr b="1" sz="2900">
+              <a:defRPr sz="2900" b="1">
                 <a:latin typeface="Courier New"/>
                 <a:ea typeface="Courier New"/>
                 <a:cs typeface="Courier New"/>
@@ -9055,7 +9321,7 @@
           </a:p>
           <a:p>
             <a:pPr algn="l">
-              <a:defRPr b="1" sz="2900">
+              <a:defRPr sz="2900" b="1">
                 <a:latin typeface="Courier New"/>
                 <a:ea typeface="Courier New"/>
                 <a:cs typeface="Courier New"/>
@@ -9068,7 +9334,7 @@
           </a:p>
           <a:p>
             <a:pPr algn="l">
-              <a:defRPr b="1" sz="2900">
+              <a:defRPr sz="2900" b="1">
                 <a:latin typeface="Courier New"/>
                 <a:ea typeface="Courier New"/>
                 <a:cs typeface="Courier New"/>
@@ -9081,7 +9347,7 @@
           </a:p>
           <a:p>
             <a:pPr algn="l">
-              <a:defRPr b="1" sz="2900">
+              <a:defRPr sz="2900" b="1">
                 <a:latin typeface="Courier New"/>
                 <a:ea typeface="Courier New"/>
                 <a:cs typeface="Courier New"/>
@@ -9094,7 +9360,7 @@
           </a:p>
           <a:p>
             <a:pPr algn="l">
-              <a:defRPr b="1" sz="2900">
+              <a:defRPr sz="2900" b="1">
                 <a:latin typeface="Courier New"/>
                 <a:ea typeface="Courier New"/>
                 <a:cs typeface="Courier New"/>
@@ -9110,7 +9376,9 @@
       <p:sp>
         <p:nvSpPr>
           <p:cNvPr id="195" name="Slide Number"/>
-          <p:cNvSpPr/>
+          <p:cNvSpPr>
+            <a:spLocks noGrp="1"/>
+          </p:cNvSpPr>
           <p:nvPr>
             <p:ph type="sldNum" sz="quarter" idx="2"/>
           </p:nvPr>
@@ -9133,8 +9401,10 @@
           <a:bodyPr/>
           <a:lstStyle/>
           <a:p>
-            <a:pPr/>
-            <a:fld id="{86CB4B4D-7CA3-9044-876B-883B54F8677D}" type="slidenum"/>
+            <a:fld id="{86CB4B4D-7CA3-9044-876B-883B54F8677D}" type="slidenum">
+              <a:t>8</a:t>
+            </a:fld>
+            <a:endParaRPr/>
           </a:p>
         </p:txBody>
       </p:sp>
@@ -9143,12 +9413,12 @@
   <p:clrMapOvr>
     <a:masterClrMapping/>
   </p:clrMapOvr>
-  <p:transition xmlns:p14="http://schemas.microsoft.com/office/powerpoint/2010/main" spd="slow" advClick="1"/>
+  <p:transition xmlns:p14="http://schemas.microsoft.com/office/powerpoint/2010/main" spd="slow"/>
 </p:sld>
 </file>
 
 <file path=ppt/slides/slide9.xml><?xml version="1.0" encoding="utf-8"?>
-<p:sld xmlns:a="http://schemas.openxmlformats.org/drawingml/2006/main" xmlns:r="http://schemas.openxmlformats.org/officeDocument/2006/relationships" xmlns:p="http://schemas.openxmlformats.org/presentationml/2006/main" showMasterSp="1" showMasterPhAnim="1">
+<p:sld xmlns:a="http://schemas.openxmlformats.org/drawingml/2006/main" xmlns:r="http://schemas.openxmlformats.org/officeDocument/2006/relationships" xmlns:p="http://schemas.openxmlformats.org/presentationml/2006/main">
   <p:cSld>
     <p:bg>
       <p:bgPr>
@@ -9165,6 +9435,7 @@
             <a:fillToRect l="50000" t="50000" r="50000" b="50000"/>
           </a:path>
         </a:gradFill>
+        <a:effectLst/>
       </p:bgPr>
     </p:bg>
     <p:spTree>
@@ -9212,7 +9483,7 @@
           <a:lstStyle/>
           <a:p>
             <a:pPr algn="l">
-              <a:defRPr b="1" sz="2900">
+              <a:defRPr sz="2900" b="1">
                 <a:solidFill>
                   <a:srgbClr val="00F900"/>
                 </a:solidFill>
@@ -9228,7 +9499,7 @@
           </a:p>
           <a:p>
             <a:pPr algn="l">
-              <a:defRPr b="1" sz="2900">
+              <a:defRPr sz="2900" b="1">
                 <a:solidFill>
                   <a:srgbClr val="00F900"/>
                 </a:solidFill>
@@ -9244,7 +9515,7 @@
           </a:p>
           <a:p>
             <a:pPr algn="l">
-              <a:defRPr b="1" sz="2900">
+              <a:defRPr sz="2900" b="1">
                 <a:solidFill>
                   <a:srgbClr val="00F900"/>
                 </a:solidFill>
@@ -9271,7 +9542,7 @@
           </a:p>
           <a:p>
             <a:pPr algn="l">
-              <a:defRPr b="1" sz="2900">
+              <a:defRPr sz="2900" b="1">
                 <a:solidFill>
                   <a:srgbClr val="00F900"/>
                 </a:solidFill>
@@ -9287,7 +9558,7 @@
           </a:p>
           <a:p>
             <a:pPr algn="l">
-              <a:defRPr b="1" sz="2900">
+              <a:defRPr sz="2900" b="1">
                 <a:solidFill>
                   <a:srgbClr val="00F900"/>
                 </a:solidFill>
@@ -9303,7 +9574,7 @@
           </a:p>
           <a:p>
             <a:pPr algn="l">
-              <a:defRPr b="1" sz="2900">
+              <a:defRPr sz="2900" b="1">
                 <a:solidFill>
                   <a:srgbClr val="00F900"/>
                 </a:solidFill>
@@ -9319,7 +9590,7 @@
           </a:p>
           <a:p>
             <a:pPr algn="l">
-              <a:defRPr b="1" sz="2900">
+              <a:defRPr sz="2900" b="1">
                 <a:solidFill>
                   <a:srgbClr val="00F900"/>
                 </a:solidFill>
@@ -9346,7 +9617,7 @@
           </a:p>
           <a:p>
             <a:pPr algn="l">
-              <a:defRPr b="1" sz="2900">
+              <a:defRPr sz="2900" b="1">
                 <a:solidFill>
                   <a:srgbClr val="00F900"/>
                 </a:solidFill>
@@ -9362,7 +9633,7 @@
           </a:p>
           <a:p>
             <a:pPr algn="l">
-              <a:defRPr b="1" sz="2900">
+              <a:defRPr sz="2900" b="1">
                 <a:solidFill>
                   <a:srgbClr val="00F900"/>
                 </a:solidFill>
@@ -9378,7 +9649,7 @@
           </a:p>
           <a:p>
             <a:pPr algn="l">
-              <a:defRPr b="1" sz="2900">
+              <a:defRPr sz="2900" b="1">
                 <a:solidFill>
                   <a:srgbClr val="00F900"/>
                 </a:solidFill>
@@ -9394,7 +9665,7 @@
           </a:p>
           <a:p>
             <a:pPr algn="l">
-              <a:defRPr b="1" sz="2900">
+              <a:defRPr sz="2900" b="1">
                 <a:solidFill>
                   <a:srgbClr val="00F900"/>
                 </a:solidFill>
@@ -9421,7 +9692,7 @@
           </a:p>
           <a:p>
             <a:pPr algn="l">
-              <a:defRPr b="1" sz="2900">
+              <a:defRPr sz="2900" b="1">
                 <a:solidFill>
                   <a:srgbClr val="00F900"/>
                 </a:solidFill>
@@ -9440,7 +9711,9 @@
       <p:sp>
         <p:nvSpPr>
           <p:cNvPr id="200" name="Slide Number"/>
-          <p:cNvSpPr/>
+          <p:cNvSpPr>
+            <a:spLocks noGrp="1"/>
+          </p:cNvSpPr>
           <p:nvPr>
             <p:ph type="sldNum" sz="quarter" idx="2"/>
           </p:nvPr>
@@ -9463,8 +9736,10 @@
           <a:bodyPr/>
           <a:lstStyle/>
           <a:p>
-            <a:pPr/>
-            <a:fld id="{86CB4B4D-7CA3-9044-876B-883B54F8677D}" type="slidenum"/>
+            <a:fld id="{86CB4B4D-7CA3-9044-876B-883B54F8677D}" type="slidenum">
+              <a:t>9</a:t>
+            </a:fld>
+            <a:endParaRPr/>
           </a:p>
         </p:txBody>
       </p:sp>
@@ -9473,12 +9748,12 @@
   <p:clrMapOvr>
     <a:masterClrMapping/>
   </p:clrMapOvr>
-  <p:transition xmlns:p14="http://schemas.microsoft.com/office/powerpoint/2010/main" spd="slow" advClick="1"/>
+  <p:transition xmlns:p14="http://schemas.microsoft.com/office/powerpoint/2010/main" spd="slow"/>
 </p:sld>
 </file>
 
 <file path=ppt/theme/theme1.xml><?xml version="1.0" encoding="utf-8"?>
-<a:theme xmlns:a="http://schemas.openxmlformats.org/drawingml/2006/main" xmlns:r="http://schemas.openxmlformats.org/officeDocument/2006/relationships" name="Black">
+<a:theme xmlns:a="http://schemas.openxmlformats.org/drawingml/2006/main" name="Black">
   <a:themeElements>
     <a:clrScheme name="Black">
       <a:dk1>
@@ -9668,8 +9943,8 @@
     <a:spDef>
       <a:spPr>
         <a:blipFill rotWithShape="1">
-          <a:blip r:embed="rId1"/>
-          <a:srcRect l="0" t="0" r="0" b="0"/>
+          <a:blip xmlns:r="http://schemas.openxmlformats.org/officeDocument/2006/relationships" r:embed="rId1"/>
+          <a:srcRect/>
           <a:tile tx="0" ty="0" sx="100000" sy="100000" flip="none" algn="tl"/>
         </a:blipFill>
         <a:ln w="12700" cap="flat">
@@ -9679,7 +9954,7 @@
         <a:effectLst/>
         <a:sp3d/>
       </a:spPr>
-      <a:bodyPr rot="0" spcFirstLastPara="1" vertOverflow="overflow" horzOverflow="overflow" vert="horz" wrap="square" lIns="50800" tIns="50800" rIns="50800" bIns="50800" numCol="1" spcCol="38100" rtlCol="0" anchor="ctr" upright="0">
+      <a:bodyPr rot="0" spcFirstLastPara="1" vertOverflow="overflow" horzOverflow="overflow" vert="horz" wrap="square" lIns="50800" tIns="50800" rIns="50800" bIns="50800" numCol="1" spcCol="38100" rtlCol="0" anchor="ctr">
         <a:spAutoFit/>
       </a:bodyPr>
       <a:lstStyle>
@@ -9698,7 +9973,7 @@
           <a:buFontTx/>
           <a:buNone/>
           <a:tabLst/>
-          <a:defRPr b="0" baseline="0" cap="none" i="0" spc="0" strike="noStrike" sz="2600" u="none" kumimoji="0" normalizeH="0">
+          <a:defRPr kumimoji="0" sz="2600" b="0" i="0" u="none" strike="noStrike" cap="none" spc="0" normalizeH="0" baseline="0">
             <a:ln>
               <a:noFill/>
             </a:ln>
@@ -9728,7 +10003,7 @@
           <a:buFontTx/>
           <a:buNone/>
           <a:tabLst/>
-          <a:defRPr b="0" baseline="0" cap="none" i="0" spc="0" strike="noStrike" sz="1800" u="none" kumimoji="0" normalizeH="0">
+          <a:defRPr kumimoji="0" sz="1800" b="0" i="0" u="none" strike="noStrike" cap="none" spc="0" normalizeH="0" baseline="0">
             <a:ln>
               <a:noFill/>
             </a:ln>
@@ -9754,7 +10029,7 @@
           <a:buFontTx/>
           <a:buNone/>
           <a:tabLst/>
-          <a:defRPr b="0" baseline="0" cap="none" i="0" spc="0" strike="noStrike" sz="1800" u="none" kumimoji="0" normalizeH="0">
+          <a:defRPr kumimoji="0" sz="1800" b="0" i="0" u="none" strike="noStrike" cap="none" spc="0" normalizeH="0" baseline="0">
             <a:ln>
               <a:noFill/>
             </a:ln>
@@ -9780,7 +10055,7 @@
           <a:buFontTx/>
           <a:buNone/>
           <a:tabLst/>
-          <a:defRPr b="0" baseline="0" cap="none" i="0" spc="0" strike="noStrike" sz="1800" u="none" kumimoji="0" normalizeH="0">
+          <a:defRPr kumimoji="0" sz="1800" b="0" i="0" u="none" strike="noStrike" cap="none" spc="0" normalizeH="0" baseline="0">
             <a:ln>
               <a:noFill/>
             </a:ln>
@@ -9806,7 +10081,7 @@
           <a:buFontTx/>
           <a:buNone/>
           <a:tabLst/>
-          <a:defRPr b="0" baseline="0" cap="none" i="0" spc="0" strike="noStrike" sz="1800" u="none" kumimoji="0" normalizeH="0">
+          <a:defRPr kumimoji="0" sz="1800" b="0" i="0" u="none" strike="noStrike" cap="none" spc="0" normalizeH="0" baseline="0">
             <a:ln>
               <a:noFill/>
             </a:ln>
@@ -9832,7 +10107,7 @@
           <a:buFontTx/>
           <a:buNone/>
           <a:tabLst/>
-          <a:defRPr b="0" baseline="0" cap="none" i="0" spc="0" strike="noStrike" sz="1800" u="none" kumimoji="0" normalizeH="0">
+          <a:defRPr kumimoji="0" sz="1800" b="0" i="0" u="none" strike="noStrike" cap="none" spc="0" normalizeH="0" baseline="0">
             <a:ln>
               <a:noFill/>
             </a:ln>
@@ -9858,7 +10133,7 @@
           <a:buFontTx/>
           <a:buNone/>
           <a:tabLst/>
-          <a:defRPr b="0" baseline="0" cap="none" i="0" spc="0" strike="noStrike" sz="1800" u="none" kumimoji="0" normalizeH="0">
+          <a:defRPr kumimoji="0" sz="1800" b="0" i="0" u="none" strike="noStrike" cap="none" spc="0" normalizeH="0" baseline="0">
             <a:ln>
               <a:noFill/>
             </a:ln>
@@ -9884,7 +10159,7 @@
           <a:buFontTx/>
           <a:buNone/>
           <a:tabLst/>
-          <a:defRPr b="0" baseline="0" cap="none" i="0" spc="0" strike="noStrike" sz="1800" u="none" kumimoji="0" normalizeH="0">
+          <a:defRPr kumimoji="0" sz="1800" b="0" i="0" u="none" strike="noStrike" cap="none" spc="0" normalizeH="0" baseline="0">
             <a:ln>
               <a:noFill/>
             </a:ln>
@@ -9910,7 +10185,7 @@
           <a:buFontTx/>
           <a:buNone/>
           <a:tabLst/>
-          <a:defRPr b="0" baseline="0" cap="none" i="0" spc="0" strike="noStrike" sz="1800" u="none" kumimoji="0" normalizeH="0">
+          <a:defRPr kumimoji="0" sz="1800" b="0" i="0" u="none" strike="noStrike" cap="none" spc="0" normalizeH="0" baseline="0">
             <a:ln>
               <a:noFill/>
             </a:ln>
@@ -9936,7 +10211,7 @@
           <a:buFontTx/>
           <a:buNone/>
           <a:tabLst/>
-          <a:defRPr b="0" baseline="0" cap="none" i="0" spc="0" strike="noStrike" sz="1800" u="none" kumimoji="0" normalizeH="0">
+          <a:defRPr kumimoji="0" sz="1800" b="0" i="0" u="none" strike="noStrike" cap="none" spc="0" normalizeH="0" baseline="0">
             <a:ln>
               <a:noFill/>
             </a:ln>
@@ -9949,9 +10224,15 @@
         </a:lvl9pPr>
       </a:lstStyle>
       <a:style>
-        <a:lnRef idx="0"/>
-        <a:fillRef idx="0"/>
-        <a:effectRef idx="0"/>
+        <a:lnRef idx="0">
+          <a:scrgbClr r="0" g="0" b="0"/>
+        </a:lnRef>
+        <a:fillRef idx="0">
+          <a:scrgbClr r="0" g="0" b="0"/>
+        </a:fillRef>
+        <a:effectRef idx="0">
+          <a:scrgbClr r="0" g="0" b="0"/>
+        </a:effectRef>
         <a:fontRef idx="none"/>
       </a:style>
     </a:spDef>
@@ -9968,7 +10249,7 @@
         <a:effectLst/>
         <a:sp3d/>
       </a:spPr>
-      <a:bodyPr rot="0" spcFirstLastPara="1" vertOverflow="overflow" horzOverflow="overflow" vert="horz" wrap="square" lIns="91439" tIns="45719" rIns="91439" bIns="45719" numCol="1" spcCol="38100" rtlCol="0" anchor="t" upright="0">
+      <a:bodyPr rot="0" spcFirstLastPara="1" vertOverflow="overflow" horzOverflow="overflow" vert="horz" wrap="square" lIns="91439" tIns="45719" rIns="91439" bIns="45719" numCol="1" spcCol="38100" rtlCol="0" anchor="t">
         <a:noAutofit/>
       </a:bodyPr>
       <a:lstStyle>
@@ -9987,7 +10268,7 @@
           <a:buFontTx/>
           <a:buNone/>
           <a:tabLst/>
-          <a:defRPr b="0" baseline="0" cap="none" i="0" spc="0" strike="noStrike" sz="1800" u="none" kumimoji="0" normalizeH="0">
+          <a:defRPr kumimoji="0" sz="1800" b="0" i="0" u="none" strike="noStrike" cap="none" spc="0" normalizeH="0" baseline="0">
             <a:ln>
               <a:noFill/>
             </a:ln>
@@ -10013,7 +10294,7 @@
           <a:buFontTx/>
           <a:buNone/>
           <a:tabLst/>
-          <a:defRPr b="0" baseline="0" cap="none" i="0" spc="0" strike="noStrike" sz="1800" u="none" kumimoji="0" normalizeH="0">
+          <a:defRPr kumimoji="0" sz="1800" b="0" i="0" u="none" strike="noStrike" cap="none" spc="0" normalizeH="0" baseline="0">
             <a:ln>
               <a:noFill/>
             </a:ln>
@@ -10039,7 +10320,7 @@
           <a:buFontTx/>
           <a:buNone/>
           <a:tabLst/>
-          <a:defRPr b="0" baseline="0" cap="none" i="0" spc="0" strike="noStrike" sz="1800" u="none" kumimoji="0" normalizeH="0">
+          <a:defRPr kumimoji="0" sz="1800" b="0" i="0" u="none" strike="noStrike" cap="none" spc="0" normalizeH="0" baseline="0">
             <a:ln>
               <a:noFill/>
             </a:ln>
@@ -10065,7 +10346,7 @@
           <a:buFontTx/>
           <a:buNone/>
           <a:tabLst/>
-          <a:defRPr b="0" baseline="0" cap="none" i="0" spc="0" strike="noStrike" sz="1800" u="none" kumimoji="0" normalizeH="0">
+          <a:defRPr kumimoji="0" sz="1800" b="0" i="0" u="none" strike="noStrike" cap="none" spc="0" normalizeH="0" baseline="0">
             <a:ln>
               <a:noFill/>
             </a:ln>
@@ -10091,7 +10372,7 @@
           <a:buFontTx/>
           <a:buNone/>
           <a:tabLst/>
-          <a:defRPr b="0" baseline="0" cap="none" i="0" spc="0" strike="noStrike" sz="1800" u="none" kumimoji="0" normalizeH="0">
+          <a:defRPr kumimoji="0" sz="1800" b="0" i="0" u="none" strike="noStrike" cap="none" spc="0" normalizeH="0" baseline="0">
             <a:ln>
               <a:noFill/>
             </a:ln>
@@ -10117,7 +10398,7 @@
           <a:buFontTx/>
           <a:buNone/>
           <a:tabLst/>
-          <a:defRPr b="0" baseline="0" cap="none" i="0" spc="0" strike="noStrike" sz="1800" u="none" kumimoji="0" normalizeH="0">
+          <a:defRPr kumimoji="0" sz="1800" b="0" i="0" u="none" strike="noStrike" cap="none" spc="0" normalizeH="0" baseline="0">
             <a:ln>
               <a:noFill/>
             </a:ln>
@@ -10143,7 +10424,7 @@
           <a:buFontTx/>
           <a:buNone/>
           <a:tabLst/>
-          <a:defRPr b="0" baseline="0" cap="none" i="0" spc="0" strike="noStrike" sz="1800" u="none" kumimoji="0" normalizeH="0">
+          <a:defRPr kumimoji="0" sz="1800" b="0" i="0" u="none" strike="noStrike" cap="none" spc="0" normalizeH="0" baseline="0">
             <a:ln>
               <a:noFill/>
             </a:ln>
@@ -10169,7 +10450,7 @@
           <a:buFontTx/>
           <a:buNone/>
           <a:tabLst/>
-          <a:defRPr b="0" baseline="0" cap="none" i="0" spc="0" strike="noStrike" sz="1800" u="none" kumimoji="0" normalizeH="0">
+          <a:defRPr kumimoji="0" sz="1800" b="0" i="0" u="none" strike="noStrike" cap="none" spc="0" normalizeH="0" baseline="0">
             <a:ln>
               <a:noFill/>
             </a:ln>
@@ -10195,7 +10476,7 @@
           <a:buFontTx/>
           <a:buNone/>
           <a:tabLst/>
-          <a:defRPr b="0" baseline="0" cap="none" i="0" spc="0" strike="noStrike" sz="1800" u="none" kumimoji="0" normalizeH="0">
+          <a:defRPr kumimoji="0" sz="1800" b="0" i="0" u="none" strike="noStrike" cap="none" spc="0" normalizeH="0" baseline="0">
             <a:ln>
               <a:noFill/>
             </a:ln>
@@ -10221,7 +10502,7 @@
           <a:buFontTx/>
           <a:buNone/>
           <a:tabLst/>
-          <a:defRPr b="0" baseline="0" cap="none" i="0" spc="0" strike="noStrike" sz="1800" u="none" kumimoji="0" normalizeH="0">
+          <a:defRPr kumimoji="0" sz="1800" b="0" i="0" u="none" strike="noStrike" cap="none" spc="0" normalizeH="0" baseline="0">
             <a:ln>
               <a:noFill/>
             </a:ln>
@@ -10234,9 +10515,15 @@
         </a:lvl9pPr>
       </a:lstStyle>
       <a:style>
-        <a:lnRef idx="0"/>
-        <a:fillRef idx="0"/>
-        <a:effectRef idx="0"/>
+        <a:lnRef idx="0">
+          <a:scrgbClr r="0" g="0" b="0"/>
+        </a:lnRef>
+        <a:fillRef idx="0">
+          <a:scrgbClr r="0" g="0" b="0"/>
+        </a:fillRef>
+        <a:effectRef idx="0">
+          <a:scrgbClr r="0" g="0" b="0"/>
+        </a:effectRef>
         <a:fontRef idx="none"/>
       </a:style>
     </a:lnDef>
@@ -10250,7 +10537,7 @@
         <a:effectLst/>
         <a:sp3d/>
       </a:spPr>
-      <a:bodyPr rot="0" spcFirstLastPara="1" vertOverflow="overflow" horzOverflow="overflow" vert="horz" wrap="square" lIns="50800" tIns="50800" rIns="50800" bIns="50800" numCol="1" spcCol="38100" rtlCol="0" anchor="ctr" upright="0">
+      <a:bodyPr rot="0" spcFirstLastPara="1" vertOverflow="overflow" horzOverflow="overflow" vert="horz" wrap="square" lIns="50800" tIns="50800" rIns="50800" bIns="50800" numCol="1" spcCol="38100" rtlCol="0" anchor="ctr">
         <a:spAutoFit/>
       </a:bodyPr>
       <a:lstStyle>
@@ -10269,7 +10556,7 @@
           <a:buFontTx/>
           <a:buNone/>
           <a:tabLst/>
-          <a:defRPr b="0" baseline="0" cap="none" i="0" spc="0" strike="noStrike" sz="3600" u="none" kumimoji="0" normalizeH="0">
+          <a:defRPr kumimoji="0" sz="3600" b="0" i="0" u="none" strike="noStrike" cap="none" spc="0" normalizeH="0" baseline="0">
             <a:ln>
               <a:noFill/>
             </a:ln>
@@ -10299,7 +10586,7 @@
           <a:buFontTx/>
           <a:buNone/>
           <a:tabLst/>
-          <a:defRPr b="0" baseline="0" cap="none" i="0" spc="0" strike="noStrike" sz="1800" u="none" kumimoji="0" normalizeH="0">
+          <a:defRPr kumimoji="0" sz="1800" b="0" i="0" u="none" strike="noStrike" cap="none" spc="0" normalizeH="0" baseline="0">
             <a:ln>
               <a:noFill/>
             </a:ln>
@@ -10325,7 +10612,7 @@
           <a:buFontTx/>
           <a:buNone/>
           <a:tabLst/>
-          <a:defRPr b="0" baseline="0" cap="none" i="0" spc="0" strike="noStrike" sz="1800" u="none" kumimoji="0" normalizeH="0">
+          <a:defRPr kumimoji="0" sz="1800" b="0" i="0" u="none" strike="noStrike" cap="none" spc="0" normalizeH="0" baseline="0">
             <a:ln>
               <a:noFill/>
             </a:ln>
@@ -10351,7 +10638,7 @@
           <a:buFontTx/>
           <a:buNone/>
           <a:tabLst/>
-          <a:defRPr b="0" baseline="0" cap="none" i="0" spc="0" strike="noStrike" sz="1800" u="none" kumimoji="0" normalizeH="0">
+          <a:defRPr kumimoji="0" sz="1800" b="0" i="0" u="none" strike="noStrike" cap="none" spc="0" normalizeH="0" baseline="0">
             <a:ln>
               <a:noFill/>
             </a:ln>
@@ -10377,7 +10664,7 @@
           <a:buFontTx/>
           <a:buNone/>
           <a:tabLst/>
-          <a:defRPr b="0" baseline="0" cap="none" i="0" spc="0" strike="noStrike" sz="1800" u="none" kumimoji="0" normalizeH="0">
+          <a:defRPr kumimoji="0" sz="1800" b="0" i="0" u="none" strike="noStrike" cap="none" spc="0" normalizeH="0" baseline="0">
             <a:ln>
               <a:noFill/>
             </a:ln>
@@ -10403,7 +10690,7 @@
           <a:buFontTx/>
           <a:buNone/>
           <a:tabLst/>
-          <a:defRPr b="0" baseline="0" cap="none" i="0" spc="0" strike="noStrike" sz="1800" u="none" kumimoji="0" normalizeH="0">
+          <a:defRPr kumimoji="0" sz="1800" b="0" i="0" u="none" strike="noStrike" cap="none" spc="0" normalizeH="0" baseline="0">
             <a:ln>
               <a:noFill/>
             </a:ln>
@@ -10429,7 +10716,7 @@
           <a:buFontTx/>
           <a:buNone/>
           <a:tabLst/>
-          <a:defRPr b="0" baseline="0" cap="none" i="0" spc="0" strike="noStrike" sz="1800" u="none" kumimoji="0" normalizeH="0">
+          <a:defRPr kumimoji="0" sz="1800" b="0" i="0" u="none" strike="noStrike" cap="none" spc="0" normalizeH="0" baseline="0">
             <a:ln>
               <a:noFill/>
             </a:ln>
@@ -10455,7 +10742,7 @@
           <a:buFontTx/>
           <a:buNone/>
           <a:tabLst/>
-          <a:defRPr b="0" baseline="0" cap="none" i="0" spc="0" strike="noStrike" sz="1800" u="none" kumimoji="0" normalizeH="0">
+          <a:defRPr kumimoji="0" sz="1800" b="0" i="0" u="none" strike="noStrike" cap="none" spc="0" normalizeH="0" baseline="0">
             <a:ln>
               <a:noFill/>
             </a:ln>
@@ -10481,7 +10768,7 @@
           <a:buFontTx/>
           <a:buNone/>
           <a:tabLst/>
-          <a:defRPr b="0" baseline="0" cap="none" i="0" spc="0" strike="noStrike" sz="1800" u="none" kumimoji="0" normalizeH="0">
+          <a:defRPr kumimoji="0" sz="1800" b="0" i="0" u="none" strike="noStrike" cap="none" spc="0" normalizeH="0" baseline="0">
             <a:ln>
               <a:noFill/>
             </a:ln>
@@ -10507,7 +10794,7 @@
           <a:buFontTx/>
           <a:buNone/>
           <a:tabLst/>
-          <a:defRPr b="0" baseline="0" cap="none" i="0" spc="0" strike="noStrike" sz="1800" u="none" kumimoji="0" normalizeH="0">
+          <a:defRPr kumimoji="0" sz="1800" b="0" i="0" u="none" strike="noStrike" cap="none" spc="0" normalizeH="0" baseline="0">
             <a:ln>
               <a:noFill/>
             </a:ln>
@@ -10520,18 +10807,25 @@
         </a:lvl9pPr>
       </a:lstStyle>
       <a:style>
-        <a:lnRef idx="0"/>
-        <a:fillRef idx="0"/>
-        <a:effectRef idx="0"/>
+        <a:lnRef idx="0">
+          <a:scrgbClr r="0" g="0" b="0"/>
+        </a:lnRef>
+        <a:fillRef idx="0">
+          <a:scrgbClr r="0" g="0" b="0"/>
+        </a:fillRef>
+        <a:effectRef idx="0">
+          <a:scrgbClr r="0" g="0" b="0"/>
+        </a:effectRef>
         <a:fontRef idx="none"/>
       </a:style>
     </a:txDef>
   </a:objectDefaults>
+  <a:extraClrSchemeLst/>
 </a:theme>
 </file>
 
 <file path=ppt/theme/theme2.xml><?xml version="1.0" encoding="utf-8"?>
-<a:theme xmlns:a="http://schemas.openxmlformats.org/drawingml/2006/main" xmlns:r="http://schemas.openxmlformats.org/officeDocument/2006/relationships" name="Black">
+<a:theme xmlns:a="http://schemas.openxmlformats.org/drawingml/2006/main" name="Black">
   <a:themeElements>
     <a:clrScheme name="Black">
       <a:dk1>
@@ -10721,8 +11015,8 @@
     <a:spDef>
       <a:spPr>
         <a:blipFill rotWithShape="1">
-          <a:blip r:embed="rId1"/>
-          <a:srcRect l="0" t="0" r="0" b="0"/>
+          <a:blip xmlns:r="http://schemas.openxmlformats.org/officeDocument/2006/relationships" r:embed="rId1"/>
+          <a:srcRect/>
           <a:tile tx="0" ty="0" sx="100000" sy="100000" flip="none" algn="tl"/>
         </a:blipFill>
         <a:ln w="12700" cap="flat">
@@ -10732,7 +11026,7 @@
         <a:effectLst/>
         <a:sp3d/>
       </a:spPr>
-      <a:bodyPr rot="0" spcFirstLastPara="1" vertOverflow="overflow" horzOverflow="overflow" vert="horz" wrap="square" lIns="50800" tIns="50800" rIns="50800" bIns="50800" numCol="1" spcCol="38100" rtlCol="0" anchor="ctr" upright="0">
+      <a:bodyPr rot="0" spcFirstLastPara="1" vertOverflow="overflow" horzOverflow="overflow" vert="horz" wrap="square" lIns="50800" tIns="50800" rIns="50800" bIns="50800" numCol="1" spcCol="38100" rtlCol="0" anchor="ctr">
         <a:spAutoFit/>
       </a:bodyPr>
       <a:lstStyle>
@@ -10751,7 +11045,7 @@
           <a:buFontTx/>
           <a:buNone/>
           <a:tabLst/>
-          <a:defRPr b="0" baseline="0" cap="none" i="0" spc="0" strike="noStrike" sz="2600" u="none" kumimoji="0" normalizeH="0">
+          <a:defRPr kumimoji="0" sz="2600" b="0" i="0" u="none" strike="noStrike" cap="none" spc="0" normalizeH="0" baseline="0">
             <a:ln>
               <a:noFill/>
             </a:ln>
@@ -10781,7 +11075,7 @@
           <a:buFontTx/>
           <a:buNone/>
           <a:tabLst/>
-          <a:defRPr b="0" baseline="0" cap="none" i="0" spc="0" strike="noStrike" sz="1800" u="none" kumimoji="0" normalizeH="0">
+          <a:defRPr kumimoji="0" sz="1800" b="0" i="0" u="none" strike="noStrike" cap="none" spc="0" normalizeH="0" baseline="0">
             <a:ln>
               <a:noFill/>
             </a:ln>
@@ -10807,7 +11101,7 @@
           <a:buFontTx/>
           <a:buNone/>
           <a:tabLst/>
-          <a:defRPr b="0" baseline="0" cap="none" i="0" spc="0" strike="noStrike" sz="1800" u="none" kumimoji="0" normalizeH="0">
+          <a:defRPr kumimoji="0" sz="1800" b="0" i="0" u="none" strike="noStrike" cap="none" spc="0" normalizeH="0" baseline="0">
             <a:ln>
               <a:noFill/>
             </a:ln>
@@ -10833,7 +11127,7 @@
           <a:buFontTx/>
           <a:buNone/>
           <a:tabLst/>
-          <a:defRPr b="0" baseline="0" cap="none" i="0" spc="0" strike="noStrike" sz="1800" u="none" kumimoji="0" normalizeH="0">
+          <a:defRPr kumimoji="0" sz="1800" b="0" i="0" u="none" strike="noStrike" cap="none" spc="0" normalizeH="0" baseline="0">
             <a:ln>
               <a:noFill/>
             </a:ln>
@@ -10859,7 +11153,7 @@
           <a:buFontTx/>
           <a:buNone/>
           <a:tabLst/>
-          <a:defRPr b="0" baseline="0" cap="none" i="0" spc="0" strike="noStrike" sz="1800" u="none" kumimoji="0" normalizeH="0">
+          <a:defRPr kumimoji="0" sz="1800" b="0" i="0" u="none" strike="noStrike" cap="none" spc="0" normalizeH="0" baseline="0">
             <a:ln>
               <a:noFill/>
             </a:ln>
@@ -10885,7 +11179,7 @@
           <a:buFontTx/>
           <a:buNone/>
           <a:tabLst/>
-          <a:defRPr b="0" baseline="0" cap="none" i="0" spc="0" strike="noStrike" sz="1800" u="none" kumimoji="0" normalizeH="0">
+          <a:defRPr kumimoji="0" sz="1800" b="0" i="0" u="none" strike="noStrike" cap="none" spc="0" normalizeH="0" baseline="0">
             <a:ln>
               <a:noFill/>
             </a:ln>
@@ -10911,7 +11205,7 @@
           <a:buFontTx/>
           <a:buNone/>
           <a:tabLst/>
-          <a:defRPr b="0" baseline="0" cap="none" i="0" spc="0" strike="noStrike" sz="1800" u="none" kumimoji="0" normalizeH="0">
+          <a:defRPr kumimoji="0" sz="1800" b="0" i="0" u="none" strike="noStrike" cap="none" spc="0" normalizeH="0" baseline="0">
             <a:ln>
               <a:noFill/>
             </a:ln>
@@ -10937,7 +11231,7 @@
           <a:buFontTx/>
           <a:buNone/>
           <a:tabLst/>
-          <a:defRPr b="0" baseline="0" cap="none" i="0" spc="0" strike="noStrike" sz="1800" u="none" kumimoji="0" normalizeH="0">
+          <a:defRPr kumimoji="0" sz="1800" b="0" i="0" u="none" strike="noStrike" cap="none" spc="0" normalizeH="0" baseline="0">
             <a:ln>
               <a:noFill/>
             </a:ln>
@@ -10963,7 +11257,7 @@
           <a:buFontTx/>
           <a:buNone/>
           <a:tabLst/>
-          <a:defRPr b="0" baseline="0" cap="none" i="0" spc="0" strike="noStrike" sz="1800" u="none" kumimoji="0" normalizeH="0">
+          <a:defRPr kumimoji="0" sz="1800" b="0" i="0" u="none" strike="noStrike" cap="none" spc="0" normalizeH="0" baseline="0">
             <a:ln>
               <a:noFill/>
             </a:ln>
@@ -10989,7 +11283,7 @@
           <a:buFontTx/>
           <a:buNone/>
           <a:tabLst/>
-          <a:defRPr b="0" baseline="0" cap="none" i="0" spc="0" strike="noStrike" sz="1800" u="none" kumimoji="0" normalizeH="0">
+          <a:defRPr kumimoji="0" sz="1800" b="0" i="0" u="none" strike="noStrike" cap="none" spc="0" normalizeH="0" baseline="0">
             <a:ln>
               <a:noFill/>
             </a:ln>
@@ -11002,9 +11296,15 @@
         </a:lvl9pPr>
       </a:lstStyle>
       <a:style>
-        <a:lnRef idx="0"/>
-        <a:fillRef idx="0"/>
-        <a:effectRef idx="0"/>
+        <a:lnRef idx="0">
+          <a:scrgbClr r="0" g="0" b="0"/>
+        </a:lnRef>
+        <a:fillRef idx="0">
+          <a:scrgbClr r="0" g="0" b="0"/>
+        </a:fillRef>
+        <a:effectRef idx="0">
+          <a:scrgbClr r="0" g="0" b="0"/>
+        </a:effectRef>
         <a:fontRef idx="none"/>
       </a:style>
     </a:spDef>
@@ -11021,7 +11321,7 @@
         <a:effectLst/>
         <a:sp3d/>
       </a:spPr>
-      <a:bodyPr rot="0" spcFirstLastPara="1" vertOverflow="overflow" horzOverflow="overflow" vert="horz" wrap="square" lIns="91439" tIns="45719" rIns="91439" bIns="45719" numCol="1" spcCol="38100" rtlCol="0" anchor="t" upright="0">
+      <a:bodyPr rot="0" spcFirstLastPara="1" vertOverflow="overflow" horzOverflow="overflow" vert="horz" wrap="square" lIns="91439" tIns="45719" rIns="91439" bIns="45719" numCol="1" spcCol="38100" rtlCol="0" anchor="t">
         <a:noAutofit/>
       </a:bodyPr>
       <a:lstStyle>
@@ -11040,7 +11340,7 @@
           <a:buFontTx/>
           <a:buNone/>
           <a:tabLst/>
-          <a:defRPr b="0" baseline="0" cap="none" i="0" spc="0" strike="noStrike" sz="1800" u="none" kumimoji="0" normalizeH="0">
+          <a:defRPr kumimoji="0" sz="1800" b="0" i="0" u="none" strike="noStrike" cap="none" spc="0" normalizeH="0" baseline="0">
             <a:ln>
               <a:noFill/>
             </a:ln>
@@ -11066,7 +11366,7 @@
           <a:buFontTx/>
           <a:buNone/>
           <a:tabLst/>
-          <a:defRPr b="0" baseline="0" cap="none" i="0" spc="0" strike="noStrike" sz="1800" u="none" kumimoji="0" normalizeH="0">
+          <a:defRPr kumimoji="0" sz="1800" b="0" i="0" u="none" strike="noStrike" cap="none" spc="0" normalizeH="0" baseline="0">
             <a:ln>
               <a:noFill/>
             </a:ln>
@@ -11092,7 +11392,7 @@
           <a:buFontTx/>
           <a:buNone/>
           <a:tabLst/>
-          <a:defRPr b="0" baseline="0" cap="none" i="0" spc="0" strike="noStrike" sz="1800" u="none" kumimoji="0" normalizeH="0">
+          <a:defRPr kumimoji="0" sz="1800" b="0" i="0" u="none" strike="noStrike" cap="none" spc="0" normalizeH="0" baseline="0">
             <a:ln>
               <a:noFill/>
             </a:ln>
@@ -11118,7 +11418,7 @@
           <a:buFontTx/>
           <a:buNone/>
           <a:tabLst/>
-          <a:defRPr b="0" baseline="0" cap="none" i="0" spc="0" strike="noStrike" sz="1800" u="none" kumimoji="0" normalizeH="0">
+          <a:defRPr kumimoji="0" sz="1800" b="0" i="0" u="none" strike="noStrike" cap="none" spc="0" normalizeH="0" baseline="0">
             <a:ln>
               <a:noFill/>
             </a:ln>
@@ -11144,7 +11444,7 @@
           <a:buFontTx/>
           <a:buNone/>
           <a:tabLst/>
-          <a:defRPr b="0" baseline="0" cap="none" i="0" spc="0" strike="noStrike" sz="1800" u="none" kumimoji="0" normalizeH="0">
+          <a:defRPr kumimoji="0" sz="1800" b="0" i="0" u="none" strike="noStrike" cap="none" spc="0" normalizeH="0" baseline="0">
             <a:ln>
               <a:noFill/>
             </a:ln>
@@ -11170,7 +11470,7 @@
           <a:buFontTx/>
           <a:buNone/>
           <a:tabLst/>
-          <a:defRPr b="0" baseline="0" cap="none" i="0" spc="0" strike="noStrike" sz="1800" u="none" kumimoji="0" normalizeH="0">
+          <a:defRPr kumimoji="0" sz="1800" b="0" i="0" u="none" strike="noStrike" cap="none" spc="0" normalizeH="0" baseline="0">
             <a:ln>
               <a:noFill/>
             </a:ln>
@@ -11196,7 +11496,7 @@
           <a:buFontTx/>
           <a:buNone/>
           <a:tabLst/>
-          <a:defRPr b="0" baseline="0" cap="none" i="0" spc="0" strike="noStrike" sz="1800" u="none" kumimoji="0" normalizeH="0">
+          <a:defRPr kumimoji="0" sz="1800" b="0" i="0" u="none" strike="noStrike" cap="none" spc="0" normalizeH="0" baseline="0">
             <a:ln>
               <a:noFill/>
             </a:ln>
@@ -11222,7 +11522,7 @@
           <a:buFontTx/>
           <a:buNone/>
           <a:tabLst/>
-          <a:defRPr b="0" baseline="0" cap="none" i="0" spc="0" strike="noStrike" sz="1800" u="none" kumimoji="0" normalizeH="0">
+          <a:defRPr kumimoji="0" sz="1800" b="0" i="0" u="none" strike="noStrike" cap="none" spc="0" normalizeH="0" baseline="0">
             <a:ln>
               <a:noFill/>
             </a:ln>
@@ -11248,7 +11548,7 @@
           <a:buFontTx/>
           <a:buNone/>
           <a:tabLst/>
-          <a:defRPr b="0" baseline="0" cap="none" i="0" spc="0" strike="noStrike" sz="1800" u="none" kumimoji="0" normalizeH="0">
+          <a:defRPr kumimoji="0" sz="1800" b="0" i="0" u="none" strike="noStrike" cap="none" spc="0" normalizeH="0" baseline="0">
             <a:ln>
               <a:noFill/>
             </a:ln>
@@ -11274,7 +11574,7 @@
           <a:buFontTx/>
           <a:buNone/>
           <a:tabLst/>
-          <a:defRPr b="0" baseline="0" cap="none" i="0" spc="0" strike="noStrike" sz="1800" u="none" kumimoji="0" normalizeH="0">
+          <a:defRPr kumimoji="0" sz="1800" b="0" i="0" u="none" strike="noStrike" cap="none" spc="0" normalizeH="0" baseline="0">
             <a:ln>
               <a:noFill/>
             </a:ln>
@@ -11287,9 +11587,15 @@
         </a:lvl9pPr>
       </a:lstStyle>
       <a:style>
-        <a:lnRef idx="0"/>
-        <a:fillRef idx="0"/>
-        <a:effectRef idx="0"/>
+        <a:lnRef idx="0">
+          <a:scrgbClr r="0" g="0" b="0"/>
+        </a:lnRef>
+        <a:fillRef idx="0">
+          <a:scrgbClr r="0" g="0" b="0"/>
+        </a:fillRef>
+        <a:effectRef idx="0">
+          <a:scrgbClr r="0" g="0" b="0"/>
+        </a:effectRef>
         <a:fontRef idx="none"/>
       </a:style>
     </a:lnDef>
@@ -11303,7 +11609,7 @@
         <a:effectLst/>
         <a:sp3d/>
       </a:spPr>
-      <a:bodyPr rot="0" spcFirstLastPara="1" vertOverflow="overflow" horzOverflow="overflow" vert="horz" wrap="square" lIns="50800" tIns="50800" rIns="50800" bIns="50800" numCol="1" spcCol="38100" rtlCol="0" anchor="ctr" upright="0">
+      <a:bodyPr rot="0" spcFirstLastPara="1" vertOverflow="overflow" horzOverflow="overflow" vert="horz" wrap="square" lIns="50800" tIns="50800" rIns="50800" bIns="50800" numCol="1" spcCol="38100" rtlCol="0" anchor="ctr">
         <a:spAutoFit/>
       </a:bodyPr>
       <a:lstStyle>
@@ -11322,7 +11628,7 @@
           <a:buFontTx/>
           <a:buNone/>
           <a:tabLst/>
-          <a:defRPr b="0" baseline="0" cap="none" i="0" spc="0" strike="noStrike" sz="3600" u="none" kumimoji="0" normalizeH="0">
+          <a:defRPr kumimoji="0" sz="3600" b="0" i="0" u="none" strike="noStrike" cap="none" spc="0" normalizeH="0" baseline="0">
             <a:ln>
               <a:noFill/>
             </a:ln>
@@ -11352,7 +11658,7 @@
           <a:buFontTx/>
           <a:buNone/>
           <a:tabLst/>
-          <a:defRPr b="0" baseline="0" cap="none" i="0" spc="0" strike="noStrike" sz="1800" u="none" kumimoji="0" normalizeH="0">
+          <a:defRPr kumimoji="0" sz="1800" b="0" i="0" u="none" strike="noStrike" cap="none" spc="0" normalizeH="0" baseline="0">
             <a:ln>
               <a:noFill/>
             </a:ln>
@@ -11378,7 +11684,7 @@
           <a:buFontTx/>
           <a:buNone/>
           <a:tabLst/>
-          <a:defRPr b="0" baseline="0" cap="none" i="0" spc="0" strike="noStrike" sz="1800" u="none" kumimoji="0" normalizeH="0">
+          <a:defRPr kumimoji="0" sz="1800" b="0" i="0" u="none" strike="noStrike" cap="none" spc="0" normalizeH="0" baseline="0">
             <a:ln>
               <a:noFill/>
             </a:ln>
@@ -11404,7 +11710,7 @@
           <a:buFontTx/>
           <a:buNone/>
           <a:tabLst/>
-          <a:defRPr b="0" baseline="0" cap="none" i="0" spc="0" strike="noStrike" sz="1800" u="none" kumimoji="0" normalizeH="0">
+          <a:defRPr kumimoji="0" sz="1800" b="0" i="0" u="none" strike="noStrike" cap="none" spc="0" normalizeH="0" baseline="0">
             <a:ln>
               <a:noFill/>
             </a:ln>
@@ -11430,7 +11736,7 @@
           <a:buFontTx/>
           <a:buNone/>
           <a:tabLst/>
-          <a:defRPr b="0" baseline="0" cap="none" i="0" spc="0" strike="noStrike" sz="1800" u="none" kumimoji="0" normalizeH="0">
+          <a:defRPr kumimoji="0" sz="1800" b="0" i="0" u="none" strike="noStrike" cap="none" spc="0" normalizeH="0" baseline="0">
             <a:ln>
               <a:noFill/>
             </a:ln>
@@ -11456,7 +11762,7 @@
           <a:buFontTx/>
           <a:buNone/>
           <a:tabLst/>
-          <a:defRPr b="0" baseline="0" cap="none" i="0" spc="0" strike="noStrike" sz="1800" u="none" kumimoji="0" normalizeH="0">
+          <a:defRPr kumimoji="0" sz="1800" b="0" i="0" u="none" strike="noStrike" cap="none" spc="0" normalizeH="0" baseline="0">
             <a:ln>
               <a:noFill/>
             </a:ln>
@@ -11482,7 +11788,7 @@
           <a:buFontTx/>
           <a:buNone/>
           <a:tabLst/>
-          <a:defRPr b="0" baseline="0" cap="none" i="0" spc="0" strike="noStrike" sz="1800" u="none" kumimoji="0" normalizeH="0">
+          <a:defRPr kumimoji="0" sz="1800" b="0" i="0" u="none" strike="noStrike" cap="none" spc="0" normalizeH="0" baseline="0">
             <a:ln>
               <a:noFill/>
             </a:ln>
@@ -11508,7 +11814,7 @@
           <a:buFontTx/>
           <a:buNone/>
           <a:tabLst/>
-          <a:defRPr b="0" baseline="0" cap="none" i="0" spc="0" strike="noStrike" sz="1800" u="none" kumimoji="0" normalizeH="0">
+          <a:defRPr kumimoji="0" sz="1800" b="0" i="0" u="none" strike="noStrike" cap="none" spc="0" normalizeH="0" baseline="0">
             <a:ln>
               <a:noFill/>
             </a:ln>
@@ -11534,7 +11840,7 @@
           <a:buFontTx/>
           <a:buNone/>
           <a:tabLst/>
-          <a:defRPr b="0" baseline="0" cap="none" i="0" spc="0" strike="noStrike" sz="1800" u="none" kumimoji="0" normalizeH="0">
+          <a:defRPr kumimoji="0" sz="1800" b="0" i="0" u="none" strike="noStrike" cap="none" spc="0" normalizeH="0" baseline="0">
             <a:ln>
               <a:noFill/>
             </a:ln>
@@ -11560,7 +11866,7 @@
           <a:buFontTx/>
           <a:buNone/>
           <a:tabLst/>
-          <a:defRPr b="0" baseline="0" cap="none" i="0" spc="0" strike="noStrike" sz="1800" u="none" kumimoji="0" normalizeH="0">
+          <a:defRPr kumimoji="0" sz="1800" b="0" i="0" u="none" strike="noStrike" cap="none" spc="0" normalizeH="0" baseline="0">
             <a:ln>
               <a:noFill/>
             </a:ln>
@@ -11573,12 +11879,19 @@
         </a:lvl9pPr>
       </a:lstStyle>
       <a:style>
-        <a:lnRef idx="0"/>
-        <a:fillRef idx="0"/>
-        <a:effectRef idx="0"/>
+        <a:lnRef idx="0">
+          <a:scrgbClr r="0" g="0" b="0"/>
+        </a:lnRef>
+        <a:fillRef idx="0">
+          <a:scrgbClr r="0" g="0" b="0"/>
+        </a:fillRef>
+        <a:effectRef idx="0">
+          <a:scrgbClr r="0" g="0" b="0"/>
+        </a:effectRef>
         <a:fontRef idx="none"/>
       </a:style>
     </a:txDef>
   </a:objectDefaults>
+  <a:extraClrSchemeLst/>
 </a:theme>
 </file>